--- a/doc/publication/презентация.pptx
+++ b/doc/publication/презентация.pptx
@@ -350,7 +350,7 @@
           <a:p>
             <a:fld id="{F7F616E4-FC83-4FAA-AFE1-EB622BBF82DB}" type="datetimeFigureOut">
               <a:rPr lang="ru-RU" smtClean="0"/>
-              <a:t>27.04.2017</a:t>
+              <a:t>28.04.2017</a:t>
             </a:fld>
             <a:endParaRPr lang="ru-RU"/>
           </a:p>
@@ -558,7 +558,7 @@
           <a:p>
             <a:fld id="{F7F616E4-FC83-4FAA-AFE1-EB622BBF82DB}" type="datetimeFigureOut">
               <a:rPr lang="ru-RU" smtClean="0"/>
-              <a:t>27.04.2017</a:t>
+              <a:t>28.04.2017</a:t>
             </a:fld>
             <a:endParaRPr lang="ru-RU"/>
           </a:p>
@@ -814,7 +814,7 @@
           <a:p>
             <a:fld id="{F7F616E4-FC83-4FAA-AFE1-EB622BBF82DB}" type="datetimeFigureOut">
               <a:rPr lang="ru-RU" smtClean="0"/>
-              <a:t>27.04.2017</a:t>
+              <a:t>28.04.2017</a:t>
             </a:fld>
             <a:endParaRPr lang="ru-RU"/>
           </a:p>
@@ -988,7 +988,7 @@
           <a:p>
             <a:fld id="{F7F616E4-FC83-4FAA-AFE1-EB622BBF82DB}" type="datetimeFigureOut">
               <a:rPr lang="ru-RU" smtClean="0"/>
-              <a:t>27.04.2017</a:t>
+              <a:t>28.04.2017</a:t>
             </a:fld>
             <a:endParaRPr lang="ru-RU"/>
           </a:p>
@@ -1331,7 +1331,7 @@
           <a:p>
             <a:fld id="{F7F616E4-FC83-4FAA-AFE1-EB622BBF82DB}" type="datetimeFigureOut">
               <a:rPr lang="ru-RU" smtClean="0"/>
-              <a:t>27.04.2017</a:t>
+              <a:t>28.04.2017</a:t>
             </a:fld>
             <a:endParaRPr lang="ru-RU"/>
           </a:p>
@@ -1606,7 +1606,7 @@
           <a:p>
             <a:fld id="{F7F616E4-FC83-4FAA-AFE1-EB622BBF82DB}" type="datetimeFigureOut">
               <a:rPr lang="ru-RU" smtClean="0"/>
-              <a:t>27.04.2017</a:t>
+              <a:t>28.04.2017</a:t>
             </a:fld>
             <a:endParaRPr lang="ru-RU"/>
           </a:p>
@@ -1985,7 +1985,7 @@
           <a:p>
             <a:fld id="{F7F616E4-FC83-4FAA-AFE1-EB622BBF82DB}" type="datetimeFigureOut">
               <a:rPr lang="ru-RU" smtClean="0"/>
-              <a:t>27.04.2017</a:t>
+              <a:t>28.04.2017</a:t>
             </a:fld>
             <a:endParaRPr lang="ru-RU"/>
           </a:p>
@@ -2103,7 +2103,7 @@
           <a:p>
             <a:fld id="{F7F616E4-FC83-4FAA-AFE1-EB622BBF82DB}" type="datetimeFigureOut">
               <a:rPr lang="ru-RU" smtClean="0"/>
-              <a:t>27.04.2017</a:t>
+              <a:t>28.04.2017</a:t>
             </a:fld>
             <a:endParaRPr lang="ru-RU"/>
           </a:p>
@@ -2274,7 +2274,7 @@
           <a:p>
             <a:fld id="{F7F616E4-FC83-4FAA-AFE1-EB622BBF82DB}" type="datetimeFigureOut">
               <a:rPr lang="ru-RU" smtClean="0"/>
-              <a:t>27.04.2017</a:t>
+              <a:t>28.04.2017</a:t>
             </a:fld>
             <a:endParaRPr lang="ru-RU"/>
           </a:p>
@@ -2628,7 +2628,7 @@
           <a:p>
             <a:fld id="{F7F616E4-FC83-4FAA-AFE1-EB622BBF82DB}" type="datetimeFigureOut">
               <a:rPr lang="ru-RU" smtClean="0"/>
-              <a:t>27.04.2017</a:t>
+              <a:t>28.04.2017</a:t>
             </a:fld>
             <a:endParaRPr lang="ru-RU"/>
           </a:p>
@@ -3010,7 +3010,7 @@
           <a:p>
             <a:fld id="{F7F616E4-FC83-4FAA-AFE1-EB622BBF82DB}" type="datetimeFigureOut">
               <a:rPr lang="ru-RU" smtClean="0"/>
-              <a:t>27.04.2017</a:t>
+              <a:t>28.04.2017</a:t>
             </a:fld>
             <a:endParaRPr lang="ru-RU"/>
           </a:p>
@@ -3297,7 +3297,7 @@
           <a:p>
             <a:fld id="{F7F616E4-FC83-4FAA-AFE1-EB622BBF82DB}" type="datetimeFigureOut">
               <a:rPr lang="ru-RU" smtClean="0"/>
-              <a:t>27.04.2017</a:t>
+              <a:t>28.04.2017</a:t>
             </a:fld>
             <a:endParaRPr lang="ru-RU"/>
           </a:p>
@@ -3965,15 +3965,15 @@
               <a:buChar char="•"/>
             </a:pPr>
             <a:r>
-              <a:rPr lang="ru-RU" dirty="0" smtClean="0"/>
+              <a:rPr lang="ru-RU" sz="1600" dirty="0" smtClean="0"/>
               <a:t>Если угол больше 180</a:t>
             </a:r>
             <a:r>
-              <a:rPr lang="ru-RU" dirty="0"/>
+              <a:rPr lang="ru-RU" sz="1600" dirty="0"/>
               <a:t> </a:t>
             </a:r>
             <a:r>
-              <a:rPr lang="ru-RU" dirty="0" smtClean="0"/>
+              <a:rPr lang="ru-RU" sz="1600" dirty="0" smtClean="0"/>
               <a:t>градусов: используем биссектрису между сегментами вместо нормали,  новый сегмент – точка, из которой идет биссектриса.</a:t>
             </a:r>
           </a:p>
@@ -3983,7 +3983,7 @@
               <a:buChar char="•"/>
             </a:pPr>
             <a:r>
-              <a:rPr lang="ru-RU" dirty="0" smtClean="0"/>
+              <a:rPr lang="ru-RU" sz="1600" dirty="0" smtClean="0"/>
               <a:t>Иначе делим 2 сегмента на четыре части:</a:t>
             </a:r>
           </a:p>
@@ -3992,7 +3992,7 @@
               <a:buNone/>
             </a:pPr>
             <a:r>
-              <a:rPr lang="ru-RU" dirty="0" smtClean="0"/>
+              <a:rPr lang="ru-RU" sz="1600" dirty="0" smtClean="0"/>
               <a:t>	От начала сегмента 1 до середины сегмента 1. От середины сегмента 1 до конца сегмента 1. </a:t>
             </a:r>
           </a:p>
@@ -4001,7 +4001,7 @@
               <a:buNone/>
             </a:pPr>
             <a:r>
-              <a:rPr lang="ru-RU" dirty="0" smtClean="0"/>
+              <a:rPr lang="ru-RU" sz="1600" dirty="0" smtClean="0"/>
               <a:t>	От начала сегмента 2 до середины сегмента 2. От середины сегмента 2 до конца сегмента 2. </a:t>
             </a:r>
           </a:p>
@@ -4010,10 +4010,10 @@
               <a:buNone/>
             </a:pPr>
             <a:r>
-              <a:rPr lang="ru-RU" dirty="0" smtClean="0"/>
+              <a:rPr lang="ru-RU" sz="1600" dirty="0" smtClean="0"/>
               <a:t>	По новой отправляем на Шаг 1.</a:t>
             </a:r>
-            <a:endParaRPr lang="ru-RU" sz="2000" dirty="0"/>
+            <a:endParaRPr lang="ru-RU" sz="2400" dirty="0"/>
           </a:p>
           <a:p>
             <a:pPr marL="201168" lvl="1" indent="0">
@@ -4021,13 +4021,8 @@
             </a:pPr>
             <a:r>
               <a:rPr lang="ru-RU" sz="2000" dirty="0" smtClean="0"/>
-              <a:t>Если меньше, то сохраняем полученную точку в список точек срединной поверхности, переходим </a:t>
-            </a:r>
-            <a:r>
-              <a:rPr lang="ru-RU" sz="2000" smtClean="0"/>
-              <a:t>к следующему сегменту.</a:t>
-            </a:r>
-            <a:endParaRPr lang="ru-RU" sz="2000" dirty="0" smtClean="0"/>
+              <a:t>Если меньше, то сохраняем полученную точку в список точек срединной поверхности, переходим к следующему сегменту.</a:t>
+            </a:r>
           </a:p>
           <a:p>
             <a:endParaRPr lang="ru-RU" dirty="0"/>
@@ -4109,14 +4104,46 @@
           <a:bodyPr/>
           <a:lstStyle/>
           <a:p>
+            <a:pPr marL="457200" indent="-457200">
+              <a:buFont typeface="+mj-lt"/>
+              <a:buAutoNum type="arabicPeriod"/>
+            </a:pPr>
             <a:endParaRPr lang="ru-RU" dirty="0" smtClean="0"/>
           </a:p>
           <a:p>
+            <a:pPr marL="457200" indent="-457200">
+              <a:buFont typeface="+mj-lt"/>
+              <a:buAutoNum type="arabicPeriod"/>
+            </a:pPr>
             <a:r>
               <a:rPr lang="ru-RU" dirty="0" smtClean="0"/>
-              <a:t>Соединяем точки срединной поверхности.</a:t>
-            </a:r>
-            <a:endParaRPr lang="ru-RU" dirty="0"/>
+              <a:t>Получаем вычисленные точки срединной поверхности.</a:t>
+            </a:r>
+          </a:p>
+          <a:p>
+            <a:pPr marL="457200" indent="-457200">
+              <a:buFont typeface="+mj-lt"/>
+              <a:buAutoNum type="arabicPeriod"/>
+            </a:pPr>
+            <a:r>
+              <a:rPr lang="ru-RU" dirty="0" smtClean="0"/>
+              <a:t>ПО соседним двум точкам строим сегмент</a:t>
+            </a:r>
+            <a:r>
+              <a:rPr lang="ru-RU" dirty="0" smtClean="0"/>
+              <a:t>.</a:t>
+            </a:r>
+          </a:p>
+          <a:p>
+            <a:pPr marL="457200" indent="-457200">
+              <a:buFont typeface="+mj-lt"/>
+              <a:buAutoNum type="arabicPeriod"/>
+            </a:pPr>
+            <a:r>
+              <a:rPr lang="ru-RU" dirty="0" smtClean="0"/>
+              <a:t>Последовательно соединияем получившиеся сегменты.</a:t>
+            </a:r>
+            <a:endParaRPr lang="ru-RU" dirty="0" smtClean="0"/>
           </a:p>
         </p:txBody>
       </p:sp>
@@ -4174,7 +4201,15 @@
           <a:p>
             <a:r>
               <a:rPr lang="ru-RU" dirty="0" smtClean="0"/>
-              <a:t>Пример построения срединной поверхности</a:t>
+              <a:t>Пример построения </a:t>
+            </a:r>
+            <a:r>
+              <a:rPr lang="ru-RU" dirty="0" smtClean="0"/>
+              <a:t>классической срединной </a:t>
+            </a:r>
+            <a:r>
+              <a:rPr lang="ru-RU" dirty="0" smtClean="0"/>
+              <a:t>поверхности</a:t>
             </a:r>
             <a:endParaRPr lang="ru-RU" dirty="0"/>
           </a:p>
@@ -4691,11 +4726,7 @@
             </a:r>
             <a:r>
               <a:rPr lang="ru-RU" dirty="0" smtClean="0"/>
-              <a:t>. Участие </a:t>
-            </a:r>
-            <a:r>
-              <a:rPr lang="ru-RU" dirty="0" smtClean="0"/>
-              <a:t>человека </a:t>
+              <a:t>. Участие человека </a:t>
             </a:r>
             <a:r>
               <a:rPr lang="ru-RU" dirty="0"/>
@@ -4933,8 +4964,8 @@
           </a:p>
         </p:txBody>
       </p:sp>
-      <mc:AlternateContent xmlns:mc="http://schemas.openxmlformats.org/markup-compatibility/2006">
-        <mc:Choice xmlns:a14="http://schemas.microsoft.com/office/drawing/2010/main" Requires="a14">
+      <mc:AlternateContent xmlns:mc="http://schemas.openxmlformats.org/markup-compatibility/2006" xmlns:a14="http://schemas.microsoft.com/office/drawing/2010/main">
+        <mc:Choice Requires="a14">
           <p:sp>
             <p:nvSpPr>
               <p:cNvPr id="3" name="Content Placeholder 2"/>
@@ -5038,18 +5069,24 @@
                     <m:sSub>
                       <m:sSubPr>
                         <m:ctrlPr>
-                          <a:rPr lang="ru-RU" sz="5500" i="1"/>
+                          <a:rPr lang="ru-RU" sz="5500" i="1">
+                            <a:latin typeface="Cambria Math" panose="02040503050406030204" pitchFamily="18" charset="0"/>
+                          </a:rPr>
                         </m:ctrlPr>
                       </m:sSubPr>
                       <m:e>
                         <m:r>
-                          <a:rPr lang="ru-RU" sz="5500" i="1"/>
+                          <a:rPr lang="ru-RU" sz="5500" i="1">
+                            <a:latin typeface="Cambria Math" panose="02040503050406030204" pitchFamily="18" charset="0"/>
+                          </a:rPr>
                           <m:t>𝑘</m:t>
                         </m:r>
                       </m:e>
                       <m:sub>
                         <m:r>
-                          <a:rPr lang="ru-RU" sz="5500" i="1"/>
+                          <a:rPr lang="ru-RU" sz="5500" i="1">
+                            <a:latin typeface="Cambria Math" panose="02040503050406030204" pitchFamily="18" charset="0"/>
+                          </a:rPr>
                           <m:t>1</m:t>
                         </m:r>
                       </m:sub>
@@ -5075,18 +5112,24 @@
                     <m:sSub>
                       <m:sSubPr>
                         <m:ctrlPr>
-                          <a:rPr lang="ru-RU" sz="5500" i="1"/>
+                          <a:rPr lang="ru-RU" sz="5500" i="1">
+                            <a:latin typeface="Cambria Math" panose="02040503050406030204" pitchFamily="18" charset="0"/>
+                          </a:rPr>
                         </m:ctrlPr>
                       </m:sSubPr>
                       <m:e>
                         <m:r>
-                          <a:rPr lang="en-US" sz="5500" i="1"/>
+                          <a:rPr lang="en-US" sz="5500" i="1">
+                            <a:latin typeface="Cambria Math" panose="02040503050406030204" pitchFamily="18" charset="0"/>
+                          </a:rPr>
                           <m:t>𝑘</m:t>
                         </m:r>
                       </m:e>
                       <m:sub>
                         <m:r>
-                          <a:rPr lang="ru-RU" sz="5500" i="1"/>
+                          <a:rPr lang="ru-RU" sz="5500" i="1">
+                            <a:latin typeface="Cambria Math" panose="02040503050406030204" pitchFamily="18" charset="0"/>
+                          </a:rPr>
                           <m:t>2</m:t>
                         </m:r>
                       </m:sub>
@@ -5120,64 +5163,86 @@
                     <m:sSub>
                       <m:sSubPr>
                         <m:ctrlPr>
-                          <a:rPr lang="ru-RU" sz="5500" i="1"/>
+                          <a:rPr lang="ru-RU" sz="5500" i="1">
+                            <a:latin typeface="Cambria Math" panose="02040503050406030204" pitchFamily="18" charset="0"/>
+                          </a:rPr>
                         </m:ctrlPr>
                       </m:sSubPr>
                       <m:e>
                         <m:r>
-                          <a:rPr lang="en-US" sz="5500" i="1"/>
+                          <a:rPr lang="en-US" sz="5500" i="1">
+                            <a:latin typeface="Cambria Math" panose="02040503050406030204" pitchFamily="18" charset="0"/>
+                          </a:rPr>
                           <m:t>𝑥</m:t>
                         </m:r>
                       </m:e>
                       <m:sub>
                         <m:r>
-                          <a:rPr lang="ru-RU" sz="5500" i="1"/>
+                          <a:rPr lang="ru-RU" sz="5500" i="1">
+                            <a:latin typeface="Cambria Math" panose="02040503050406030204" pitchFamily="18" charset="0"/>
+                          </a:rPr>
                           <m:t>1</m:t>
                         </m:r>
                       </m:sub>
                     </m:sSub>
                     <m:r>
-                      <a:rPr lang="ru-RU" sz="5500" i="1"/>
+                      <a:rPr lang="ru-RU" sz="5500" i="1">
+                        <a:latin typeface="Cambria Math" panose="02040503050406030204" pitchFamily="18" charset="0"/>
+                      </a:rPr>
                       <m:t>,</m:t>
                     </m:r>
                     <m:sSub>
                       <m:sSubPr>
                         <m:ctrlPr>
-                          <a:rPr lang="ru-RU" sz="5500" i="1"/>
+                          <a:rPr lang="ru-RU" sz="5500" i="1">
+                            <a:latin typeface="Cambria Math" panose="02040503050406030204" pitchFamily="18" charset="0"/>
+                          </a:rPr>
                         </m:ctrlPr>
                       </m:sSubPr>
                       <m:e>
                         <m:r>
-                          <a:rPr lang="en-US" sz="5500" i="1"/>
+                          <a:rPr lang="en-US" sz="5500" i="1">
+                            <a:latin typeface="Cambria Math" panose="02040503050406030204" pitchFamily="18" charset="0"/>
+                          </a:rPr>
                           <m:t>𝑥</m:t>
                         </m:r>
                       </m:e>
                       <m:sub>
                         <m:r>
-                          <a:rPr lang="ru-RU" sz="5500" i="1"/>
+                          <a:rPr lang="ru-RU" sz="5500" i="1">
+                            <a:latin typeface="Cambria Math" panose="02040503050406030204" pitchFamily="18" charset="0"/>
+                          </a:rPr>
                           <m:t>2</m:t>
                         </m:r>
                       </m:sub>
                     </m:sSub>
                     <m:r>
-                      <a:rPr lang="ru-RU" sz="5500" i="1"/>
+                      <a:rPr lang="ru-RU" sz="5500" i="1">
+                        <a:latin typeface="Cambria Math" panose="02040503050406030204" pitchFamily="18" charset="0"/>
+                      </a:rPr>
                       <m:t>,…,</m:t>
                     </m:r>
                     <m:sSub>
                       <m:sSubPr>
                         <m:ctrlPr>
-                          <a:rPr lang="ru-RU" sz="5500" i="1"/>
+                          <a:rPr lang="ru-RU" sz="5500" i="1">
+                            <a:latin typeface="Cambria Math" panose="02040503050406030204" pitchFamily="18" charset="0"/>
+                          </a:rPr>
                         </m:ctrlPr>
                       </m:sSubPr>
                       <m:e>
                         <m:r>
-                          <a:rPr lang="en-US" sz="5500" i="1"/>
+                          <a:rPr lang="en-US" sz="5500" i="1">
+                            <a:latin typeface="Cambria Math" panose="02040503050406030204" pitchFamily="18" charset="0"/>
+                          </a:rPr>
                           <m:t>𝑥</m:t>
                         </m:r>
                       </m:e>
                       <m:sub>
                         <m:r>
-                          <a:rPr lang="en-US" sz="5500" i="1"/>
+                          <a:rPr lang="en-US" sz="5500" i="1">
+                            <a:latin typeface="Cambria Math" panose="02040503050406030204" pitchFamily="18" charset="0"/>
+                          </a:rPr>
                           <m:t>𝑛</m:t>
                         </m:r>
                       </m:sub>
@@ -5193,18 +5258,24 @@
                     <m:sSub>
                       <m:sSubPr>
                         <m:ctrlPr>
-                          <a:rPr lang="ru-RU" sz="5500" i="1"/>
+                          <a:rPr lang="ru-RU" sz="5500" i="1">
+                            <a:latin typeface="Cambria Math" panose="02040503050406030204" pitchFamily="18" charset="0"/>
+                          </a:rPr>
                         </m:ctrlPr>
                       </m:sSubPr>
                       <m:e>
                         <m:r>
-                          <a:rPr lang="en-US" sz="5500" i="1"/>
+                          <a:rPr lang="en-US" sz="5500" i="1">
+                            <a:latin typeface="Cambria Math" panose="02040503050406030204" pitchFamily="18" charset="0"/>
+                          </a:rPr>
                           <m:t>𝑥</m:t>
                         </m:r>
                       </m:e>
                       <m:sub>
                         <m:r>
-                          <a:rPr lang="ru-RU" sz="5500" i="1"/>
+                          <a:rPr lang="ru-RU" sz="5500" i="1">
+                            <a:latin typeface="Cambria Math" panose="02040503050406030204" pitchFamily="18" charset="0"/>
+                          </a:rPr>
                           <m:t>𝑖</m:t>
                         </m:r>
                       </m:sub>
@@ -5238,18 +5309,24 @@
                     <m:sSub>
                       <m:sSubPr>
                         <m:ctrlPr>
-                          <a:rPr lang="ru-RU" sz="5500" i="1"/>
+                          <a:rPr lang="ru-RU" sz="5500" i="1">
+                            <a:latin typeface="Cambria Math" panose="02040503050406030204" pitchFamily="18" charset="0"/>
+                          </a:rPr>
                         </m:ctrlPr>
                       </m:sSubPr>
                       <m:e>
                         <m:r>
-                          <a:rPr lang="ru-RU" sz="5500" i="1"/>
+                          <a:rPr lang="ru-RU" sz="5500" i="1">
+                            <a:latin typeface="Cambria Math" panose="02040503050406030204" pitchFamily="18" charset="0"/>
+                          </a:rPr>
                           <m:t>𝑥</m:t>
                         </m:r>
                       </m:e>
                       <m:sub>
                         <m:r>
-                          <a:rPr lang="en-US" sz="5500" i="1"/>
+                          <a:rPr lang="en-US" sz="5500" i="1">
+                            <a:latin typeface="Cambria Math" panose="02040503050406030204" pitchFamily="18" charset="0"/>
+                          </a:rPr>
                           <m:t>𝑗</m:t>
                         </m:r>
                       </m:sub>
@@ -5273,18 +5350,24 @@
                     <m:sSub>
                       <m:sSubPr>
                         <m:ctrlPr>
-                          <a:rPr lang="ru-RU" sz="5500" i="1"/>
+                          <a:rPr lang="ru-RU" sz="5500" i="1">
+                            <a:latin typeface="Cambria Math" panose="02040503050406030204" pitchFamily="18" charset="0"/>
+                          </a:rPr>
                         </m:ctrlPr>
                       </m:sSubPr>
                       <m:e>
                         <m:r>
-                          <a:rPr lang="ru-RU" sz="5500" i="1"/>
+                          <a:rPr lang="ru-RU" sz="5500" i="1">
+                            <a:latin typeface="Cambria Math" panose="02040503050406030204" pitchFamily="18" charset="0"/>
+                          </a:rPr>
                           <m:t>𝑥</m:t>
                         </m:r>
                       </m:e>
                       <m:sub>
                         <m:r>
-                          <a:rPr lang="ru-RU" sz="5500" i="1"/>
+                          <a:rPr lang="ru-RU" sz="5500" i="1">
+                            <a:latin typeface="Cambria Math" panose="02040503050406030204" pitchFamily="18" charset="0"/>
+                          </a:rPr>
                           <m:t>𝑗</m:t>
                         </m:r>
                       </m:sub>
@@ -5308,65 +5391,89 @@
                 <a14:m>
                   <m:oMath xmlns:m="http://schemas.openxmlformats.org/officeDocument/2006/math">
                     <m:r>
-                      <a:rPr lang="ru-RU" sz="5500" i="1"/>
+                      <a:rPr lang="ru-RU" sz="5500" i="1">
+                        <a:latin typeface="Cambria Math" panose="02040503050406030204" pitchFamily="18" charset="0"/>
+                      </a:rPr>
                       <m:t>𝐶</m:t>
                     </m:r>
                     <m:r>
-                      <a:rPr lang="ru-RU" sz="5500" i="1"/>
+                      <a:rPr lang="ru-RU" sz="5500" i="1">
+                        <a:latin typeface="Cambria Math" panose="02040503050406030204" pitchFamily="18" charset="0"/>
+                      </a:rPr>
                       <m:t>∩</m:t>
                     </m:r>
                     <m:r>
-                      <a:rPr lang="ru-RU" sz="5500" i="1"/>
+                      <a:rPr lang="ru-RU" sz="5500" i="1">
+                        <a:latin typeface="Cambria Math" panose="02040503050406030204" pitchFamily="18" charset="0"/>
+                      </a:rPr>
                       <m:t>𝐾</m:t>
                     </m:r>
                     <m:r>
-                      <a:rPr lang="ru-RU" sz="5500" i="1"/>
+                      <a:rPr lang="ru-RU" sz="5500" i="1">
+                        <a:latin typeface="Cambria Math" panose="02040503050406030204" pitchFamily="18" charset="0"/>
+                      </a:rPr>
                       <m:t>={</m:t>
                     </m:r>
                     <m:sSub>
                       <m:sSubPr>
                         <m:ctrlPr>
-                          <a:rPr lang="ru-RU" sz="5500" i="1"/>
+                          <a:rPr lang="ru-RU" sz="5500" i="1">
+                            <a:latin typeface="Cambria Math" panose="02040503050406030204" pitchFamily="18" charset="0"/>
+                          </a:rPr>
                         </m:ctrlPr>
                       </m:sSubPr>
                       <m:e>
                         <m:r>
-                          <a:rPr lang="ru-RU" sz="5500" i="1"/>
+                          <a:rPr lang="ru-RU" sz="5500" i="1">
+                            <a:latin typeface="Cambria Math" panose="02040503050406030204" pitchFamily="18" charset="0"/>
+                          </a:rPr>
                           <m:t>𝑥</m:t>
                         </m:r>
                       </m:e>
                       <m:sub>
                         <m:r>
-                          <a:rPr lang="ru-RU" sz="5500" i="1"/>
+                          <a:rPr lang="ru-RU" sz="5500" i="1">
+                            <a:latin typeface="Cambria Math" panose="02040503050406030204" pitchFamily="18" charset="0"/>
+                          </a:rPr>
                           <m:t>1</m:t>
                         </m:r>
                       </m:sub>
                     </m:sSub>
                     <m:r>
-                      <a:rPr lang="ru-RU" sz="5500" i="1"/>
+                      <a:rPr lang="ru-RU" sz="5500" i="1">
+                        <a:latin typeface="Cambria Math" panose="02040503050406030204" pitchFamily="18" charset="0"/>
+                      </a:rPr>
                       <m:t>,…,</m:t>
                     </m:r>
                     <m:sSub>
                       <m:sSubPr>
                         <m:ctrlPr>
-                          <a:rPr lang="ru-RU" sz="5500" i="1"/>
+                          <a:rPr lang="ru-RU" sz="5500" i="1">
+                            <a:latin typeface="Cambria Math" panose="02040503050406030204" pitchFamily="18" charset="0"/>
+                          </a:rPr>
                         </m:ctrlPr>
                       </m:sSubPr>
                       <m:e>
                         <m:r>
-                          <a:rPr lang="ru-RU" sz="5500" i="1"/>
+                          <a:rPr lang="ru-RU" sz="5500" i="1">
+                            <a:latin typeface="Cambria Math" panose="02040503050406030204" pitchFamily="18" charset="0"/>
+                          </a:rPr>
                           <m:t>𝑥</m:t>
                         </m:r>
                       </m:e>
                       <m:sub>
                         <m:r>
-                          <a:rPr lang="ru-RU" sz="5500" i="1"/>
+                          <a:rPr lang="ru-RU" sz="5500" i="1">
+                            <a:latin typeface="Cambria Math" panose="02040503050406030204" pitchFamily="18" charset="0"/>
+                          </a:rPr>
                           <m:t>𝑛</m:t>
                         </m:r>
                       </m:sub>
                     </m:sSub>
                     <m:r>
-                      <a:rPr lang="ru-RU" sz="5500" i="1"/>
+                      <a:rPr lang="ru-RU" sz="5500" i="1">
+                        <a:latin typeface="Cambria Math" panose="02040503050406030204" pitchFamily="18" charset="0"/>
+                      </a:rPr>
                       <m:t>}</m:t>
                     </m:r>
                   </m:oMath>
@@ -5378,11 +5485,15 @@
                 <a14:m>
                   <m:oMath xmlns:m="http://schemas.openxmlformats.org/officeDocument/2006/math">
                     <m:r>
-                      <a:rPr lang="ru-RU" sz="5500" i="1"/>
+                      <a:rPr lang="ru-RU" sz="5500" i="1">
+                        <a:latin typeface="Cambria Math" panose="02040503050406030204" pitchFamily="18" charset="0"/>
+                      </a:rPr>
                       <m:t>𝑛</m:t>
                     </m:r>
                     <m:r>
-                      <a:rPr lang="ru-RU" sz="5500" i="1"/>
+                      <a:rPr lang="ru-RU" sz="5500" i="1">
+                        <a:latin typeface="Cambria Math" panose="02040503050406030204" pitchFamily="18" charset="0"/>
+                      </a:rPr>
                       <m:t>≥2</m:t>
                     </m:r>
                   </m:oMath>
@@ -5394,15 +5505,21 @@
                 <a14:m>
                   <m:oMath xmlns:m="http://schemas.openxmlformats.org/officeDocument/2006/math">
                     <m:r>
-                      <a:rPr lang="ru-RU" sz="5500" i="1"/>
+                      <a:rPr lang="ru-RU" sz="5500" i="1">
+                        <a:latin typeface="Cambria Math" panose="02040503050406030204" pitchFamily="18" charset="0"/>
+                      </a:rPr>
                       <m:t>𝐶</m:t>
                     </m:r>
                     <m:r>
-                      <a:rPr lang="ru-RU" sz="5500" i="1"/>
+                      <a:rPr lang="ru-RU" sz="5500" i="1">
+                        <a:latin typeface="Cambria Math" panose="02040503050406030204" pitchFamily="18" charset="0"/>
+                      </a:rPr>
                       <m:t>⊆</m:t>
                     </m:r>
                     <m:r>
-                      <a:rPr lang="ru-RU" sz="5500" i="1"/>
+                      <a:rPr lang="ru-RU" sz="5500" i="1">
+                        <a:latin typeface="Cambria Math" panose="02040503050406030204" pitchFamily="18" charset="0"/>
+                      </a:rPr>
                       <m:t>𝐾</m:t>
                     </m:r>
                   </m:oMath>
@@ -5417,52 +5534,70 @@
                         <m:begChr m:val="|"/>
                         <m:endChr m:val="|"/>
                         <m:ctrlPr>
-                          <a:rPr lang="ru-RU" sz="5500" i="1"/>
+                          <a:rPr lang="ru-RU" sz="5500" i="1">
+                            <a:latin typeface="Cambria Math" panose="02040503050406030204" pitchFamily="18" charset="0"/>
+                          </a:rPr>
                         </m:ctrlPr>
                       </m:dPr>
                       <m:e>
                         <m:sSub>
                           <m:sSubPr>
                             <m:ctrlPr>
-                              <a:rPr lang="ru-RU" sz="5500" i="1"/>
+                              <a:rPr lang="ru-RU" sz="5500" i="1">
+                                <a:latin typeface="Cambria Math" panose="02040503050406030204" pitchFamily="18" charset="0"/>
+                              </a:rPr>
                             </m:ctrlPr>
                           </m:sSubPr>
                           <m:e>
                             <m:r>
-                              <a:rPr lang="en-US" sz="5500" i="1"/>
+                              <a:rPr lang="en-US" sz="5500" i="1">
+                                <a:latin typeface="Cambria Math" panose="02040503050406030204" pitchFamily="18" charset="0"/>
+                              </a:rPr>
                               <m:t>𝑥</m:t>
                             </m:r>
                           </m:e>
                           <m:sub>
                             <m:r>
-                              <a:rPr lang="en-US" sz="5500" i="1"/>
+                              <a:rPr lang="en-US" sz="5500" i="1">
+                                <a:latin typeface="Cambria Math" panose="02040503050406030204" pitchFamily="18" charset="0"/>
+                              </a:rPr>
                               <m:t>𝑖</m:t>
                             </m:r>
                           </m:sub>
                         </m:sSub>
                         <m:r>
-                          <a:rPr lang="en-US" sz="5500" i="1"/>
+                          <a:rPr lang="en-US" sz="5500" i="1">
+                            <a:latin typeface="Cambria Math" panose="02040503050406030204" pitchFamily="18" charset="0"/>
+                          </a:rPr>
                           <m:t>−</m:t>
                         </m:r>
                         <m:sSub>
                           <m:sSubPr>
                             <m:ctrlPr>
-                              <a:rPr lang="ru-RU" sz="5500" i="1"/>
+                              <a:rPr lang="ru-RU" sz="5500" i="1">
+                                <a:latin typeface="Cambria Math" panose="02040503050406030204" pitchFamily="18" charset="0"/>
+                              </a:rPr>
                             </m:ctrlPr>
                           </m:sSubPr>
                           <m:e>
                             <m:r>
-                              <a:rPr lang="en-US" sz="5500" i="1"/>
+                              <a:rPr lang="en-US" sz="5500" i="1">
+                                <a:latin typeface="Cambria Math" panose="02040503050406030204" pitchFamily="18" charset="0"/>
+                              </a:rPr>
                               <m:t>𝑥</m:t>
                             </m:r>
                           </m:e>
                           <m:sub>
                             <m:r>
-                              <a:rPr lang="en-US" sz="5500" i="1"/>
+                              <a:rPr lang="en-US" sz="5500" i="1">
+                                <a:latin typeface="Cambria Math" panose="02040503050406030204" pitchFamily="18" charset="0"/>
+                              </a:rPr>
                               <m:t>𝑖</m:t>
                             </m:r>
                             <m:r>
-                              <a:rPr lang="en-US" sz="5500" i="1"/>
+                              <a:rPr lang="en-US" sz="5500" i="1">
+                                <a:latin typeface="Cambria Math" panose="02040503050406030204" pitchFamily="18" charset="0"/>
+                              </a:rPr>
                               <m:t>+1</m:t>
                             </m:r>
                           </m:sub>
@@ -5470,24 +5605,32 @@
                       </m:e>
                     </m:d>
                     <m:r>
-                      <a:rPr lang="en-US" sz="5500" i="1"/>
+                      <a:rPr lang="en-US" sz="5500" i="1">
+                        <a:latin typeface="Cambria Math" panose="02040503050406030204" pitchFamily="18" charset="0"/>
+                      </a:rPr>
                       <m:t>≤</m:t>
                     </m:r>
                     <m:sSub>
                       <m:sSubPr>
                         <m:ctrlPr>
-                          <a:rPr lang="ru-RU" sz="5500" i="1"/>
+                          <a:rPr lang="ru-RU" sz="5500" i="1">
+                            <a:latin typeface="Cambria Math" panose="02040503050406030204" pitchFamily="18" charset="0"/>
+                          </a:rPr>
                         </m:ctrlPr>
                       </m:sSubPr>
                       <m:e>
                         <m:r>
-                          <a:rPr lang="en-US" sz="5500" i="1"/>
+                          <a:rPr lang="en-US" sz="5500" i="1">
+                            <a:latin typeface="Cambria Math" panose="02040503050406030204" pitchFamily="18" charset="0"/>
+                          </a:rPr>
                           <m:t>𝑘</m:t>
                         </m:r>
                       </m:e>
                       <m:sub>
                         <m:r>
-                          <a:rPr lang="en-US" sz="5500" i="1"/>
+                          <a:rPr lang="en-US" sz="5500" i="1">
+                            <a:latin typeface="Cambria Math" panose="02040503050406030204" pitchFamily="18" charset="0"/>
+                          </a:rPr>
                           <m:t>2</m:t>
                         </m:r>
                       </m:sub>
@@ -5502,7 +5645,7 @@
             </p:txBody>
           </p:sp>
         </mc:Choice>
-        <mc:Fallback>
+        <mc:Fallback xmlns="">
           <p:sp>
             <p:nvSpPr>
               <p:cNvPr id="3" name="Content Placeholder 2"/>
@@ -5596,8 +5739,8 @@
           </a:p>
         </p:txBody>
       </p:sp>
-      <mc:AlternateContent xmlns:mc="http://schemas.openxmlformats.org/markup-compatibility/2006">
-        <mc:Choice xmlns:a14="http://schemas.microsoft.com/office/drawing/2010/main" Requires="a14">
+      <mc:AlternateContent xmlns:mc="http://schemas.openxmlformats.org/markup-compatibility/2006" xmlns:a14="http://schemas.microsoft.com/office/drawing/2010/main">
+        <mc:Choice Requires="a14">
           <p:sp>
             <p:nvSpPr>
               <p:cNvPr id="3" name="Content Placeholder 2"/>
@@ -5703,7 +5846,6 @@
                   <a:rPr lang="ru-RU" dirty="0"/>
                   <a:t>.</a:t>
                 </a:r>
-                <a:endParaRPr lang="ru-RU" dirty="0"/>
               </a:p>
               <a:p>
                 <a:pPr marL="0" indent="0">
@@ -5814,7 +5956,7 @@
             </p:txBody>
           </p:sp>
         </mc:Choice>
-        <mc:Fallback>
+        <mc:Fallback xmlns="">
           <p:sp>
             <p:nvSpPr>
               <p:cNvPr id="3" name="Content Placeholder 2"/>
@@ -5902,18 +6044,14 @@
           <a:p>
             <a:r>
               <a:rPr lang="ru-RU" dirty="0" smtClean="0"/>
-              <a:t>Этап 1. </a:t>
-            </a:r>
-            <a:r>
-              <a:rPr lang="ru-RU" dirty="0" smtClean="0"/>
-              <a:t>Разбиение контура на линейные сегменты</a:t>
+              <a:t>Этап 1. Разбиение контура на линейные сегменты</a:t>
             </a:r>
             <a:endParaRPr lang="ru-RU" dirty="0"/>
           </a:p>
         </p:txBody>
       </p:sp>
-      <mc:AlternateContent xmlns:mc="http://schemas.openxmlformats.org/markup-compatibility/2006">
-        <mc:Choice xmlns:a14="http://schemas.microsoft.com/office/drawing/2010/main" Requires="a14">
+      <mc:AlternateContent xmlns:mc="http://schemas.openxmlformats.org/markup-compatibility/2006" xmlns:a14="http://schemas.microsoft.com/office/drawing/2010/main">
+        <mc:Choice Requires="a14">
           <p:sp>
             <p:nvSpPr>
               <p:cNvPr id="3" name="Content Placeholder 2"/>
@@ -5948,18 +6086,24 @@
                     <m:sSub>
                       <m:sSubPr>
                         <m:ctrlPr>
-                          <a:rPr lang="ru-RU" i="1"/>
+                          <a:rPr lang="ru-RU" i="1">
+                            <a:latin typeface="Cambria Math" panose="02040503050406030204" pitchFamily="18" charset="0"/>
+                          </a:rPr>
                         </m:ctrlPr>
                       </m:sSubPr>
                       <m:e>
                         <m:r>
-                          <a:rPr lang="en-US" i="1"/>
+                          <a:rPr lang="en-US" i="1">
+                            <a:latin typeface="Cambria Math" panose="02040503050406030204" pitchFamily="18" charset="0"/>
+                          </a:rPr>
                           <m:t>𝑘</m:t>
                         </m:r>
                       </m:e>
                       <m:sub>
                         <m:r>
-                          <a:rPr lang="ru-RU" i="1"/>
+                          <a:rPr lang="ru-RU" i="1">
+                            <a:latin typeface="Cambria Math" panose="02040503050406030204" pitchFamily="18" charset="0"/>
+                          </a:rPr>
                           <m:t>1</m:t>
                         </m:r>
                       </m:sub>
@@ -6056,18 +6200,24 @@
                     <m:sSub>
                       <m:sSubPr>
                         <m:ctrlPr>
-                          <a:rPr lang="ru-RU" sz="2000" i="1"/>
+                          <a:rPr lang="ru-RU" sz="2000" i="1">
+                            <a:latin typeface="Cambria Math" panose="02040503050406030204" pitchFamily="18" charset="0"/>
+                          </a:rPr>
                         </m:ctrlPr>
                       </m:sSubPr>
                       <m:e>
                         <m:r>
-                          <a:rPr lang="ru-RU" sz="2000" i="1"/>
+                          <a:rPr lang="ru-RU" sz="2000" i="1">
+                            <a:latin typeface="Cambria Math" panose="02040503050406030204" pitchFamily="18" charset="0"/>
+                          </a:rPr>
                           <m:t>х</m:t>
                         </m:r>
                       </m:e>
                       <m:sub>
                         <m:r>
-                          <a:rPr lang="ru-RU" sz="2000" i="1"/>
+                          <a:rPr lang="ru-RU" sz="2000" i="1">
+                            <a:latin typeface="Cambria Math" panose="02040503050406030204" pitchFamily="18" charset="0"/>
+                          </a:rPr>
                           <m:t>1</m:t>
                         </m:r>
                       </m:sub>
@@ -6083,18 +6233,24 @@
                     <m:sSub>
                       <m:sSubPr>
                         <m:ctrlPr>
-                          <a:rPr lang="ru-RU" sz="2000" i="1"/>
+                          <a:rPr lang="ru-RU" sz="2000" i="1">
+                            <a:latin typeface="Cambria Math" panose="02040503050406030204" pitchFamily="18" charset="0"/>
+                          </a:rPr>
                         </m:ctrlPr>
                       </m:sSubPr>
                       <m:e>
                         <m:r>
-                          <a:rPr lang="ru-RU" sz="2000" i="1"/>
+                          <a:rPr lang="ru-RU" sz="2000" i="1">
+                            <a:latin typeface="Cambria Math" panose="02040503050406030204" pitchFamily="18" charset="0"/>
+                          </a:rPr>
                           <m:t>у</m:t>
                         </m:r>
                       </m:e>
                       <m:sub>
                         <m:r>
-                          <a:rPr lang="ru-RU" sz="2000" i="1"/>
+                          <a:rPr lang="ru-RU" sz="2000" i="1">
+                            <a:latin typeface="Cambria Math" panose="02040503050406030204" pitchFamily="18" charset="0"/>
+                          </a:rPr>
                           <m:t>1</m:t>
                         </m:r>
                       </m:sub>
@@ -6126,41 +6282,55 @@
                     <m:sSub>
                       <m:sSubPr>
                         <m:ctrlPr>
-                          <a:rPr lang="ru-RU" sz="2000" i="1"/>
+                          <a:rPr lang="ru-RU" sz="2000" i="1">
+                            <a:latin typeface="Cambria Math" panose="02040503050406030204" pitchFamily="18" charset="0"/>
+                          </a:rPr>
                         </m:ctrlPr>
                       </m:sSubPr>
                       <m:e>
                         <m:r>
-                          <a:rPr lang="en-US" sz="2000" i="1"/>
+                          <a:rPr lang="en-US" sz="2000" i="1">
+                            <a:latin typeface="Cambria Math" panose="02040503050406030204" pitchFamily="18" charset="0"/>
+                          </a:rPr>
                           <m:t>𝑥</m:t>
                         </m:r>
                       </m:e>
                       <m:sub>
                         <m:r>
-                          <a:rPr lang="ru-RU" sz="2000" i="1"/>
+                          <a:rPr lang="ru-RU" sz="2000" i="1">
+                            <a:latin typeface="Cambria Math" panose="02040503050406030204" pitchFamily="18" charset="0"/>
+                          </a:rPr>
                           <m:t>2</m:t>
                         </m:r>
                       </m:sub>
                     </m:sSub>
                     <m:r>
-                      <a:rPr lang="ru-RU" sz="2000" i="1"/>
+                      <a:rPr lang="ru-RU" sz="2000" i="1">
+                        <a:latin typeface="Cambria Math" panose="02040503050406030204" pitchFamily="18" charset="0"/>
+                      </a:rPr>
                       <m:t>и </m:t>
                     </m:r>
                     <m:sSub>
                       <m:sSubPr>
                         <m:ctrlPr>
-                          <a:rPr lang="ru-RU" sz="2000" i="1"/>
+                          <a:rPr lang="ru-RU" sz="2000" i="1">
+                            <a:latin typeface="Cambria Math" panose="02040503050406030204" pitchFamily="18" charset="0"/>
+                          </a:rPr>
                         </m:ctrlPr>
                       </m:sSubPr>
                       <m:e>
                         <m:r>
-                          <a:rPr lang="en-US" sz="2000" i="1"/>
+                          <a:rPr lang="en-US" sz="2000" i="1">
+                            <a:latin typeface="Cambria Math" panose="02040503050406030204" pitchFamily="18" charset="0"/>
+                          </a:rPr>
                           <m:t>𝑦</m:t>
                         </m:r>
                       </m:e>
                       <m:sub>
                         <m:r>
-                          <a:rPr lang="ru-RU" sz="2000" i="1"/>
+                          <a:rPr lang="ru-RU" sz="2000" i="1">
+                            <a:latin typeface="Cambria Math" panose="02040503050406030204" pitchFamily="18" charset="0"/>
+                          </a:rPr>
                           <m:t>2</m:t>
                         </m:r>
                       </m:sub>
@@ -6184,22 +6354,30 @@
                     <m:sSub>
                       <m:sSubPr>
                         <m:ctrlPr>
-                          <a:rPr lang="ru-RU" sz="2000" i="1"/>
+                          <a:rPr lang="ru-RU" sz="2000" i="1">
+                            <a:latin typeface="Cambria Math" panose="02040503050406030204" pitchFamily="18" charset="0"/>
+                          </a:rPr>
                         </m:ctrlPr>
                       </m:sSubPr>
                       <m:e>
                         <m:r>
-                          <a:rPr lang="ru-RU" sz="2000" i="1"/>
+                          <a:rPr lang="ru-RU" sz="2000" i="1">
+                            <a:latin typeface="Cambria Math" panose="02040503050406030204" pitchFamily="18" charset="0"/>
+                          </a:rPr>
                           <m:t> </m:t>
                         </m:r>
                         <m:r>
-                          <a:rPr lang="en-US" sz="2000" i="1"/>
+                          <a:rPr lang="en-US" sz="2000" i="1">
+                            <a:latin typeface="Cambria Math" panose="02040503050406030204" pitchFamily="18" charset="0"/>
+                          </a:rPr>
                           <m:t>𝑘</m:t>
                         </m:r>
                       </m:e>
                       <m:sub>
                         <m:r>
-                          <a:rPr lang="ru-RU" sz="2000" i="1"/>
+                          <a:rPr lang="ru-RU" sz="2000" i="1">
+                            <a:latin typeface="Cambria Math" panose="02040503050406030204" pitchFamily="18" charset="0"/>
+                          </a:rPr>
                           <m:t>1</m:t>
                         </m:r>
                       </m:sub>
@@ -6242,48 +6420,64 @@
                     <m:d>
                       <m:dPr>
                         <m:ctrlPr>
-                          <a:rPr lang="ru-RU" sz="2000" i="1"/>
+                          <a:rPr lang="ru-RU" sz="2000" i="1">
+                            <a:latin typeface="Cambria Math" panose="02040503050406030204" pitchFamily="18" charset="0"/>
+                          </a:rPr>
                         </m:ctrlPr>
                       </m:dPr>
                       <m:e>
                         <m:sSub>
                           <m:sSubPr>
                             <m:ctrlPr>
-                              <a:rPr lang="ru-RU" sz="2000" i="1"/>
+                              <a:rPr lang="ru-RU" sz="2000" i="1">
+                                <a:latin typeface="Cambria Math" panose="02040503050406030204" pitchFamily="18" charset="0"/>
+                              </a:rPr>
                             </m:ctrlPr>
                           </m:sSubPr>
                           <m:e>
                             <m:r>
-                              <a:rPr lang="ru-RU" sz="2000" i="1"/>
+                              <a:rPr lang="ru-RU" sz="2000" i="1">
+                                <a:latin typeface="Cambria Math" panose="02040503050406030204" pitchFamily="18" charset="0"/>
+                              </a:rPr>
                               <m:t>𝑥</m:t>
                             </m:r>
                           </m:e>
                           <m:sub>
                             <m:r>
-                              <a:rPr lang="ru-RU" sz="2000" i="1"/>
+                              <a:rPr lang="ru-RU" sz="2000" i="1">
+                                <a:latin typeface="Cambria Math" panose="02040503050406030204" pitchFamily="18" charset="0"/>
+                              </a:rPr>
                               <m:t>1</m:t>
                             </m:r>
                           </m:sub>
                         </m:sSub>
                         <m:r>
-                          <a:rPr lang="ru-RU" sz="2000" i="1"/>
+                          <a:rPr lang="ru-RU" sz="2000" i="1">
+                            <a:latin typeface="Cambria Math" panose="02040503050406030204" pitchFamily="18" charset="0"/>
+                          </a:rPr>
                           <m:t>,</m:t>
                         </m:r>
                         <m:sSub>
                           <m:sSubPr>
                             <m:ctrlPr>
-                              <a:rPr lang="ru-RU" sz="2000" i="1"/>
+                              <a:rPr lang="ru-RU" sz="2000" i="1">
+                                <a:latin typeface="Cambria Math" panose="02040503050406030204" pitchFamily="18" charset="0"/>
+                              </a:rPr>
                             </m:ctrlPr>
                           </m:sSubPr>
                           <m:e>
                             <m:r>
-                              <a:rPr lang="ru-RU" sz="2000" i="1"/>
+                              <a:rPr lang="ru-RU" sz="2000" i="1">
+                                <a:latin typeface="Cambria Math" panose="02040503050406030204" pitchFamily="18" charset="0"/>
+                              </a:rPr>
                               <m:t>𝑦</m:t>
                             </m:r>
                           </m:e>
                           <m:sub>
                             <m:r>
-                              <a:rPr lang="ru-RU" sz="2000" i="1"/>
+                              <a:rPr lang="ru-RU" sz="2000" i="1">
+                                <a:latin typeface="Cambria Math" panose="02040503050406030204" pitchFamily="18" charset="0"/>
+                              </a:rPr>
                               <m:t>1</m:t>
                             </m:r>
                           </m:sub>
@@ -6291,53 +6485,71 @@
                       </m:e>
                     </m:d>
                     <m:r>
-                      <a:rPr lang="ru-RU" sz="2000" i="1"/>
+                      <a:rPr lang="ru-RU" sz="2000" i="1">
+                        <a:latin typeface="Cambria Math" panose="02040503050406030204" pitchFamily="18" charset="0"/>
+                      </a:rPr>
                       <m:t> до точки (</m:t>
                     </m:r>
                     <m:sSub>
                       <m:sSubPr>
                         <m:ctrlPr>
-                          <a:rPr lang="ru-RU" sz="2000" i="1"/>
+                          <a:rPr lang="ru-RU" sz="2000" i="1">
+                            <a:latin typeface="Cambria Math" panose="02040503050406030204" pitchFamily="18" charset="0"/>
+                          </a:rPr>
                         </m:ctrlPr>
                       </m:sSubPr>
                       <m:e>
                         <m:r>
-                          <a:rPr lang="en-US" sz="2000" i="1"/>
+                          <a:rPr lang="en-US" sz="2000" i="1">
+                            <a:latin typeface="Cambria Math" panose="02040503050406030204" pitchFamily="18" charset="0"/>
+                          </a:rPr>
                           <m:t>𝑥</m:t>
                         </m:r>
                       </m:e>
                       <m:sub>
                         <m:r>
-                          <a:rPr lang="ru-RU" sz="2000" i="1"/>
+                          <a:rPr lang="ru-RU" sz="2000" i="1">
+                            <a:latin typeface="Cambria Math" panose="02040503050406030204" pitchFamily="18" charset="0"/>
+                          </a:rPr>
                           <m:t>2</m:t>
                         </m:r>
                       </m:sub>
                     </m:sSub>
                     <m:r>
-                      <a:rPr lang="ru-RU" sz="2000" i="1"/>
+                      <a:rPr lang="ru-RU" sz="2000" i="1">
+                        <a:latin typeface="Cambria Math" panose="02040503050406030204" pitchFamily="18" charset="0"/>
+                      </a:rPr>
                       <m:t>,</m:t>
                     </m:r>
                     <m:sSub>
                       <m:sSubPr>
                         <m:ctrlPr>
-                          <a:rPr lang="ru-RU" sz="2000" i="1"/>
+                          <a:rPr lang="ru-RU" sz="2000" i="1">
+                            <a:latin typeface="Cambria Math" panose="02040503050406030204" pitchFamily="18" charset="0"/>
+                          </a:rPr>
                         </m:ctrlPr>
                       </m:sSubPr>
                       <m:e>
                         <m:r>
-                          <a:rPr lang="ru-RU" sz="2000" i="1"/>
+                          <a:rPr lang="ru-RU" sz="2000" i="1">
+                            <a:latin typeface="Cambria Math" panose="02040503050406030204" pitchFamily="18" charset="0"/>
+                          </a:rPr>
                           <m:t>𝑦</m:t>
                         </m:r>
                       </m:e>
                       <m:sub>
                         <m:r>
-                          <a:rPr lang="ru-RU" sz="2000" i="1"/>
+                          <a:rPr lang="ru-RU" sz="2000" i="1">
+                            <a:latin typeface="Cambria Math" panose="02040503050406030204" pitchFamily="18" charset="0"/>
+                          </a:rPr>
                           <m:t>2</m:t>
                         </m:r>
                       </m:sub>
                     </m:sSub>
                     <m:r>
-                      <a:rPr lang="ru-RU" sz="2000" i="1"/>
+                      <a:rPr lang="ru-RU" sz="2000" i="1">
+                        <a:latin typeface="Cambria Math" panose="02040503050406030204" pitchFamily="18" charset="0"/>
+                      </a:rPr>
                       <m:t>)</m:t>
                     </m:r>
                   </m:oMath>
@@ -6369,18 +6581,24 @@
                     <m:sSub>
                       <m:sSubPr>
                         <m:ctrlPr>
-                          <a:rPr lang="ru-RU" sz="2000" i="1"/>
+                          <a:rPr lang="ru-RU" sz="2000" i="1">
+                            <a:latin typeface="Cambria Math" panose="02040503050406030204" pitchFamily="18" charset="0"/>
+                          </a:rPr>
                         </m:ctrlPr>
                       </m:sSubPr>
                       <m:e>
                         <m:r>
-                          <a:rPr lang="en-US" sz="2000" i="1"/>
+                          <a:rPr lang="en-US" sz="2000" i="1">
+                            <a:latin typeface="Cambria Math" panose="02040503050406030204" pitchFamily="18" charset="0"/>
+                          </a:rPr>
                           <m:t>𝑘</m:t>
                         </m:r>
                       </m:e>
                       <m:sub>
                         <m:r>
-                          <a:rPr lang="ru-RU" sz="2000" i="1"/>
+                          <a:rPr lang="ru-RU" sz="2000" i="1">
+                            <a:latin typeface="Cambria Math" panose="02040503050406030204" pitchFamily="18" charset="0"/>
+                          </a:rPr>
                           <m:t>1</m:t>
                         </m:r>
                       </m:sub>
@@ -6415,18 +6633,24 @@
                     <m:sSub>
                       <m:sSubPr>
                         <m:ctrlPr>
-                          <a:rPr lang="ru-RU" sz="2000" i="1"/>
+                          <a:rPr lang="ru-RU" sz="2000" i="1">
+                            <a:latin typeface="Cambria Math" panose="02040503050406030204" pitchFamily="18" charset="0"/>
+                          </a:rPr>
                         </m:ctrlPr>
                       </m:sSubPr>
                       <m:e>
                         <m:r>
-                          <a:rPr lang="en-US" sz="2000" i="1"/>
+                          <a:rPr lang="en-US" sz="2000" i="1">
+                            <a:latin typeface="Cambria Math" panose="02040503050406030204" pitchFamily="18" charset="0"/>
+                          </a:rPr>
                           <m:t>𝑘</m:t>
                         </m:r>
                       </m:e>
                       <m:sub>
                         <m:r>
-                          <a:rPr lang="ru-RU" sz="2000" i="1"/>
+                          <a:rPr lang="ru-RU" sz="2000" i="1">
+                            <a:latin typeface="Cambria Math" panose="02040503050406030204" pitchFamily="18" charset="0"/>
+                          </a:rPr>
                           <m:t>1</m:t>
                         </m:r>
                       </m:sub>
@@ -6488,7 +6712,7 @@
             </p:txBody>
           </p:sp>
         </mc:Choice>
-        <mc:Fallback>
+        <mc:Fallback xmlns="">
           <p:sp>
             <p:nvSpPr>
               <p:cNvPr id="3" name="Content Placeholder 2"/>
@@ -6630,26 +6854,26 @@
                   <a:buAutoNum type="arabicPeriod"/>
                 </a:pPr>
                 <a:r>
-                  <a:rPr lang="ru-RU" dirty="0" smtClean="0"/>
+                  <a:rPr lang="ru-RU" sz="1600" dirty="0" smtClean="0"/>
                   <a:t>Вычисляем </a:t>
                 </a:r>
                 <a:r>
-                  <a:rPr lang="ru-RU" dirty="0"/>
+                  <a:rPr lang="ru-RU" sz="1600" dirty="0"/>
                   <a:t>для </a:t>
                 </a:r>
                 <a:r>
-                  <a:rPr lang="ru-RU" dirty="0" smtClean="0"/>
+                  <a:rPr lang="ru-RU" sz="1600" dirty="0" smtClean="0"/>
                   <a:t>сегмента координаты </a:t>
                 </a:r>
                 <a:r>
-                  <a:rPr lang="ru-RU" dirty="0"/>
+                  <a:rPr lang="ru-RU" sz="1600" dirty="0"/>
                   <a:t>вектора </a:t>
                 </a:r>
                 <a:r>
-                  <a:rPr lang="ru-RU" dirty="0" smtClean="0"/>
+                  <a:rPr lang="ru-RU" sz="1600" dirty="0" smtClean="0"/>
                   <a:t>нормали.</a:t>
                 </a:r>
-                <a:endParaRPr lang="ru-RU" dirty="0"/>
+                <a:endParaRPr lang="ru-RU" sz="1600" dirty="0"/>
               </a:p>
               <a:p>
                 <a:pPr marL="726948" lvl="2" indent="-342900">
@@ -6657,47 +6881,47 @@
                   <a:buAutoNum type="arabicPeriod"/>
                 </a:pPr>
                 <a:r>
-                  <a:rPr lang="ru-RU" dirty="0"/>
+                  <a:rPr lang="ru-RU" sz="1600" dirty="0"/>
                   <a:t>Задаём </a:t>
                 </a:r>
                 <a:r>
-                  <a:rPr lang="en-US" dirty="0" err="1"/>
+                  <a:rPr lang="en-US" sz="1600" dirty="0" err="1"/>
                   <a:t>Rmax</a:t>
                 </a:r>
                 <a:r>
-                  <a:rPr lang="en-US" dirty="0"/>
+                  <a:rPr lang="en-US" sz="1600" dirty="0"/>
                   <a:t> </a:t>
                 </a:r>
                 <a:r>
-                  <a:rPr lang="ru-RU" dirty="0"/>
+                  <a:rPr lang="ru-RU" sz="1600" dirty="0"/>
                   <a:t>и </a:t>
                 </a:r>
                 <a:r>
-                  <a:rPr lang="en-US" dirty="0" err="1"/>
+                  <a:rPr lang="en-US" sz="1600" dirty="0" err="1"/>
                   <a:t>Rmin</a:t>
                 </a:r>
                 <a:r>
-                  <a:rPr lang="en-US" dirty="0"/>
+                  <a:rPr lang="en-US" sz="1600" dirty="0"/>
                   <a:t> </a:t>
                 </a:r>
                 <a:r>
-                  <a:rPr lang="ru-RU" dirty="0"/>
+                  <a:rPr lang="ru-RU" sz="1600" dirty="0"/>
                   <a:t>– максимальное и минимальное значение радиуса окружности, а также начальное значение радиуса </a:t>
                 </a:r>
                 <a:r>
-                  <a:rPr lang="en-US" dirty="0"/>
+                  <a:rPr lang="en-US" sz="1600" dirty="0"/>
                   <a:t>R</a:t>
                 </a:r>
                 <a:r>
-                  <a:rPr lang="ru-RU" dirty="0"/>
+                  <a:rPr lang="ru-RU" sz="1600" dirty="0"/>
                   <a:t> = </a:t>
                 </a:r>
                 <a:r>
-                  <a:rPr lang="en-US" dirty="0" err="1"/>
+                  <a:rPr lang="en-US" sz="1600" dirty="0" err="1"/>
                   <a:t>Rmax</a:t>
                 </a:r>
                 <a:r>
-                  <a:rPr lang="ru-RU" dirty="0"/>
+                  <a:rPr lang="ru-RU" sz="1600" dirty="0"/>
                   <a:t>.</a:t>
                 </a:r>
               </a:p>
@@ -6707,298 +6931,335 @@
                   <a:buAutoNum type="arabicPeriod"/>
                 </a:pPr>
                 <a:r>
-                  <a:rPr lang="ru-RU" dirty="0"/>
+                  <a:rPr lang="ru-RU" sz="1600" dirty="0"/>
                   <a:t>Находим центр окружности – точку </a:t>
                 </a:r>
                 <a:r>
-                  <a:rPr lang="en-US" dirty="0"/>
+                  <a:rPr lang="en-US" sz="1600" dirty="0"/>
                   <a:t>center</a:t>
                 </a:r>
                 <a:r>
-                  <a:rPr lang="ru-RU" dirty="0"/>
+                  <a:rPr lang="ru-RU" sz="1600" dirty="0"/>
                   <a:t>. Она лежит на векторе нормали, проходящем, через </a:t>
                 </a:r>
                 <a:r>
-                  <a:rPr lang="ru-RU" dirty="0" smtClean="0"/>
+                  <a:rPr lang="ru-RU" sz="1600" dirty="0" smtClean="0"/>
                   <a:t>срединную точку. </a:t>
                 </a:r>
                 <a:r>
-                  <a:rPr lang="ru-RU" dirty="0"/>
+                  <a:rPr lang="ru-RU" sz="1600" dirty="0"/>
                   <a:t>Координаты точки считаются по формулам:</a:t>
                 </a:r>
+                <a:r>
+                  <a:rPr lang="en-US" sz="1600" dirty="0" smtClean="0"/>
+                  <a:t> </a:t>
+                </a:r>
+                <a14:m>
+                  <m:oMath xmlns:m="http://schemas.openxmlformats.org/officeDocument/2006/math">
+                    <m:r>
+                      <a:rPr lang="en-US" sz="1600" i="1">
+                        <a:latin typeface="Cambria Math" panose="02040503050406030204" pitchFamily="18" charset="0"/>
+                      </a:rPr>
+                      <m:t>𝑥</m:t>
+                    </m:r>
+                    <m:r>
+                      <a:rPr lang="en-US" sz="1600" i="1">
+                        <a:latin typeface="Cambria Math" panose="02040503050406030204" pitchFamily="18" charset="0"/>
+                      </a:rPr>
+                      <m:t>=</m:t>
+                    </m:r>
+                    <m:sSub>
+                      <m:sSubPr>
+                        <m:ctrlPr>
+                          <a:rPr lang="ru-RU" sz="1600" i="1">
+                            <a:latin typeface="Cambria Math" panose="02040503050406030204" pitchFamily="18" charset="0"/>
+                          </a:rPr>
+                        </m:ctrlPr>
+                      </m:sSubPr>
+                      <m:e>
+                        <m:r>
+                          <a:rPr lang="en-US" sz="1600" i="1">
+                            <a:latin typeface="Cambria Math" panose="02040503050406030204" pitchFamily="18" charset="0"/>
+                          </a:rPr>
+                          <m:t>𝑥</m:t>
+                        </m:r>
+                      </m:e>
+                      <m:sub>
+                        <m:r>
+                          <a:rPr lang="en-US" sz="1600" i="1">
+                            <a:latin typeface="Cambria Math" panose="02040503050406030204" pitchFamily="18" charset="0"/>
+                          </a:rPr>
+                          <m:t>𝑚𝑖𝑛𝑃𝑜𝑖𝑛𝑡</m:t>
+                        </m:r>
+                      </m:sub>
+                    </m:sSub>
+                    <m:r>
+                      <a:rPr lang="en-US" sz="1600" i="1">
+                        <a:latin typeface="Cambria Math" panose="02040503050406030204" pitchFamily="18" charset="0"/>
+                      </a:rPr>
+                      <m:t>+</m:t>
+                    </m:r>
+                    <m:sSub>
+                      <m:sSubPr>
+                        <m:ctrlPr>
+                          <a:rPr lang="ru-RU" sz="1600" i="1">
+                            <a:latin typeface="Cambria Math" panose="02040503050406030204" pitchFamily="18" charset="0"/>
+                          </a:rPr>
+                        </m:ctrlPr>
+                      </m:sSubPr>
+                      <m:e>
+                        <m:r>
+                          <a:rPr lang="en-US" sz="1600" i="1">
+                            <a:latin typeface="Cambria Math" panose="02040503050406030204" pitchFamily="18" charset="0"/>
+                          </a:rPr>
+                          <m:t>𝑥</m:t>
+                        </m:r>
+                      </m:e>
+                      <m:sub>
+                        <m:r>
+                          <a:rPr lang="en-US" sz="1600" i="1">
+                            <a:latin typeface="Cambria Math" panose="02040503050406030204" pitchFamily="18" charset="0"/>
+                          </a:rPr>
+                          <m:t>𝑣𝑒𝑐𝑡𝑜𝑟</m:t>
+                        </m:r>
+                      </m:sub>
+                    </m:sSub>
+                    <m:r>
+                      <a:rPr lang="en-US" sz="1600" i="1">
+                        <a:latin typeface="Cambria Math" panose="02040503050406030204" pitchFamily="18" charset="0"/>
+                      </a:rPr>
+                      <m:t>∗</m:t>
+                    </m:r>
+                    <m:r>
+                      <a:rPr lang="en-US" sz="1600" i="1">
+                        <a:latin typeface="Cambria Math" panose="02040503050406030204" pitchFamily="18" charset="0"/>
+                      </a:rPr>
+                      <m:t>𝑅</m:t>
+                    </m:r>
+                    <m:r>
+                      <a:rPr lang="en-US" sz="1600" b="0" i="0" smtClean="0">
+                        <a:latin typeface="Cambria Math" panose="02040503050406030204" pitchFamily="18" charset="0"/>
+                      </a:rPr>
+                      <m:t>, </m:t>
+                    </m:r>
+                    <m:r>
+                      <a:rPr lang="en-US" sz="1600" i="1" smtClean="0">
+                        <a:latin typeface="Cambria Math" panose="02040503050406030204" pitchFamily="18" charset="0"/>
+                      </a:rPr>
+                      <m:t>𝑦</m:t>
+                    </m:r>
+                    <m:r>
+                      <a:rPr lang="en-US" sz="1600" i="1">
+                        <a:latin typeface="Cambria Math" panose="02040503050406030204" pitchFamily="18" charset="0"/>
+                      </a:rPr>
+                      <m:t>= </m:t>
+                    </m:r>
+                    <m:sSub>
+                      <m:sSubPr>
+                        <m:ctrlPr>
+                          <a:rPr lang="ru-RU" sz="1600" i="1">
+                            <a:latin typeface="Cambria Math" panose="02040503050406030204" pitchFamily="18" charset="0"/>
+                          </a:rPr>
+                        </m:ctrlPr>
+                      </m:sSubPr>
+                      <m:e>
+                        <m:r>
+                          <a:rPr lang="en-US" sz="1600" i="1">
+                            <a:latin typeface="Cambria Math" panose="02040503050406030204" pitchFamily="18" charset="0"/>
+                          </a:rPr>
+                          <m:t>𝑦</m:t>
+                        </m:r>
+                      </m:e>
+                      <m:sub>
+                        <m:r>
+                          <a:rPr lang="en-US" sz="1600" i="1">
+                            <a:latin typeface="Cambria Math" panose="02040503050406030204" pitchFamily="18" charset="0"/>
+                          </a:rPr>
+                          <m:t>𝑚𝑖𝑑𝑃𝑜𝑖𝑛𝑡</m:t>
+                        </m:r>
+                      </m:sub>
+                    </m:sSub>
+                    <m:r>
+                      <a:rPr lang="en-US" sz="1600" i="1">
+                        <a:latin typeface="Cambria Math" panose="02040503050406030204" pitchFamily="18" charset="0"/>
+                      </a:rPr>
+                      <m:t>+</m:t>
+                    </m:r>
+                    <m:sSub>
+                      <m:sSubPr>
+                        <m:ctrlPr>
+                          <a:rPr lang="ru-RU" sz="1600" i="1">
+                            <a:latin typeface="Cambria Math" panose="02040503050406030204" pitchFamily="18" charset="0"/>
+                          </a:rPr>
+                        </m:ctrlPr>
+                      </m:sSubPr>
+                      <m:e>
+                        <m:r>
+                          <a:rPr lang="en-US" sz="1600" i="1">
+                            <a:latin typeface="Cambria Math" panose="02040503050406030204" pitchFamily="18" charset="0"/>
+                          </a:rPr>
+                          <m:t>𝑦</m:t>
+                        </m:r>
+                      </m:e>
+                      <m:sub>
+                        <m:r>
+                          <a:rPr lang="en-US" sz="1600" i="1">
+                            <a:latin typeface="Cambria Math" panose="02040503050406030204" pitchFamily="18" charset="0"/>
+                          </a:rPr>
+                          <m:t>𝑣𝑒𝑐𝑡𝑜𝑟</m:t>
+                        </m:r>
+                      </m:sub>
+                    </m:sSub>
+                    <m:r>
+                      <a:rPr lang="en-US" sz="1600" i="1">
+                        <a:latin typeface="Cambria Math" panose="02040503050406030204" pitchFamily="18" charset="0"/>
+                      </a:rPr>
+                      <m:t>∗</m:t>
+                    </m:r>
+                    <m:r>
+                      <a:rPr lang="en-US" sz="1600" i="1">
+                        <a:latin typeface="Cambria Math" panose="02040503050406030204" pitchFamily="18" charset="0"/>
+                      </a:rPr>
+                      <m:t>𝑅</m:t>
+                    </m:r>
+                  </m:oMath>
+                </a14:m>
+                <a:endParaRPr lang="ru-RU" sz="1600" dirty="0"/>
               </a:p>
               <a:p>
                 <a:pPr marL="726948" lvl="2" indent="-342900">
                   <a:buFont typeface="+mj-lt"/>
                   <a:buAutoNum type="arabicPeriod"/>
                 </a:pPr>
-                <a14:m>
-                  <m:oMath xmlns:m="http://schemas.openxmlformats.org/officeDocument/2006/math">
-                    <m:r>
-                      <a:rPr lang="en-US" i="1"/>
-                      <m:t>𝑥</m:t>
-                    </m:r>
-                    <m:r>
-                      <a:rPr lang="en-US" i="1"/>
-                      <m:t>=</m:t>
-                    </m:r>
-                    <m:sSub>
-                      <m:sSubPr>
-                        <m:ctrlPr>
-                          <a:rPr lang="ru-RU" i="1"/>
-                        </m:ctrlPr>
-                      </m:sSubPr>
-                      <m:e>
-                        <m:r>
-                          <a:rPr lang="en-US" i="1"/>
-                          <m:t>𝑥</m:t>
-                        </m:r>
-                      </m:e>
-                      <m:sub>
-                        <m:r>
-                          <a:rPr lang="en-US" i="1"/>
-                          <m:t>𝑚𝑖𝑛𝑃𝑜𝑖𝑛𝑡</m:t>
-                        </m:r>
-                      </m:sub>
-                    </m:sSub>
-                    <m:r>
-                      <a:rPr lang="en-US" i="1"/>
-                      <m:t>+</m:t>
-                    </m:r>
-                    <m:sSub>
-                      <m:sSubPr>
-                        <m:ctrlPr>
-                          <a:rPr lang="ru-RU" i="1"/>
-                        </m:ctrlPr>
-                      </m:sSubPr>
-                      <m:e>
-                        <m:r>
-                          <a:rPr lang="en-US" i="1"/>
-                          <m:t>𝑥</m:t>
-                        </m:r>
-                      </m:e>
-                      <m:sub>
-                        <m:r>
-                          <a:rPr lang="en-US" i="1"/>
-                          <m:t>𝑣𝑒𝑐𝑡𝑜𝑟</m:t>
-                        </m:r>
-                      </m:sub>
-                    </m:sSub>
-                    <m:r>
-                      <a:rPr lang="en-US" i="1"/>
-                      <m:t>∗</m:t>
-                    </m:r>
-                    <m:r>
-                      <a:rPr lang="en-US" i="1"/>
-                      <m:t>𝑅</m:t>
-                    </m:r>
-                  </m:oMath>
-                </a14:m>
-                <a:endParaRPr lang="ru-RU" dirty="0"/>
+                <a:r>
+                  <a:rPr lang="ru-RU" sz="1600" dirty="0"/>
+                  <a:t>Меняем значение </a:t>
+                </a:r>
+                <a:r>
+                  <a:rPr lang="en-US" sz="1600" dirty="0"/>
+                  <a:t>R</a:t>
+                </a:r>
+                <a:r>
+                  <a:rPr lang="ru-RU" sz="1600" dirty="0"/>
+                  <a:t> = (</a:t>
+                </a:r>
+                <a:r>
+                  <a:rPr lang="en-US" sz="1600" dirty="0" err="1"/>
+                  <a:t>Rmax</a:t>
+                </a:r>
+                <a:r>
+                  <a:rPr lang="en-US" sz="1600" dirty="0"/>
+                  <a:t> </a:t>
+                </a:r>
+                <a:r>
+                  <a:rPr lang="ru-RU" sz="1600" dirty="0"/>
+                  <a:t>+ </a:t>
+                </a:r>
+                <a:r>
+                  <a:rPr lang="en-US" sz="1600" dirty="0" err="1"/>
+                  <a:t>Rmin</a:t>
+                </a:r>
+                <a:r>
+                  <a:rPr lang="ru-RU" sz="1600" dirty="0"/>
+                  <a:t>)/2 и соответственно координаты точки </a:t>
+                </a:r>
+                <a:r>
+                  <a:rPr lang="en-US" sz="1600" dirty="0"/>
+                  <a:t>center</a:t>
+                </a:r>
+                <a:endParaRPr lang="ru-RU" sz="1600" dirty="0"/>
               </a:p>
               <a:p>
                 <a:pPr marL="726948" lvl="2" indent="-342900">
                   <a:buFont typeface="+mj-lt"/>
                   <a:buAutoNum type="arabicPeriod"/>
                 </a:pPr>
-                <a14:m>
-                  <m:oMath xmlns:m="http://schemas.openxmlformats.org/officeDocument/2006/math">
-                    <m:r>
-                      <a:rPr lang="en-US" i="1"/>
-                      <m:t>𝑦</m:t>
-                    </m:r>
-                    <m:r>
-                      <a:rPr lang="en-US" i="1"/>
-                      <m:t>= </m:t>
-                    </m:r>
-                    <m:sSub>
-                      <m:sSubPr>
-                        <m:ctrlPr>
-                          <a:rPr lang="ru-RU" i="1"/>
-                        </m:ctrlPr>
-                      </m:sSubPr>
-                      <m:e>
-                        <m:r>
-                          <a:rPr lang="en-US" i="1"/>
-                          <m:t>𝑦</m:t>
-                        </m:r>
-                      </m:e>
-                      <m:sub>
-                        <m:r>
-                          <a:rPr lang="en-US" i="1"/>
-                          <m:t>𝑚𝑖𝑑𝑃𝑜𝑖𝑛𝑡</m:t>
-                        </m:r>
-                      </m:sub>
-                    </m:sSub>
-                    <m:r>
-                      <a:rPr lang="en-US" i="1"/>
-                      <m:t>+</m:t>
-                    </m:r>
-                    <m:sSub>
-                      <m:sSubPr>
-                        <m:ctrlPr>
-                          <a:rPr lang="ru-RU" i="1"/>
-                        </m:ctrlPr>
-                      </m:sSubPr>
-                      <m:e>
-                        <m:r>
-                          <a:rPr lang="en-US" i="1"/>
-                          <m:t>𝑦</m:t>
-                        </m:r>
-                      </m:e>
-                      <m:sub>
-                        <m:r>
-                          <a:rPr lang="en-US" i="1"/>
-                          <m:t>𝑣𝑒𝑐𝑡𝑜𝑟</m:t>
-                        </m:r>
-                      </m:sub>
-                    </m:sSub>
-                    <m:r>
-                      <a:rPr lang="en-US" i="1"/>
-                      <m:t>∗</m:t>
-                    </m:r>
-                    <m:r>
-                      <a:rPr lang="en-US" i="1"/>
-                      <m:t>𝑅</m:t>
-                    </m:r>
-                  </m:oMath>
-                </a14:m>
-                <a:endParaRPr lang="ru-RU" dirty="0"/>
-              </a:p>
-              <a:p>
-                <a:pPr marL="726948" lvl="2" indent="-342900">
-                  <a:buFont typeface="+mj-lt"/>
-                  <a:buAutoNum type="arabicPeriod"/>
-                </a:pPr>
-                <a:r>
-                  <a:rPr lang="ru-RU" dirty="0"/>
-                  <a:t>Меняем значение </a:t>
-                </a:r>
-                <a:r>
-                  <a:rPr lang="en-US" dirty="0"/>
+                <a:r>
+                  <a:rPr lang="ru-RU" sz="1600" dirty="0"/>
+                  <a:t>Проверяем, пересекает ли </a:t>
+                </a:r>
+                <a:r>
+                  <a:rPr lang="ru-RU" sz="1600" dirty="0" smtClean="0"/>
+                  <a:t>окружность </a:t>
+                </a:r>
+                <a:r>
+                  <a:rPr lang="ru-RU" sz="1600" dirty="0"/>
+                  <a:t>с центром в точке </a:t>
+                </a:r>
+                <a:r>
+                  <a:rPr lang="en-US" sz="1600" dirty="0"/>
+                  <a:t>center </a:t>
+                </a:r>
+                <a:r>
+                  <a:rPr lang="ru-RU" sz="1600" dirty="0"/>
+                  <a:t>и радиусом </a:t>
+                </a:r>
+                <a:r>
+                  <a:rPr lang="en-US" sz="1600" dirty="0"/>
+                  <a:t>R </a:t>
+                </a:r>
+                <a:r>
+                  <a:rPr lang="ru-RU" sz="1600" dirty="0"/>
+                  <a:t>сегменты </a:t>
+                </a:r>
+                <a:r>
+                  <a:rPr lang="ru-RU" sz="1600" dirty="0" smtClean="0"/>
+                  <a:t>из списка, </a:t>
+                </a:r>
+                <a:r>
+                  <a:rPr lang="ru-RU" sz="1600" dirty="0"/>
+                  <a:t>а также выходит ли окружность за границы контура. Если выходит, то </a:t>
+                </a:r>
+                <a:r>
+                  <a:rPr lang="en-US" sz="1600" dirty="0" err="1"/>
+                  <a:t>Rmax</a:t>
+                </a:r>
+                <a:r>
+                  <a:rPr lang="ru-RU" sz="1600" dirty="0"/>
+                  <a:t> = </a:t>
+                </a:r>
+                <a:r>
+                  <a:rPr lang="en-US" sz="1600" dirty="0"/>
                   <a:t>R</a:t>
                 </a:r>
                 <a:r>
-                  <a:rPr lang="ru-RU" dirty="0"/>
-                  <a:t> = (</a:t>
-                </a:r>
-                <a:r>
-                  <a:rPr lang="en-US" dirty="0" err="1"/>
+                  <a:rPr lang="ru-RU" sz="1600" dirty="0"/>
+                  <a:t> и на Шаг 6. Если не выходит, но один из сегментов пересекает в двух точках, то </a:t>
+                </a:r>
+                <a:r>
+                  <a:rPr lang="en-US" sz="1600" dirty="0" err="1"/>
                   <a:t>Rmax</a:t>
                 </a:r>
                 <a:r>
-                  <a:rPr lang="en-US" dirty="0"/>
-                  <a:t> </a:t>
-                </a:r>
-                <a:r>
-                  <a:rPr lang="ru-RU" dirty="0"/>
-                  <a:t>+ </a:t>
-                </a:r>
-                <a:r>
-                  <a:rPr lang="en-US" dirty="0" err="1"/>
+                  <a:rPr lang="ru-RU" sz="1600" dirty="0"/>
+                  <a:t> = </a:t>
+                </a:r>
+                <a:r>
+                  <a:rPr lang="en-US" sz="1600" dirty="0"/>
+                  <a:t>R</a:t>
+                </a:r>
+                <a:r>
+                  <a:rPr lang="ru-RU" sz="1600" dirty="0"/>
+                  <a:t> и на Шаг 6. Если не выходит и не пересекает ни одного из сегментов, то </a:t>
+                </a:r>
+                <a:r>
+                  <a:rPr lang="en-US" sz="1600" dirty="0" err="1"/>
                   <a:t>Rmin</a:t>
                 </a:r>
                 <a:r>
-                  <a:rPr lang="ru-RU" dirty="0"/>
-                  <a:t>)/2 и соответственно координаты точки </a:t>
-                </a:r>
-                <a:r>
-                  <a:rPr lang="en-US" dirty="0"/>
-                  <a:t>center</a:t>
-                </a:r>
-                <a:endParaRPr lang="ru-RU" dirty="0"/>
-              </a:p>
-              <a:p>
-                <a:pPr marL="726948" lvl="2" indent="-342900">
-                  <a:buFont typeface="+mj-lt"/>
-                  <a:buAutoNum type="arabicPeriod"/>
-                </a:pPr>
-                <a:r>
-                  <a:rPr lang="ru-RU" dirty="0"/>
-                  <a:t>Проверяем, пересекает ли </a:t>
-                </a:r>
-                <a:r>
-                  <a:rPr lang="ru-RU" dirty="0" smtClean="0"/>
-                  <a:t>окружность </a:t>
-                </a:r>
-                <a:r>
-                  <a:rPr lang="ru-RU" dirty="0"/>
-                  <a:t>с центром в точке </a:t>
-                </a:r>
-                <a:r>
-                  <a:rPr lang="en-US" dirty="0"/>
-                  <a:t>center </a:t>
-                </a:r>
-                <a:r>
-                  <a:rPr lang="ru-RU" dirty="0"/>
-                  <a:t>и радиусом </a:t>
-                </a:r>
-                <a:r>
-                  <a:rPr lang="en-US" dirty="0"/>
+                  <a:rPr lang="ru-RU" sz="1600" dirty="0"/>
+                  <a:t> = </a:t>
+                </a:r>
+                <a:r>
+                  <a:rPr lang="en-US" sz="1600" dirty="0"/>
                   <a:t>R </a:t>
                 </a:r>
                 <a:r>
-                  <a:rPr lang="ru-RU" dirty="0"/>
-                  <a:t>сегменты </a:t>
-                </a:r>
-                <a:r>
-                  <a:rPr lang="ru-RU" dirty="0" smtClean="0"/>
-                  <a:t>из списка, </a:t>
-                </a:r>
-                <a:r>
-                  <a:rPr lang="ru-RU" dirty="0"/>
-                  <a:t>а также выходит ли окружность за границы контура. Если выходит, то </a:t>
-                </a:r>
-                <a:r>
-                  <a:rPr lang="en-US" dirty="0" err="1"/>
-                  <a:t>Rmax</a:t>
-                </a:r>
-                <a:r>
-                  <a:rPr lang="ru-RU" dirty="0"/>
-                  <a:t> = </a:t>
-                </a:r>
-                <a:r>
-                  <a:rPr lang="en-US" dirty="0"/>
-                  <a:t>R</a:t>
-                </a:r>
-                <a:r>
-                  <a:rPr lang="ru-RU" dirty="0"/>
-                  <a:t> и на Шаг 6. Если не выходит, но один из сегментов пересекает в двух точках, то </a:t>
-                </a:r>
-                <a:r>
-                  <a:rPr lang="en-US" dirty="0" err="1"/>
-                  <a:t>Rmax</a:t>
-                </a:r>
-                <a:r>
-                  <a:rPr lang="ru-RU" dirty="0"/>
-                  <a:t> = </a:t>
-                </a:r>
-                <a:r>
-                  <a:rPr lang="en-US" dirty="0"/>
-                  <a:t>R</a:t>
-                </a:r>
-                <a:r>
-                  <a:rPr lang="ru-RU" dirty="0"/>
-                  <a:t> и на Шаг 6. Если не выходит и не пересекает ни одного из сегментов, то </a:t>
-                </a:r>
-                <a:r>
-                  <a:rPr lang="en-US" dirty="0" err="1"/>
-                  <a:t>Rmin</a:t>
-                </a:r>
-                <a:r>
-                  <a:rPr lang="ru-RU" dirty="0"/>
-                  <a:t> = </a:t>
-                </a:r>
-                <a:r>
-                  <a:rPr lang="en-US" dirty="0"/>
-                  <a:t>R </a:t>
-                </a:r>
-                <a:r>
-                  <a:rPr lang="ru-RU" dirty="0"/>
+                  <a:rPr lang="ru-RU" sz="1600" dirty="0"/>
                   <a:t>и на Шаг 6. Если не выходит и касается двух или больше сегментов в одной точке, то на Шаг </a:t>
                 </a:r>
                 <a:r>
-                  <a:rPr lang="ru-RU" dirty="0" smtClean="0"/>
+                  <a:rPr lang="ru-RU" sz="1600" dirty="0" smtClean="0"/>
                   <a:t>8.</a:t>
                 </a:r>
               </a:p>
@@ -7023,7 +7284,7 @@
               <a:blipFill rotWithShape="0">
                 <a:blip r:embed="rId2"/>
                 <a:stretch>
-                  <a:fillRect l="-1515" t="-1667" r="-303"/>
+                  <a:fillRect l="-1515" t="-1667" r="-545"/>
                 </a:stretch>
               </a:blipFill>
             </p:spPr>

--- a/doc/publication/презентация.pptx
+++ b/doc/publication/презентация.pptx
@@ -17,7 +17,15 @@
     <p:sldId id="268" r:id="rId11"/>
     <p:sldId id="265" r:id="rId12"/>
     <p:sldId id="266" r:id="rId13"/>
-    <p:sldId id="267" r:id="rId14"/>
+    <p:sldId id="273" r:id="rId14"/>
+    <p:sldId id="269" r:id="rId15"/>
+    <p:sldId id="270" r:id="rId16"/>
+    <p:sldId id="271" r:id="rId17"/>
+    <p:sldId id="272" r:id="rId18"/>
+    <p:sldId id="274" r:id="rId19"/>
+    <p:sldId id="275" r:id="rId20"/>
+    <p:sldId id="276" r:id="rId21"/>
+    <p:sldId id="267" r:id="rId22"/>
   </p:sldIdLst>
   <p:sldSz cx="12192000" cy="6858000"/>
   <p:notesSz cx="6858000" cy="9144000"/>
@@ -118,7 +126,7 @@
   </p:defaultTextStyle>
   <p:extLst>
     <p:ext uri="{EFAFB233-063F-42B5-8137-9DF3F51BA10A}">
-      <p15:sldGuideLst xmlns:p15="http://schemas.microsoft.com/office/powerpoint/2012/main"/>
+      <p15:sldGuideLst xmlns:p15="http://schemas.microsoft.com/office/powerpoint/2012/main" xmlns=""/>
     </p:ext>
   </p:extLst>
 </p:presentation>
@@ -350,7 +358,7 @@
           <a:p>
             <a:fld id="{F7F616E4-FC83-4FAA-AFE1-EB622BBF82DB}" type="datetimeFigureOut">
               <a:rPr lang="ru-RU" smtClean="0"/>
-              <a:t>28.04.2017</a:t>
+              <a:t>19.05.2017</a:t>
             </a:fld>
             <a:endParaRPr lang="ru-RU"/>
           </a:p>
@@ -558,7 +566,7 @@
           <a:p>
             <a:fld id="{F7F616E4-FC83-4FAA-AFE1-EB622BBF82DB}" type="datetimeFigureOut">
               <a:rPr lang="ru-RU" smtClean="0"/>
-              <a:t>28.04.2017</a:t>
+              <a:t>19.05.2017</a:t>
             </a:fld>
             <a:endParaRPr lang="ru-RU"/>
           </a:p>
@@ -814,7 +822,7 @@
           <a:p>
             <a:fld id="{F7F616E4-FC83-4FAA-AFE1-EB622BBF82DB}" type="datetimeFigureOut">
               <a:rPr lang="ru-RU" smtClean="0"/>
-              <a:t>28.04.2017</a:t>
+              <a:t>19.05.2017</a:t>
             </a:fld>
             <a:endParaRPr lang="ru-RU"/>
           </a:p>
@@ -988,7 +996,7 @@
           <a:p>
             <a:fld id="{F7F616E4-FC83-4FAA-AFE1-EB622BBF82DB}" type="datetimeFigureOut">
               <a:rPr lang="ru-RU" smtClean="0"/>
-              <a:t>28.04.2017</a:t>
+              <a:t>19.05.2017</a:t>
             </a:fld>
             <a:endParaRPr lang="ru-RU"/>
           </a:p>
@@ -1331,7 +1339,7 @@
           <a:p>
             <a:fld id="{F7F616E4-FC83-4FAA-AFE1-EB622BBF82DB}" type="datetimeFigureOut">
               <a:rPr lang="ru-RU" smtClean="0"/>
-              <a:t>28.04.2017</a:t>
+              <a:t>19.05.2017</a:t>
             </a:fld>
             <a:endParaRPr lang="ru-RU"/>
           </a:p>
@@ -1606,7 +1614,7 @@
           <a:p>
             <a:fld id="{F7F616E4-FC83-4FAA-AFE1-EB622BBF82DB}" type="datetimeFigureOut">
               <a:rPr lang="ru-RU" smtClean="0"/>
-              <a:t>28.04.2017</a:t>
+              <a:t>19.05.2017</a:t>
             </a:fld>
             <a:endParaRPr lang="ru-RU"/>
           </a:p>
@@ -1985,7 +1993,7 @@
           <a:p>
             <a:fld id="{F7F616E4-FC83-4FAA-AFE1-EB622BBF82DB}" type="datetimeFigureOut">
               <a:rPr lang="ru-RU" smtClean="0"/>
-              <a:t>28.04.2017</a:t>
+              <a:t>19.05.2017</a:t>
             </a:fld>
             <a:endParaRPr lang="ru-RU"/>
           </a:p>
@@ -2103,7 +2111,7 @@
           <a:p>
             <a:fld id="{F7F616E4-FC83-4FAA-AFE1-EB622BBF82DB}" type="datetimeFigureOut">
               <a:rPr lang="ru-RU" smtClean="0"/>
-              <a:t>28.04.2017</a:t>
+              <a:t>19.05.2017</a:t>
             </a:fld>
             <a:endParaRPr lang="ru-RU"/>
           </a:p>
@@ -2274,7 +2282,7 @@
           <a:p>
             <a:fld id="{F7F616E4-FC83-4FAA-AFE1-EB622BBF82DB}" type="datetimeFigureOut">
               <a:rPr lang="ru-RU" smtClean="0"/>
-              <a:t>28.04.2017</a:t>
+              <a:t>19.05.2017</a:t>
             </a:fld>
             <a:endParaRPr lang="ru-RU"/>
           </a:p>
@@ -2628,7 +2636,7 @@
           <a:p>
             <a:fld id="{F7F616E4-FC83-4FAA-AFE1-EB622BBF82DB}" type="datetimeFigureOut">
               <a:rPr lang="ru-RU" smtClean="0"/>
-              <a:t>28.04.2017</a:t>
+              <a:t>19.05.2017</a:t>
             </a:fld>
             <a:endParaRPr lang="ru-RU"/>
           </a:p>
@@ -3010,7 +3018,7 @@
           <a:p>
             <a:fld id="{F7F616E4-FC83-4FAA-AFE1-EB622BBF82DB}" type="datetimeFigureOut">
               <a:rPr lang="ru-RU" smtClean="0"/>
-              <a:t>28.04.2017</a:t>
+              <a:t>19.05.2017</a:t>
             </a:fld>
             <a:endParaRPr lang="ru-RU"/>
           </a:p>
@@ -3297,7 +3305,7 @@
           <a:p>
             <a:fld id="{F7F616E4-FC83-4FAA-AFE1-EB622BBF82DB}" type="datetimeFigureOut">
               <a:rPr lang="ru-RU" smtClean="0"/>
-              <a:t>28.04.2017</a:t>
+              <a:t>19.05.2017</a:t>
             </a:fld>
             <a:endParaRPr lang="ru-RU"/>
           </a:p>
@@ -4127,11 +4135,7 @@
             </a:pPr>
             <a:r>
               <a:rPr lang="ru-RU" dirty="0" smtClean="0"/>
-              <a:t>ПО соседним двум точкам строим сегмент</a:t>
-            </a:r>
-            <a:r>
-              <a:rPr lang="ru-RU" dirty="0" smtClean="0"/>
-              <a:t>.</a:t>
+              <a:t>ПО соседним двум точкам строим сегмент.</a:t>
             </a:r>
           </a:p>
           <a:p>
@@ -4143,7 +4147,6 @@
               <a:rPr lang="ru-RU" dirty="0" smtClean="0"/>
               <a:t>Последовательно соединияем получившиеся сегменты.</a:t>
             </a:r>
-            <a:endParaRPr lang="ru-RU" dirty="0" smtClean="0"/>
           </a:p>
         </p:txBody>
       </p:sp>
@@ -4201,15 +4204,7 @@
           <a:p>
             <a:r>
               <a:rPr lang="ru-RU" dirty="0" smtClean="0"/>
-              <a:t>Пример построения </a:t>
-            </a:r>
-            <a:r>
-              <a:rPr lang="ru-RU" dirty="0" smtClean="0"/>
-              <a:t>классической срединной </a:t>
-            </a:r>
-            <a:r>
-              <a:rPr lang="ru-RU" dirty="0" smtClean="0"/>
-              <a:t>поверхности</a:t>
+              <a:t>Пример построения классической срединной поверхности</a:t>
             </a:r>
             <a:endParaRPr lang="ru-RU" dirty="0"/>
           </a:p>
@@ -4217,82 +4212,208 @@
       </p:sp>
       <p:pic>
         <p:nvPicPr>
-          <p:cNvPr id="2050" name="Рисунок 1"/>
+          <p:cNvPr id="1026" name="Picture 2"/>
           <p:cNvPicPr>
             <a:picLocks noChangeAspect="1" noChangeArrowheads="1"/>
           </p:cNvPicPr>
           <p:nvPr/>
         </p:nvPicPr>
-        <p:blipFill>
-          <a:blip r:embed="rId2">
+        <p:blipFill rotWithShape="1">
+          <a:blip r:embed="rId2" cstate="print">
             <a:extLst>
               <a:ext uri="{28A0092B-C50C-407E-A947-70E740481C1C}">
                 <a14:useLocalDpi xmlns:a14="http://schemas.microsoft.com/office/drawing/2010/main" val="0"/>
               </a:ext>
             </a:extLst>
           </a:blip>
-          <a:srcRect l="24533" t="33650" r="24480" b="31274"/>
-          <a:stretch>
-            <a:fillRect/>
-          </a:stretch>
+          <a:srcRect l="21719" t="26744" r="7891" b="31831"/>
+          <a:stretch/>
         </p:blipFill>
         <p:spPr bwMode="auto">
           <a:xfrm>
-            <a:off x="4263390" y="2184717"/>
-            <a:ext cx="3028950" cy="1171575"/>
+            <a:off x="1447801" y="2371725"/>
+            <a:ext cx="3533774" cy="1117786"/>
           </a:xfrm>
           <a:prstGeom prst="rect">
             <a:avLst/>
           </a:prstGeom>
           <a:noFill/>
+          <a:ln>
+            <a:noFill/>
+          </a:ln>
           <a:extLst>
             <a:ext uri="{909E8E84-426E-40DD-AFC4-6F175D3DCCD1}">
               <a14:hiddenFill xmlns:a14="http://schemas.microsoft.com/office/drawing/2010/main">
                 <a:solidFill>
-                  <a:srgbClr val="FFFFFF"/>
+                  <a:schemeClr val="accent1"/>
                 </a:solidFill>
               </a14:hiddenFill>
+            </a:ext>
+            <a:ext uri="{91240B29-F687-4F45-9708-019B960494DF}">
+              <a14:hiddenLine xmlns:a14="http://schemas.microsoft.com/office/drawing/2010/main" w="9525">
+                <a:solidFill>
+                  <a:schemeClr val="tx1"/>
+                </a:solidFill>
+                <a:miter lim="800000"/>
+                <a:headEnd/>
+                <a:tailEnd/>
+              </a14:hiddenLine>
             </a:ext>
           </a:extLst>
         </p:spPr>
       </p:pic>
       <p:pic>
         <p:nvPicPr>
-          <p:cNvPr id="2049" name="Рисунок 2"/>
+          <p:cNvPr id="1027" name="Picture 3"/>
           <p:cNvPicPr>
             <a:picLocks noChangeAspect="1" noChangeArrowheads="1"/>
           </p:cNvPicPr>
           <p:nvPr/>
         </p:nvPicPr>
-        <p:blipFill>
-          <a:blip r:embed="rId3">
+        <p:blipFill rotWithShape="1">
+          <a:blip r:embed="rId3" cstate="print">
             <a:extLst>
               <a:ext uri="{28A0092B-C50C-407E-A947-70E740481C1C}">
                 <a14:useLocalDpi xmlns:a14="http://schemas.microsoft.com/office/drawing/2010/main" val="0"/>
               </a:ext>
             </a:extLst>
           </a:blip>
-          <a:srcRect l="24854" t="33365" r="24800" b="31844"/>
-          <a:stretch>
-            <a:fillRect/>
-          </a:stretch>
+          <a:srcRect l="21094" t="18750" r="16328" b="17297"/>
+          <a:stretch/>
         </p:blipFill>
         <p:spPr bwMode="auto">
           <a:xfrm>
-            <a:off x="4263390" y="3803649"/>
-            <a:ext cx="2990850" cy="1162050"/>
+            <a:off x="6276974" y="3779949"/>
+            <a:ext cx="3933825" cy="2160903"/>
           </a:xfrm>
           <a:prstGeom prst="rect">
             <a:avLst/>
           </a:prstGeom>
           <a:noFill/>
+          <a:ln>
+            <a:noFill/>
+          </a:ln>
           <a:extLst>
             <a:ext uri="{909E8E84-426E-40DD-AFC4-6F175D3DCCD1}">
               <a14:hiddenFill xmlns:a14="http://schemas.microsoft.com/office/drawing/2010/main">
                 <a:solidFill>
-                  <a:srgbClr val="FFFFFF"/>
+                  <a:schemeClr val="accent1"/>
                 </a:solidFill>
               </a14:hiddenFill>
+            </a:ext>
+            <a:ext uri="{91240B29-F687-4F45-9708-019B960494DF}">
+              <a14:hiddenLine xmlns:a14="http://schemas.microsoft.com/office/drawing/2010/main" w="9525">
+                <a:solidFill>
+                  <a:schemeClr val="tx1"/>
+                </a:solidFill>
+                <a:miter lim="800000"/>
+                <a:headEnd/>
+                <a:tailEnd/>
+              </a14:hiddenLine>
+            </a:ext>
+          </a:extLst>
+        </p:spPr>
+      </p:pic>
+      <p:pic>
+        <p:nvPicPr>
+          <p:cNvPr id="1028" name="Picture 4"/>
+          <p:cNvPicPr>
+            <a:picLocks noChangeAspect="1" noChangeArrowheads="1"/>
+          </p:cNvPicPr>
+          <p:nvPr/>
+        </p:nvPicPr>
+        <p:blipFill rotWithShape="1">
+          <a:blip r:embed="rId4">
+            <a:extLst>
+              <a:ext uri="{28A0092B-C50C-407E-A947-70E740481C1C}">
+                <a14:useLocalDpi xmlns:a14="http://schemas.microsoft.com/office/drawing/2010/main" val="0"/>
+              </a:ext>
+            </a:extLst>
+          </a:blip>
+          <a:srcRect l="10078" t="24273" r="15313" b="30523"/>
+          <a:stretch/>
+        </p:blipFill>
+        <p:spPr bwMode="auto">
+          <a:xfrm>
+            <a:off x="5467350" y="1773046"/>
+            <a:ext cx="6162674" cy="2006903"/>
+          </a:xfrm>
+          <a:prstGeom prst="rect">
+            <a:avLst/>
+          </a:prstGeom>
+          <a:noFill/>
+          <a:ln>
+            <a:noFill/>
+          </a:ln>
+          <a:extLst>
+            <a:ext uri="{909E8E84-426E-40DD-AFC4-6F175D3DCCD1}">
+              <a14:hiddenFill xmlns:a14="http://schemas.microsoft.com/office/drawing/2010/main">
+                <a:solidFill>
+                  <a:schemeClr val="accent1"/>
+                </a:solidFill>
+              </a14:hiddenFill>
+            </a:ext>
+            <a:ext uri="{91240B29-F687-4F45-9708-019B960494DF}">
+              <a14:hiddenLine xmlns:a14="http://schemas.microsoft.com/office/drawing/2010/main" w="9525">
+                <a:solidFill>
+                  <a:schemeClr val="tx1"/>
+                </a:solidFill>
+                <a:miter lim="800000"/>
+                <a:headEnd/>
+                <a:tailEnd/>
+              </a14:hiddenLine>
+            </a:ext>
+          </a:extLst>
+        </p:spPr>
+      </p:pic>
+      <p:pic>
+        <p:nvPicPr>
+          <p:cNvPr id="1029" name="Picture 5"/>
+          <p:cNvPicPr>
+            <a:picLocks noChangeAspect="1" noChangeArrowheads="1"/>
+          </p:cNvPicPr>
+          <p:nvPr/>
+        </p:nvPicPr>
+        <p:blipFill rotWithShape="1">
+          <a:blip r:embed="rId5" cstate="print">
+            <a:extLst>
+              <a:ext uri="{28A0092B-C50C-407E-A947-70E740481C1C}">
+                <a14:useLocalDpi xmlns:a14="http://schemas.microsoft.com/office/drawing/2010/main" val="0"/>
+              </a:ext>
+            </a:extLst>
+          </a:blip>
+          <a:srcRect l="13125" t="14680" r="16250" b="30378"/>
+          <a:stretch/>
+        </p:blipFill>
+        <p:spPr bwMode="auto">
+          <a:xfrm>
+            <a:off x="104773" y="3893870"/>
+            <a:ext cx="5191123" cy="2170626"/>
+          </a:xfrm>
+          <a:prstGeom prst="rect">
+            <a:avLst/>
+          </a:prstGeom>
+          <a:noFill/>
+          <a:ln>
+            <a:noFill/>
+          </a:ln>
+          <a:extLst>
+            <a:ext uri="{909E8E84-426E-40DD-AFC4-6F175D3DCCD1}">
+              <a14:hiddenFill xmlns:a14="http://schemas.microsoft.com/office/drawing/2010/main">
+                <a:solidFill>
+                  <a:schemeClr val="accent1"/>
+                </a:solidFill>
+              </a14:hiddenFill>
+            </a:ext>
+            <a:ext uri="{91240B29-F687-4F45-9708-019B960494DF}">
+              <a14:hiddenLine xmlns:a14="http://schemas.microsoft.com/office/drawing/2010/main" w="9525">
+                <a:solidFill>
+                  <a:schemeClr val="tx1"/>
+                </a:solidFill>
+                <a:miter lim="800000"/>
+                <a:headEnd/>
+                <a:tailEnd/>
+              </a14:hiddenLine>
             </a:ext>
           </a:extLst>
         </p:spPr>
@@ -4336,7 +4457,7 @@
       </p:grpSpPr>
       <p:sp>
         <p:nvSpPr>
-          <p:cNvPr id="2" name="Title 1"/>
+          <p:cNvPr id="2" name="Заголовок 1"/>
           <p:cNvSpPr>
             <a:spLocks noGrp="1"/>
           </p:cNvSpPr>
@@ -4351,48 +4472,895 @@
           <a:p>
             <a:r>
               <a:rPr lang="ru-RU" dirty="0" smtClean="0"/>
-              <a:t>Вывод</a:t>
+              <a:t>Ожидаемая серединная поверхность</a:t>
             </a:r>
             <a:endParaRPr lang="ru-RU" dirty="0"/>
           </a:p>
         </p:txBody>
       </p:sp>
-      <p:sp>
-        <p:nvSpPr>
-          <p:cNvPr id="3" name="Content Placeholder 2"/>
-          <p:cNvSpPr>
-            <a:spLocks noGrp="1"/>
-          </p:cNvSpPr>
+      <p:pic>
+        <p:nvPicPr>
+          <p:cNvPr id="4" name="Объект 3"/>
+          <p:cNvPicPr>
+            <a:picLocks noGrp="1"/>
+          </p:cNvPicPr>
           <p:nvPr>
             <p:ph idx="1"/>
           </p:nvPr>
-        </p:nvSpPr>
-        <p:spPr/>
-        <p:txBody>
-          <a:bodyPr/>
-          <a:lstStyle/>
-          <a:p>
-            <a:endParaRPr lang="ru-RU" dirty="0"/>
-          </a:p>
-        </p:txBody>
-      </p:sp>
+        </p:nvPicPr>
+        <p:blipFill rotWithShape="1">
+          <a:blip r:embed="rId2"/>
+          <a:srcRect l="25655" t="34506" r="24639" b="32129"/>
+          <a:stretch/>
+        </p:blipFill>
+        <p:spPr bwMode="auto">
+          <a:xfrm>
+            <a:off x="1005584" y="2014564"/>
+            <a:ext cx="5173858" cy="1952573"/>
+          </a:xfrm>
+          <a:prstGeom prst="rect">
+            <a:avLst/>
+          </a:prstGeom>
+          <a:ln>
+            <a:noFill/>
+          </a:ln>
+          <a:extLst>
+            <a:ext uri="{53640926-AAD7-44D8-BBD7-CCE9431645EC}">
+              <a14:shadowObscured xmlns:a14="http://schemas.microsoft.com/office/drawing/2010/main"/>
+            </a:ext>
+          </a:extLst>
+        </p:spPr>
+      </p:pic>
+      <p:cxnSp>
+        <p:nvCxnSpPr>
+          <p:cNvPr id="6" name="Прямая соединительная линия 5"/>
+          <p:cNvCxnSpPr/>
+          <p:nvPr/>
+        </p:nvCxnSpPr>
+        <p:spPr>
+          <a:xfrm>
+            <a:off x="1190625" y="2990851"/>
+            <a:ext cx="4676775" cy="0"/>
+          </a:xfrm>
+          <a:prstGeom prst="line">
+            <a:avLst/>
+          </a:prstGeom>
+        </p:spPr>
+        <p:style>
+          <a:lnRef idx="3">
+            <a:schemeClr val="accent2"/>
+          </a:lnRef>
+          <a:fillRef idx="0">
+            <a:schemeClr val="accent2"/>
+          </a:fillRef>
+          <a:effectRef idx="2">
+            <a:schemeClr val="accent2"/>
+          </a:effectRef>
+          <a:fontRef idx="minor">
+            <a:schemeClr val="tx1"/>
+          </a:fontRef>
+        </p:style>
+      </p:cxnSp>
     </p:spTree>
     <p:extLst>
       <p:ext uri="{BB962C8B-B14F-4D97-AF65-F5344CB8AC3E}">
-        <p14:creationId xmlns:p14="http://schemas.microsoft.com/office/powerpoint/2010/main" val="1907582242"/>
+        <p14:creationId xmlns:p14="http://schemas.microsoft.com/office/powerpoint/2010/main" val="858634423"/>
       </p:ext>
     </p:extLst>
   </p:cSld>
   <p:clrMapOvr>
     <a:masterClrMapping/>
   </p:clrMapOvr>
-  <p:timing>
-    <p:tnLst>
-      <p:par>
-        <p:cTn id="1" dur="indefinite" restart="never" nodeType="tmRoot"/>
-      </p:par>
-    </p:tnLst>
-  </p:timing>
+</p:sld>
+</file>
+
+<file path=ppt/slides/slide14.xml><?xml version="1.0" encoding="utf-8"?>
+<p:sld xmlns:a="http://schemas.openxmlformats.org/drawingml/2006/main" xmlns:r="http://schemas.openxmlformats.org/officeDocument/2006/relationships" xmlns:p="http://schemas.openxmlformats.org/presentationml/2006/main">
+  <p:cSld>
+    <p:spTree>
+      <p:nvGrpSpPr>
+        <p:cNvPr id="1" name=""/>
+        <p:cNvGrpSpPr/>
+        <p:nvPr/>
+      </p:nvGrpSpPr>
+      <p:grpSpPr>
+        <a:xfrm>
+          <a:off x="0" y="0"/>
+          <a:ext cx="0" cy="0"/>
+          <a:chOff x="0" y="0"/>
+          <a:chExt cx="0" cy="0"/>
+        </a:xfrm>
+      </p:grpSpPr>
+      <p:sp>
+        <p:nvSpPr>
+          <p:cNvPr id="2" name="Заголовок 1"/>
+          <p:cNvSpPr>
+            <a:spLocks noGrp="1"/>
+          </p:cNvSpPr>
+          <p:nvPr>
+            <p:ph type="title"/>
+          </p:nvPr>
+        </p:nvSpPr>
+        <p:spPr/>
+        <p:txBody>
+          <a:bodyPr/>
+          <a:lstStyle/>
+          <a:p>
+            <a:r>
+              <a:rPr lang="ru-RU" dirty="0" smtClean="0"/>
+              <a:t>Построение графа</a:t>
+            </a:r>
+            <a:endParaRPr lang="ru-RU" dirty="0"/>
+          </a:p>
+        </p:txBody>
+      </p:sp>
+      <p:sp>
+        <p:nvSpPr>
+          <p:cNvPr id="3" name="Объект 2"/>
+          <p:cNvSpPr>
+            <a:spLocks noGrp="1"/>
+          </p:cNvSpPr>
+          <p:nvPr>
+            <p:ph idx="1"/>
+          </p:nvPr>
+        </p:nvSpPr>
+        <p:spPr/>
+        <p:txBody>
+          <a:bodyPr/>
+          <a:lstStyle/>
+          <a:p>
+            <a:r>
+              <a:rPr lang="ru-RU" dirty="0" smtClean="0"/>
+              <a:t>Каждая точка серединной поверхности – вершина</a:t>
+            </a:r>
+          </a:p>
+          <a:p>
+            <a:r>
+              <a:rPr lang="ru-RU" dirty="0" smtClean="0"/>
+              <a:t>Отрезки соединяющие точки серединной поверхности - ребра</a:t>
+            </a:r>
+            <a:endParaRPr lang="ru-RU" dirty="0"/>
+          </a:p>
+        </p:txBody>
+      </p:sp>
+    </p:spTree>
+    <p:extLst>
+      <p:ext uri="{BB962C8B-B14F-4D97-AF65-F5344CB8AC3E}">
+        <p14:creationId xmlns:p14="http://schemas.microsoft.com/office/powerpoint/2010/main" val="2540201312"/>
+      </p:ext>
+    </p:extLst>
+  </p:cSld>
+  <p:clrMapOvr>
+    <a:masterClrMapping/>
+  </p:clrMapOvr>
+</p:sld>
+</file>
+
+<file path=ppt/slides/slide15.xml><?xml version="1.0" encoding="utf-8"?>
+<p:sld xmlns:a="http://schemas.openxmlformats.org/drawingml/2006/main" xmlns:r="http://schemas.openxmlformats.org/officeDocument/2006/relationships" xmlns:p="http://schemas.openxmlformats.org/presentationml/2006/main">
+  <p:cSld>
+    <p:spTree>
+      <p:nvGrpSpPr>
+        <p:cNvPr id="1" name=""/>
+        <p:cNvGrpSpPr/>
+        <p:nvPr/>
+      </p:nvGrpSpPr>
+      <p:grpSpPr>
+        <a:xfrm>
+          <a:off x="0" y="0"/>
+          <a:ext cx="0" cy="0"/>
+          <a:chOff x="0" y="0"/>
+          <a:chExt cx="0" cy="0"/>
+        </a:xfrm>
+      </p:grpSpPr>
+      <p:sp>
+        <p:nvSpPr>
+          <p:cNvPr id="2" name="Заголовок 1"/>
+          <p:cNvSpPr>
+            <a:spLocks noGrp="1"/>
+          </p:cNvSpPr>
+          <p:nvPr>
+            <p:ph type="title"/>
+          </p:nvPr>
+        </p:nvSpPr>
+        <p:spPr/>
+        <p:txBody>
+          <a:bodyPr/>
+          <a:lstStyle/>
+          <a:p>
+            <a:r>
+              <a:rPr lang="ru-RU" dirty="0" smtClean="0"/>
+              <a:t>Стратегия №1 </a:t>
+            </a:r>
+            <a:endParaRPr lang="ru-RU" dirty="0"/>
+          </a:p>
+        </p:txBody>
+      </p:sp>
+      <p:sp>
+        <p:nvSpPr>
+          <p:cNvPr id="3" name="Объект 2"/>
+          <p:cNvSpPr>
+            <a:spLocks noGrp="1"/>
+          </p:cNvSpPr>
+          <p:nvPr>
+            <p:ph idx="1"/>
+          </p:nvPr>
+        </p:nvSpPr>
+        <p:spPr/>
+        <p:txBody>
+          <a:bodyPr/>
+          <a:lstStyle/>
+          <a:p>
+            <a:pPr marL="457200" indent="-457200">
+              <a:buFont typeface="+mj-lt"/>
+              <a:buAutoNum type="arabicPeriod"/>
+            </a:pPr>
+            <a:r>
+              <a:rPr lang="ru-RU" dirty="0" smtClean="0"/>
+              <a:t>Найти самый длинный путь в графе</a:t>
+            </a:r>
+          </a:p>
+          <a:p>
+            <a:pPr marL="457200" indent="-457200">
+              <a:buFont typeface="+mj-lt"/>
+              <a:buAutoNum type="arabicPeriod"/>
+            </a:pPr>
+            <a:r>
+              <a:rPr lang="ru-RU" dirty="0" smtClean="0"/>
+              <a:t>Определить к каким сегментам контура относятся вершины(точки серединной поверхности)</a:t>
+            </a:r>
+          </a:p>
+          <a:p>
+            <a:pPr marL="457200" indent="-457200">
+              <a:buFont typeface="+mj-lt"/>
+              <a:buAutoNum type="arabicPeriod"/>
+            </a:pPr>
+            <a:r>
+              <a:rPr lang="ru-RU" dirty="0" smtClean="0"/>
+              <a:t>Построить классическую серединную поверхность, учитывая только выделенные сегменты контура</a:t>
+            </a:r>
+            <a:endParaRPr lang="ru-RU" dirty="0"/>
+          </a:p>
+        </p:txBody>
+      </p:sp>
+    </p:spTree>
+    <p:extLst>
+      <p:ext uri="{BB962C8B-B14F-4D97-AF65-F5344CB8AC3E}">
+        <p14:creationId xmlns:p14="http://schemas.microsoft.com/office/powerpoint/2010/main" val="2468542966"/>
+      </p:ext>
+    </p:extLst>
+  </p:cSld>
+  <p:clrMapOvr>
+    <a:masterClrMapping/>
+  </p:clrMapOvr>
+</p:sld>
+</file>
+
+<file path=ppt/slides/slide16.xml><?xml version="1.0" encoding="utf-8"?>
+<p:sld xmlns:a="http://schemas.openxmlformats.org/drawingml/2006/main" xmlns:r="http://schemas.openxmlformats.org/officeDocument/2006/relationships" xmlns:p="http://schemas.openxmlformats.org/presentationml/2006/main">
+  <p:cSld>
+    <p:spTree>
+      <p:nvGrpSpPr>
+        <p:cNvPr id="1" name=""/>
+        <p:cNvGrpSpPr/>
+        <p:nvPr/>
+      </p:nvGrpSpPr>
+      <p:grpSpPr>
+        <a:xfrm>
+          <a:off x="0" y="0"/>
+          <a:ext cx="0" cy="0"/>
+          <a:chOff x="0" y="0"/>
+          <a:chExt cx="0" cy="0"/>
+        </a:xfrm>
+      </p:grpSpPr>
+      <p:sp>
+        <p:nvSpPr>
+          <p:cNvPr id="2" name="Заголовок 1"/>
+          <p:cNvSpPr>
+            <a:spLocks noGrp="1"/>
+          </p:cNvSpPr>
+          <p:nvPr>
+            <p:ph type="title"/>
+          </p:nvPr>
+        </p:nvSpPr>
+        <p:spPr/>
+        <p:txBody>
+          <a:bodyPr/>
+          <a:lstStyle/>
+          <a:p>
+            <a:r>
+              <a:rPr lang="ru-RU" dirty="0" smtClean="0"/>
+              <a:t>Стратегия «полный перебор»</a:t>
+            </a:r>
+            <a:endParaRPr lang="ru-RU" dirty="0"/>
+          </a:p>
+        </p:txBody>
+      </p:sp>
+      <p:sp>
+        <p:nvSpPr>
+          <p:cNvPr id="3" name="Объект 2"/>
+          <p:cNvSpPr>
+            <a:spLocks noGrp="1"/>
+          </p:cNvSpPr>
+          <p:nvPr>
+            <p:ph idx="1"/>
+          </p:nvPr>
+        </p:nvSpPr>
+        <p:spPr/>
+        <p:txBody>
+          <a:bodyPr/>
+          <a:lstStyle/>
+          <a:p>
+            <a:pPr marL="457200" indent="-457200">
+              <a:buFont typeface="+mj-lt"/>
+              <a:buAutoNum type="arabicPeriod"/>
+            </a:pPr>
+            <a:r>
+              <a:rPr lang="ru-RU" dirty="0" smtClean="0"/>
+              <a:t>Перебираем все возможные варианты «включения</a:t>
+            </a:r>
+            <a:r>
+              <a:rPr lang="en-US" dirty="0" smtClean="0"/>
+              <a:t>/</a:t>
+            </a:r>
+            <a:r>
+              <a:rPr lang="ru-RU" dirty="0" smtClean="0"/>
+              <a:t>выключения» (выделения) сегментов контура.</a:t>
+            </a:r>
+          </a:p>
+          <a:p>
+            <a:pPr marL="457200" indent="-457200">
+              <a:buFont typeface="+mj-lt"/>
+              <a:buAutoNum type="arabicPeriod"/>
+            </a:pPr>
+            <a:r>
+              <a:rPr lang="ru-RU" dirty="0" smtClean="0"/>
+              <a:t>Строим классическую серединную поверхность только для включенных сегментов контура.</a:t>
+            </a:r>
+            <a:endParaRPr lang="ru-RU" dirty="0"/>
+          </a:p>
+        </p:txBody>
+      </p:sp>
+    </p:spTree>
+    <p:extLst>
+      <p:ext uri="{BB962C8B-B14F-4D97-AF65-F5344CB8AC3E}">
+        <p14:creationId xmlns:p14="http://schemas.microsoft.com/office/powerpoint/2010/main" val="1722808062"/>
+      </p:ext>
+    </p:extLst>
+  </p:cSld>
+  <p:clrMapOvr>
+    <a:masterClrMapping/>
+  </p:clrMapOvr>
+</p:sld>
+</file>
+
+<file path=ppt/slides/slide17.xml><?xml version="1.0" encoding="utf-8"?>
+<p:sld xmlns:a="http://schemas.openxmlformats.org/drawingml/2006/main" xmlns:r="http://schemas.openxmlformats.org/officeDocument/2006/relationships" xmlns:p="http://schemas.openxmlformats.org/presentationml/2006/main">
+  <p:cSld>
+    <p:spTree>
+      <p:nvGrpSpPr>
+        <p:cNvPr id="1" name=""/>
+        <p:cNvGrpSpPr/>
+        <p:nvPr/>
+      </p:nvGrpSpPr>
+      <p:grpSpPr>
+        <a:xfrm>
+          <a:off x="0" y="0"/>
+          <a:ext cx="0" cy="0"/>
+          <a:chOff x="0" y="0"/>
+          <a:chExt cx="0" cy="0"/>
+        </a:xfrm>
+      </p:grpSpPr>
+      <p:sp>
+        <p:nvSpPr>
+          <p:cNvPr id="2" name="Заголовок 1"/>
+          <p:cNvSpPr>
+            <a:spLocks noGrp="1"/>
+          </p:cNvSpPr>
+          <p:nvPr>
+            <p:ph type="title"/>
+          </p:nvPr>
+        </p:nvSpPr>
+        <p:spPr/>
+        <p:txBody>
+          <a:bodyPr/>
+          <a:lstStyle/>
+          <a:p>
+            <a:r>
+              <a:rPr lang="ru-RU" dirty="0" smtClean="0"/>
+              <a:t>Стратегия с нормалями</a:t>
+            </a:r>
+            <a:endParaRPr lang="ru-RU" dirty="0"/>
+          </a:p>
+        </p:txBody>
+      </p:sp>
+      <p:sp>
+        <p:nvSpPr>
+          <p:cNvPr id="3" name="Объект 2"/>
+          <p:cNvSpPr>
+            <a:spLocks noGrp="1"/>
+          </p:cNvSpPr>
+          <p:nvPr>
+            <p:ph idx="1"/>
+          </p:nvPr>
+        </p:nvSpPr>
+        <p:spPr/>
+        <p:txBody>
+          <a:bodyPr/>
+          <a:lstStyle/>
+          <a:p>
+            <a:pPr marL="457200" indent="-457200">
+              <a:buFont typeface="+mj-lt"/>
+              <a:buAutoNum type="arabicPeriod"/>
+            </a:pPr>
+            <a:r>
+              <a:rPr lang="ru-RU" dirty="0" smtClean="0"/>
+              <a:t>Для каждой точки серединной поверхности и строим нормали </a:t>
+            </a:r>
+          </a:p>
+          <a:p>
+            <a:pPr marL="457200" indent="-457200">
+              <a:buFont typeface="+mj-lt"/>
+              <a:buAutoNum type="arabicPeriod"/>
+            </a:pPr>
+            <a:r>
+              <a:rPr lang="ru-RU" dirty="0" smtClean="0"/>
+              <a:t>Проверяем угол между нормалями</a:t>
+            </a:r>
+          </a:p>
+          <a:p>
+            <a:pPr marL="457200" indent="-457200">
+              <a:buFont typeface="+mj-lt"/>
+              <a:buAutoNum type="arabicPeriod"/>
+            </a:pPr>
+            <a:r>
+              <a:rPr lang="ru-RU" dirty="0" smtClean="0"/>
+              <a:t>Условие отсеивания лишних точек</a:t>
+            </a:r>
+          </a:p>
+          <a:p>
+            <a:pPr marL="457200" indent="-457200">
+              <a:buFont typeface="+mj-lt"/>
+              <a:buAutoNum type="arabicPeriod"/>
+            </a:pPr>
+            <a:endParaRPr lang="ru-RU" dirty="0"/>
+          </a:p>
+        </p:txBody>
+      </p:sp>
+      <p:pic>
+        <p:nvPicPr>
+          <p:cNvPr id="2052" name="Picture 4" descr="https://pp.userapi.com/c639316/v639316595/19ea5/68p82RqCBdE.jpg"/>
+          <p:cNvPicPr>
+            <a:picLocks noChangeAspect="1" noChangeArrowheads="1"/>
+          </p:cNvPicPr>
+          <p:nvPr/>
+        </p:nvPicPr>
+        <p:blipFill rotWithShape="1">
+          <a:blip r:embed="rId2" cstate="print">
+            <a:extLst>
+              <a:ext uri="{28A0092B-C50C-407E-A947-70E740481C1C}">
+                <a14:useLocalDpi xmlns:a14="http://schemas.microsoft.com/office/drawing/2010/main" val="0"/>
+              </a:ext>
+            </a:extLst>
+          </a:blip>
+          <a:srcRect l="26911" t="6746" r="26891" b="1531"/>
+          <a:stretch/>
+        </p:blipFill>
+        <p:spPr bwMode="auto">
+          <a:xfrm rot="19818570">
+            <a:off x="265361" y="4632761"/>
+            <a:ext cx="1322197" cy="1421940"/>
+          </a:xfrm>
+          <a:prstGeom prst="rect">
+            <a:avLst/>
+          </a:prstGeom>
+          <a:noFill/>
+          <a:extLst>
+            <a:ext uri="{909E8E84-426E-40DD-AFC4-6F175D3DCCD1}">
+              <a14:hiddenFill xmlns:a14="http://schemas.microsoft.com/office/drawing/2010/main">
+                <a:solidFill>
+                  <a:srgbClr val="FFFFFF"/>
+                </a:solidFill>
+              </a14:hiddenFill>
+            </a:ext>
+          </a:extLst>
+        </p:spPr>
+      </p:pic>
+      <p:pic>
+        <p:nvPicPr>
+          <p:cNvPr id="2050" name="Picture 2" descr="https://pp.userapi.com/c639316/v639316595/19e9b/ZkQnJT5tk7w.jpg"/>
+          <p:cNvPicPr>
+            <a:picLocks noChangeAspect="1" noChangeArrowheads="1"/>
+          </p:cNvPicPr>
+          <p:nvPr/>
+        </p:nvPicPr>
+        <p:blipFill rotWithShape="1">
+          <a:blip r:embed="rId3" cstate="print">
+            <a:extLst>
+              <a:ext uri="{28A0092B-C50C-407E-A947-70E740481C1C}">
+                <a14:useLocalDpi xmlns:a14="http://schemas.microsoft.com/office/drawing/2010/main" val="0"/>
+              </a:ext>
+            </a:extLst>
+          </a:blip>
+          <a:srcRect l="25503" t="37516" r="25538" b="32772"/>
+          <a:stretch/>
+        </p:blipFill>
+        <p:spPr bwMode="auto">
+          <a:xfrm>
+            <a:off x="561974" y="3376814"/>
+            <a:ext cx="3867643" cy="1271385"/>
+          </a:xfrm>
+          <a:prstGeom prst="rect">
+            <a:avLst/>
+          </a:prstGeom>
+          <a:noFill/>
+          <a:extLst>
+            <a:ext uri="{909E8E84-426E-40DD-AFC4-6F175D3DCCD1}">
+              <a14:hiddenFill xmlns:a14="http://schemas.microsoft.com/office/drawing/2010/main">
+                <a:solidFill>
+                  <a:srgbClr val="FFFFFF"/>
+                </a:solidFill>
+              </a14:hiddenFill>
+            </a:ext>
+          </a:extLst>
+        </p:spPr>
+      </p:pic>
+      <p:pic>
+        <p:nvPicPr>
+          <p:cNvPr id="2054" name="Picture 6" descr="https://pp.userapi.com/c639316/v639316595/19eaf/Ysx88Brr-Xk.jpg"/>
+          <p:cNvPicPr>
+            <a:picLocks noChangeAspect="1" noChangeArrowheads="1"/>
+          </p:cNvPicPr>
+          <p:nvPr/>
+        </p:nvPicPr>
+        <p:blipFill rotWithShape="1">
+          <a:blip r:embed="rId4" cstate="print">
+            <a:extLst>
+              <a:ext uri="{28A0092B-C50C-407E-A947-70E740481C1C}">
+                <a14:useLocalDpi xmlns:a14="http://schemas.microsoft.com/office/drawing/2010/main" val="0"/>
+              </a:ext>
+            </a:extLst>
+          </a:blip>
+          <a:srcRect l="25167" t="32878" r="25297" b="27259"/>
+          <a:stretch/>
+        </p:blipFill>
+        <p:spPr bwMode="auto">
+          <a:xfrm>
+            <a:off x="3676649" y="4839792"/>
+            <a:ext cx="3324226" cy="1449021"/>
+          </a:xfrm>
+          <a:prstGeom prst="rect">
+            <a:avLst/>
+          </a:prstGeom>
+          <a:noFill/>
+          <a:extLst>
+            <a:ext uri="{909E8E84-426E-40DD-AFC4-6F175D3DCCD1}">
+              <a14:hiddenFill xmlns:a14="http://schemas.microsoft.com/office/drawing/2010/main">
+                <a:solidFill>
+                  <a:srgbClr val="FFFFFF"/>
+                </a:solidFill>
+              </a14:hiddenFill>
+            </a:ext>
+          </a:extLst>
+        </p:spPr>
+      </p:pic>
+      <p:pic>
+        <p:nvPicPr>
+          <p:cNvPr id="2056" name="Picture 8" descr="https://pp.userapi.com/c639316/v639316595/19eb9/FV2JL_VDUL8.jpg"/>
+          <p:cNvPicPr>
+            <a:picLocks noChangeAspect="1" noChangeArrowheads="1"/>
+          </p:cNvPicPr>
+          <p:nvPr/>
+        </p:nvPicPr>
+        <p:blipFill rotWithShape="1">
+          <a:blip r:embed="rId5" cstate="print">
+            <a:extLst>
+              <a:ext uri="{28A0092B-C50C-407E-A947-70E740481C1C}">
+                <a14:useLocalDpi xmlns:a14="http://schemas.microsoft.com/office/drawing/2010/main" val="0"/>
+              </a:ext>
+            </a:extLst>
+          </a:blip>
+          <a:srcRect l="24875" t="10070" r="25161" b="4814"/>
+          <a:stretch/>
+        </p:blipFill>
+        <p:spPr bwMode="auto">
+          <a:xfrm>
+            <a:off x="8105775" y="2600325"/>
+            <a:ext cx="3762375" cy="3471718"/>
+          </a:xfrm>
+          <a:prstGeom prst="rect">
+            <a:avLst/>
+          </a:prstGeom>
+          <a:noFill/>
+          <a:extLst>
+            <a:ext uri="{909E8E84-426E-40DD-AFC4-6F175D3DCCD1}">
+              <a14:hiddenFill xmlns:a14="http://schemas.microsoft.com/office/drawing/2010/main">
+                <a:solidFill>
+                  <a:srgbClr val="FFFFFF"/>
+                </a:solidFill>
+              </a14:hiddenFill>
+            </a:ext>
+          </a:extLst>
+        </p:spPr>
+      </p:pic>
+    </p:spTree>
+    <p:extLst>
+      <p:ext uri="{BB962C8B-B14F-4D97-AF65-F5344CB8AC3E}">
+        <p14:creationId xmlns:p14="http://schemas.microsoft.com/office/powerpoint/2010/main" val="3968488049"/>
+      </p:ext>
+    </p:extLst>
+  </p:cSld>
+  <p:clrMapOvr>
+    <a:masterClrMapping/>
+  </p:clrMapOvr>
+</p:sld>
+</file>
+
+<file path=ppt/slides/slide18.xml><?xml version="1.0" encoding="utf-8"?>
+<p:sld xmlns:a="http://schemas.openxmlformats.org/drawingml/2006/main" xmlns:r="http://schemas.openxmlformats.org/officeDocument/2006/relationships" xmlns:p="http://schemas.openxmlformats.org/presentationml/2006/main">
+  <p:cSld>
+    <p:spTree>
+      <p:nvGrpSpPr>
+        <p:cNvPr id="1" name=""/>
+        <p:cNvGrpSpPr/>
+        <p:nvPr/>
+      </p:nvGrpSpPr>
+      <p:grpSpPr>
+        <a:xfrm>
+          <a:off x="0" y="0"/>
+          <a:ext cx="0" cy="0"/>
+          <a:chOff x="0" y="0"/>
+          <a:chExt cx="0" cy="0"/>
+        </a:xfrm>
+      </p:grpSpPr>
+      <p:sp>
+        <p:nvSpPr>
+          <p:cNvPr id="2" name="Заголовок 1"/>
+          <p:cNvSpPr>
+            <a:spLocks noGrp="1"/>
+          </p:cNvSpPr>
+          <p:nvPr>
+            <p:ph type="title"/>
+          </p:nvPr>
+        </p:nvSpPr>
+        <p:spPr/>
+        <p:txBody>
+          <a:bodyPr/>
+          <a:lstStyle/>
+          <a:p>
+            <a:r>
+              <a:rPr lang="ru-RU" dirty="0" smtClean="0"/>
+              <a:t>Стратегия схлопывания длинных путей</a:t>
+            </a:r>
+            <a:endParaRPr lang="ru-RU" dirty="0"/>
+          </a:p>
+        </p:txBody>
+      </p:sp>
+      <p:sp>
+        <p:nvSpPr>
+          <p:cNvPr id="3" name="Объект 2"/>
+          <p:cNvSpPr>
+            <a:spLocks noGrp="1"/>
+          </p:cNvSpPr>
+          <p:nvPr>
+            <p:ph idx="1"/>
+          </p:nvPr>
+        </p:nvSpPr>
+        <p:spPr/>
+        <p:txBody>
+          <a:bodyPr/>
+          <a:lstStyle/>
+          <a:p>
+            <a:pPr marL="457200" indent="-457200">
+              <a:buFont typeface="+mj-lt"/>
+              <a:buAutoNum type="arabicPeriod"/>
+            </a:pPr>
+            <a:r>
+              <a:rPr lang="ru-RU" dirty="0" smtClean="0"/>
+              <a:t>Находим самый длинный путь в графе</a:t>
+            </a:r>
+          </a:p>
+          <a:p>
+            <a:pPr marL="457200" indent="-457200">
+              <a:buFont typeface="+mj-lt"/>
+              <a:buAutoNum type="arabicPeriod"/>
+            </a:pPr>
+            <a:r>
+              <a:rPr lang="ru-RU" dirty="0" smtClean="0"/>
+              <a:t>Ищем ему альтернативный самый длинный путь</a:t>
+            </a:r>
+          </a:p>
+          <a:p>
+            <a:pPr marL="457200" indent="-457200">
+              <a:buFont typeface="+mj-lt"/>
+              <a:buAutoNum type="arabicPeriod"/>
+            </a:pPr>
+            <a:r>
+              <a:rPr lang="ru-RU" dirty="0" smtClean="0"/>
+              <a:t>Строим новую серединную поверхность по середине между двумя или более путями))</a:t>
+            </a:r>
+            <a:endParaRPr lang="ru-RU" dirty="0"/>
+          </a:p>
+        </p:txBody>
+      </p:sp>
+      <p:pic>
+        <p:nvPicPr>
+          <p:cNvPr id="3074" name="Picture 2" descr="https://pp.userapi.com/c836139/v836139716/36cec/woVJTg6Pq50.jpg"/>
+          <p:cNvPicPr>
+            <a:picLocks noChangeAspect="1" noChangeArrowheads="1"/>
+          </p:cNvPicPr>
+          <p:nvPr/>
+        </p:nvPicPr>
+        <p:blipFill rotWithShape="1">
+          <a:blip r:embed="rId2">
+            <a:extLst>
+              <a:ext uri="{28A0092B-C50C-407E-A947-70E740481C1C}">
+                <a14:useLocalDpi xmlns:a14="http://schemas.microsoft.com/office/drawing/2010/main" val="0"/>
+              </a:ext>
+            </a:extLst>
+          </a:blip>
+          <a:srcRect l="4054" t="12410" r="10391" b="17264"/>
+          <a:stretch/>
+        </p:blipFill>
+        <p:spPr bwMode="auto">
+          <a:xfrm>
+            <a:off x="238125" y="3667125"/>
+            <a:ext cx="5829300" cy="1943100"/>
+          </a:xfrm>
+          <a:prstGeom prst="rect">
+            <a:avLst/>
+          </a:prstGeom>
+          <a:noFill/>
+          <a:extLst>
+            <a:ext uri="{909E8E84-426E-40DD-AFC4-6F175D3DCCD1}">
+              <a14:hiddenFill xmlns:a14="http://schemas.microsoft.com/office/drawing/2010/main">
+                <a:solidFill>
+                  <a:srgbClr val="FFFFFF"/>
+                </a:solidFill>
+              </a14:hiddenFill>
+            </a:ext>
+          </a:extLst>
+        </p:spPr>
+      </p:pic>
+      <p:pic>
+        <p:nvPicPr>
+          <p:cNvPr id="3076" name="Picture 4" descr="https://pp.userapi.com/c836139/v836139716/36cf5/vowtuueczgs.jpg"/>
+          <p:cNvPicPr>
+            <a:picLocks noChangeAspect="1" noChangeArrowheads="1"/>
+          </p:cNvPicPr>
+          <p:nvPr/>
+        </p:nvPicPr>
+        <p:blipFill rotWithShape="1">
+          <a:blip r:embed="rId3">
+            <a:extLst>
+              <a:ext uri="{28A0092B-C50C-407E-A947-70E740481C1C}">
+                <a14:useLocalDpi xmlns:a14="http://schemas.microsoft.com/office/drawing/2010/main" val="0"/>
+              </a:ext>
+            </a:extLst>
+          </a:blip>
+          <a:srcRect l="6053" t="14028" r="3621" b="19573"/>
+          <a:stretch/>
+        </p:blipFill>
+        <p:spPr bwMode="auto">
+          <a:xfrm>
+            <a:off x="6286500" y="3390900"/>
+            <a:ext cx="5543550" cy="2028825"/>
+          </a:xfrm>
+          <a:prstGeom prst="rect">
+            <a:avLst/>
+          </a:prstGeom>
+          <a:noFill/>
+          <a:extLst>
+            <a:ext uri="{909E8E84-426E-40DD-AFC4-6F175D3DCCD1}">
+              <a14:hiddenFill xmlns:a14="http://schemas.microsoft.com/office/drawing/2010/main">
+                <a:solidFill>
+                  <a:srgbClr val="FFFFFF"/>
+                </a:solidFill>
+              </a14:hiddenFill>
+            </a:ext>
+          </a:extLst>
+        </p:spPr>
+      </p:pic>
+    </p:spTree>
+    <p:extLst>
+      <p:ext uri="{BB962C8B-B14F-4D97-AF65-F5344CB8AC3E}">
+        <p14:creationId xmlns:p14="http://schemas.microsoft.com/office/powerpoint/2010/main" val="2002491715"/>
+      </p:ext>
+    </p:extLst>
+  </p:cSld>
+  <p:clrMapOvr>
+    <a:masterClrMapping/>
+  </p:clrMapOvr>
+</p:sld>
+</file>
+
+<file path=ppt/slides/slide19.xml><?xml version="1.0" encoding="utf-8"?>
+<p:sld xmlns:a="http://schemas.openxmlformats.org/drawingml/2006/main" xmlns:r="http://schemas.openxmlformats.org/officeDocument/2006/relationships" xmlns:p="http://schemas.openxmlformats.org/presentationml/2006/main">
+  <p:cSld>
+    <p:spTree>
+      <p:nvGrpSpPr>
+        <p:cNvPr id="1" name=""/>
+        <p:cNvGrpSpPr/>
+        <p:nvPr/>
+      </p:nvGrpSpPr>
+      <p:grpSpPr>
+        <a:xfrm>
+          <a:off x="0" y="0"/>
+          <a:ext cx="0" cy="0"/>
+          <a:chOff x="0" y="0"/>
+          <a:chExt cx="0" cy="0"/>
+        </a:xfrm>
+      </p:grpSpPr>
+      <p:sp>
+        <p:nvSpPr>
+          <p:cNvPr id="2" name="Заголовок 1"/>
+          <p:cNvSpPr>
+            <a:spLocks noGrp="1"/>
+          </p:cNvSpPr>
+          <p:nvPr>
+            <p:ph type="title"/>
+          </p:nvPr>
+        </p:nvSpPr>
+        <p:spPr/>
+        <p:txBody>
+          <a:bodyPr/>
+          <a:lstStyle/>
+          <a:p>
+            <a:r>
+              <a:rPr lang="ru-RU" dirty="0" smtClean="0"/>
+              <a:t>Еще стратегии</a:t>
+            </a:r>
+            <a:endParaRPr lang="ru-RU" dirty="0"/>
+          </a:p>
+        </p:txBody>
+      </p:sp>
+      <p:sp>
+        <p:nvSpPr>
+          <p:cNvPr id="3" name="Объект 2"/>
+          <p:cNvSpPr>
+            <a:spLocks noGrp="1"/>
+          </p:cNvSpPr>
+          <p:nvPr>
+            <p:ph idx="1"/>
+          </p:nvPr>
+        </p:nvSpPr>
+        <p:spPr/>
+        <p:txBody>
+          <a:bodyPr/>
+          <a:lstStyle/>
+          <a:p>
+            <a:pPr marL="457200" indent="-457200">
+              <a:buFont typeface="+mj-lt"/>
+              <a:buAutoNum type="arabicPeriod"/>
+            </a:pPr>
+            <a:r>
+              <a:rPr lang="ru-RU" dirty="0" smtClean="0"/>
+              <a:t>Определение артефактов</a:t>
+            </a:r>
+          </a:p>
+          <a:p>
+            <a:pPr marL="457200" indent="-457200">
+              <a:buFont typeface="+mj-lt"/>
+              <a:buAutoNum type="arabicPeriod"/>
+            </a:pPr>
+            <a:r>
+              <a:rPr lang="ru-RU" smtClean="0"/>
+              <a:t>Избавление от них</a:t>
+            </a:r>
+            <a:endParaRPr lang="ru-RU"/>
+          </a:p>
+        </p:txBody>
+      </p:sp>
+    </p:spTree>
+    <p:extLst>
+      <p:ext uri="{BB962C8B-B14F-4D97-AF65-F5344CB8AC3E}">
+        <p14:creationId xmlns:p14="http://schemas.microsoft.com/office/powerpoint/2010/main" val="1087586393"/>
+      </p:ext>
+    </p:extLst>
+  </p:cSld>
+  <p:clrMapOvr>
+    <a:masterClrMapping/>
+  </p:clrMapOvr>
 </p:sld>
 </file>
 
@@ -4513,6 +5481,161 @@
     <p:extLst>
       <p:ext uri="{BB962C8B-B14F-4D97-AF65-F5344CB8AC3E}">
         <p14:creationId xmlns:p14="http://schemas.microsoft.com/office/powerpoint/2010/main" val="4280655595"/>
+      </p:ext>
+    </p:extLst>
+  </p:cSld>
+  <p:clrMapOvr>
+    <a:masterClrMapping/>
+  </p:clrMapOvr>
+  <p:timing>
+    <p:tnLst>
+      <p:par>
+        <p:cTn id="1" dur="indefinite" restart="never" nodeType="tmRoot"/>
+      </p:par>
+    </p:tnLst>
+  </p:timing>
+</p:sld>
+</file>
+
+<file path=ppt/slides/slide20.xml><?xml version="1.0" encoding="utf-8"?>
+<p:sld xmlns:a="http://schemas.openxmlformats.org/drawingml/2006/main" xmlns:r="http://schemas.openxmlformats.org/officeDocument/2006/relationships" xmlns:p="http://schemas.openxmlformats.org/presentationml/2006/main">
+  <p:cSld>
+    <p:spTree>
+      <p:nvGrpSpPr>
+        <p:cNvPr id="1" name=""/>
+        <p:cNvGrpSpPr/>
+        <p:nvPr/>
+      </p:nvGrpSpPr>
+      <p:grpSpPr>
+        <a:xfrm>
+          <a:off x="0" y="0"/>
+          <a:ext cx="0" cy="0"/>
+          <a:chOff x="0" y="0"/>
+          <a:chExt cx="0" cy="0"/>
+        </a:xfrm>
+      </p:grpSpPr>
+      <p:sp>
+        <p:nvSpPr>
+          <p:cNvPr id="2" name="Заголовок 1"/>
+          <p:cNvSpPr>
+            <a:spLocks noGrp="1"/>
+          </p:cNvSpPr>
+          <p:nvPr>
+            <p:ph type="title"/>
+          </p:nvPr>
+        </p:nvSpPr>
+        <p:spPr/>
+        <p:txBody>
+          <a:bodyPr/>
+          <a:lstStyle/>
+          <a:p>
+            <a:r>
+              <a:rPr lang="ru-RU" dirty="0" smtClean="0"/>
+              <a:t>Результаты</a:t>
+            </a:r>
+            <a:endParaRPr lang="ru-RU" dirty="0"/>
+          </a:p>
+        </p:txBody>
+      </p:sp>
+      <p:sp>
+        <p:nvSpPr>
+          <p:cNvPr id="3" name="Объект 2"/>
+          <p:cNvSpPr>
+            <a:spLocks noGrp="1"/>
+          </p:cNvSpPr>
+          <p:nvPr>
+            <p:ph idx="1"/>
+          </p:nvPr>
+        </p:nvSpPr>
+        <p:spPr/>
+        <p:txBody>
+          <a:bodyPr/>
+          <a:lstStyle/>
+          <a:p>
+            <a:r>
+              <a:rPr lang="ru-RU" dirty="0" smtClean="0"/>
+              <a:t>В общем надо разбивать на классы) И применять нужную стратегию для конкретного класса</a:t>
+            </a:r>
+            <a:endParaRPr lang="ru-RU" dirty="0"/>
+          </a:p>
+        </p:txBody>
+      </p:sp>
+    </p:spTree>
+    <p:extLst>
+      <p:ext uri="{BB962C8B-B14F-4D97-AF65-F5344CB8AC3E}">
+        <p14:creationId xmlns:p14="http://schemas.microsoft.com/office/powerpoint/2010/main" val="937997246"/>
+      </p:ext>
+    </p:extLst>
+  </p:cSld>
+  <p:clrMapOvr>
+    <a:masterClrMapping/>
+  </p:clrMapOvr>
+</p:sld>
+</file>
+
+<file path=ppt/slides/slide21.xml><?xml version="1.0" encoding="utf-8"?>
+<p:sld xmlns:a="http://schemas.openxmlformats.org/drawingml/2006/main" xmlns:r="http://schemas.openxmlformats.org/officeDocument/2006/relationships" xmlns:p="http://schemas.openxmlformats.org/presentationml/2006/main">
+  <p:cSld>
+    <p:spTree>
+      <p:nvGrpSpPr>
+        <p:cNvPr id="1" name=""/>
+        <p:cNvGrpSpPr/>
+        <p:nvPr/>
+      </p:nvGrpSpPr>
+      <p:grpSpPr>
+        <a:xfrm>
+          <a:off x="0" y="0"/>
+          <a:ext cx="0" cy="0"/>
+          <a:chOff x="0" y="0"/>
+          <a:chExt cx="0" cy="0"/>
+        </a:xfrm>
+      </p:grpSpPr>
+      <p:sp>
+        <p:nvSpPr>
+          <p:cNvPr id="2" name="Title 1"/>
+          <p:cNvSpPr>
+            <a:spLocks noGrp="1"/>
+          </p:cNvSpPr>
+          <p:nvPr>
+            <p:ph type="title"/>
+          </p:nvPr>
+        </p:nvSpPr>
+        <p:spPr/>
+        <p:txBody>
+          <a:bodyPr/>
+          <a:lstStyle/>
+          <a:p>
+            <a:r>
+              <a:rPr lang="ru-RU" dirty="0" smtClean="0"/>
+              <a:t>Вывод</a:t>
+            </a:r>
+            <a:endParaRPr lang="ru-RU" dirty="0"/>
+          </a:p>
+        </p:txBody>
+      </p:sp>
+      <p:sp>
+        <p:nvSpPr>
+          <p:cNvPr id="3" name="Content Placeholder 2"/>
+          <p:cNvSpPr>
+            <a:spLocks noGrp="1"/>
+          </p:cNvSpPr>
+          <p:nvPr>
+            <p:ph idx="1"/>
+          </p:nvPr>
+        </p:nvSpPr>
+        <p:spPr/>
+        <p:txBody>
+          <a:bodyPr/>
+          <a:lstStyle/>
+          <a:p>
+            <a:endParaRPr lang="ru-RU" dirty="0"/>
+          </a:p>
+        </p:txBody>
+      </p:sp>
+    </p:spTree>
+    <p:extLst>
+      <p:ext uri="{BB962C8B-B14F-4D97-AF65-F5344CB8AC3E}">
+        <p14:creationId xmlns:p14="http://schemas.microsoft.com/office/powerpoint/2010/main" val="1907582242"/>
       </p:ext>
     </p:extLst>
   </p:cSld>
@@ -5070,7 +6193,7 @@
                       <m:sSubPr>
                         <m:ctrlPr>
                           <a:rPr lang="ru-RU" sz="5500" i="1">
-                            <a:latin typeface="Cambria Math" panose="02040503050406030204" pitchFamily="18" charset="0"/>
+                            <a:latin typeface="Cambria Math"/>
                           </a:rPr>
                         </m:ctrlPr>
                       </m:sSubPr>
@@ -5113,7 +6236,7 @@
                       <m:sSubPr>
                         <m:ctrlPr>
                           <a:rPr lang="ru-RU" sz="5500" i="1">
-                            <a:latin typeface="Cambria Math" panose="02040503050406030204" pitchFamily="18" charset="0"/>
+                            <a:latin typeface="Cambria Math"/>
                           </a:rPr>
                         </m:ctrlPr>
                       </m:sSubPr>
@@ -5164,7 +6287,7 @@
                       <m:sSubPr>
                         <m:ctrlPr>
                           <a:rPr lang="ru-RU" sz="5500" i="1">
-                            <a:latin typeface="Cambria Math" panose="02040503050406030204" pitchFamily="18" charset="0"/>
+                            <a:latin typeface="Cambria Math"/>
                           </a:rPr>
                         </m:ctrlPr>
                       </m:sSubPr>
@@ -5195,7 +6318,7 @@
                       <m:sSubPr>
                         <m:ctrlPr>
                           <a:rPr lang="ru-RU" sz="5500" i="1">
-                            <a:latin typeface="Cambria Math" panose="02040503050406030204" pitchFamily="18" charset="0"/>
+                            <a:latin typeface="Cambria Math"/>
                           </a:rPr>
                         </m:ctrlPr>
                       </m:sSubPr>
@@ -5226,7 +6349,7 @@
                       <m:sSubPr>
                         <m:ctrlPr>
                           <a:rPr lang="ru-RU" sz="5500" i="1">
-                            <a:latin typeface="Cambria Math" panose="02040503050406030204" pitchFamily="18" charset="0"/>
+                            <a:latin typeface="Cambria Math"/>
                           </a:rPr>
                         </m:ctrlPr>
                       </m:sSubPr>
@@ -5259,7 +6382,7 @@
                       <m:sSubPr>
                         <m:ctrlPr>
                           <a:rPr lang="ru-RU" sz="5500" i="1">
-                            <a:latin typeface="Cambria Math" panose="02040503050406030204" pitchFamily="18" charset="0"/>
+                            <a:latin typeface="Cambria Math"/>
                           </a:rPr>
                         </m:ctrlPr>
                       </m:sSubPr>
@@ -5310,7 +6433,7 @@
                       <m:sSubPr>
                         <m:ctrlPr>
                           <a:rPr lang="ru-RU" sz="5500" i="1">
-                            <a:latin typeface="Cambria Math" panose="02040503050406030204" pitchFamily="18" charset="0"/>
+                            <a:latin typeface="Cambria Math"/>
                           </a:rPr>
                         </m:ctrlPr>
                       </m:sSubPr>
@@ -5351,7 +6474,7 @@
                       <m:sSubPr>
                         <m:ctrlPr>
                           <a:rPr lang="ru-RU" sz="5500" i="1">
-                            <a:latin typeface="Cambria Math" panose="02040503050406030204" pitchFamily="18" charset="0"/>
+                            <a:latin typeface="Cambria Math"/>
                           </a:rPr>
                         </m:ctrlPr>
                       </m:sSubPr>
@@ -5418,7 +6541,7 @@
                       <m:sSubPr>
                         <m:ctrlPr>
                           <a:rPr lang="ru-RU" sz="5500" i="1">
-                            <a:latin typeface="Cambria Math" panose="02040503050406030204" pitchFamily="18" charset="0"/>
+                            <a:latin typeface="Cambria Math"/>
                           </a:rPr>
                         </m:ctrlPr>
                       </m:sSubPr>
@@ -5449,7 +6572,7 @@
                       <m:sSubPr>
                         <m:ctrlPr>
                           <a:rPr lang="ru-RU" sz="5500" i="1">
-                            <a:latin typeface="Cambria Math" panose="02040503050406030204" pitchFamily="18" charset="0"/>
+                            <a:latin typeface="Cambria Math"/>
                           </a:rPr>
                         </m:ctrlPr>
                       </m:sSubPr>
@@ -5535,7 +6658,7 @@
                         <m:endChr m:val="|"/>
                         <m:ctrlPr>
                           <a:rPr lang="ru-RU" sz="5500" i="1">
-                            <a:latin typeface="Cambria Math" panose="02040503050406030204" pitchFamily="18" charset="0"/>
+                            <a:latin typeface="Cambria Math"/>
                           </a:rPr>
                         </m:ctrlPr>
                       </m:dPr>
@@ -5544,7 +6667,7 @@
                           <m:sSubPr>
                             <m:ctrlPr>
                               <a:rPr lang="ru-RU" sz="5500" i="1">
-                                <a:latin typeface="Cambria Math" panose="02040503050406030204" pitchFamily="18" charset="0"/>
+                                <a:latin typeface="Cambria Math"/>
                               </a:rPr>
                             </m:ctrlPr>
                           </m:sSubPr>
@@ -5575,7 +6698,7 @@
                           <m:sSubPr>
                             <m:ctrlPr>
                               <a:rPr lang="ru-RU" sz="5500" i="1">
-                                <a:latin typeface="Cambria Math" panose="02040503050406030204" pitchFamily="18" charset="0"/>
+                                <a:latin typeface="Cambria Math"/>
                               </a:rPr>
                             </m:ctrlPr>
                           </m:sSubPr>
@@ -5614,7 +6737,7 @@
                       <m:sSubPr>
                         <m:ctrlPr>
                           <a:rPr lang="ru-RU" sz="5500" i="1">
-                            <a:latin typeface="Cambria Math" panose="02040503050406030204" pitchFamily="18" charset="0"/>
+                            <a:latin typeface="Cambria Math"/>
                           </a:rPr>
                         </m:ctrlPr>
                       </m:sSubPr>
@@ -5776,7 +6899,7 @@
                       <m:sSubPr>
                         <m:ctrlPr>
                           <a:rPr lang="ru-RU" i="1">
-                            <a:latin typeface="Cambria Math" panose="02040503050406030204" pitchFamily="18" charset="0"/>
+                            <a:latin typeface="Cambria Math"/>
                           </a:rPr>
                         </m:ctrlPr>
                       </m:sSubPr>
@@ -5819,7 +6942,7 @@
                       <m:sSubPr>
                         <m:ctrlPr>
                           <a:rPr lang="ru-RU" i="1">
-                            <a:latin typeface="Cambria Math" panose="02040503050406030204" pitchFamily="18" charset="0"/>
+                            <a:latin typeface="Cambria Math"/>
                           </a:rPr>
                         </m:ctrlPr>
                       </m:sSubPr>
@@ -5871,7 +6994,7 @@
                       <m:sSubPr>
                         <m:ctrlPr>
                           <a:rPr lang="ru-RU" i="1">
-                            <a:latin typeface="Cambria Math" panose="02040503050406030204" pitchFamily="18" charset="0"/>
+                            <a:latin typeface="Cambria Math"/>
                           </a:rPr>
                         </m:ctrlPr>
                       </m:sSubPr>
@@ -5914,7 +7037,7 @@
                       <m:sSubPr>
                         <m:ctrlPr>
                           <a:rPr lang="ru-RU" i="1">
-                            <a:latin typeface="Cambria Math" panose="02040503050406030204" pitchFamily="18" charset="0"/>
+                            <a:latin typeface="Cambria Math"/>
                           </a:rPr>
                         </m:ctrlPr>
                       </m:sSubPr>
@@ -6087,7 +7210,7 @@
                       <m:sSubPr>
                         <m:ctrlPr>
                           <a:rPr lang="ru-RU" i="1">
-                            <a:latin typeface="Cambria Math" panose="02040503050406030204" pitchFamily="18" charset="0"/>
+                            <a:latin typeface="Cambria Math"/>
                           </a:rPr>
                         </m:ctrlPr>
                       </m:sSubPr>
@@ -6201,7 +7324,7 @@
                       <m:sSubPr>
                         <m:ctrlPr>
                           <a:rPr lang="ru-RU" sz="2000" i="1">
-                            <a:latin typeface="Cambria Math" panose="02040503050406030204" pitchFamily="18" charset="0"/>
+                            <a:latin typeface="Cambria Math"/>
                           </a:rPr>
                         </m:ctrlPr>
                       </m:sSubPr>
@@ -6234,7 +7357,7 @@
                       <m:sSubPr>
                         <m:ctrlPr>
                           <a:rPr lang="ru-RU" sz="2000" i="1">
-                            <a:latin typeface="Cambria Math" panose="02040503050406030204" pitchFamily="18" charset="0"/>
+                            <a:latin typeface="Cambria Math"/>
                           </a:rPr>
                         </m:ctrlPr>
                       </m:sSubPr>
@@ -6283,7 +7406,7 @@
                       <m:sSubPr>
                         <m:ctrlPr>
                           <a:rPr lang="ru-RU" sz="2000" i="1">
-                            <a:latin typeface="Cambria Math" panose="02040503050406030204" pitchFamily="18" charset="0"/>
+                            <a:latin typeface="Cambria Math"/>
                           </a:rPr>
                         </m:ctrlPr>
                       </m:sSubPr>
@@ -6314,7 +7437,7 @@
                       <m:sSubPr>
                         <m:ctrlPr>
                           <a:rPr lang="ru-RU" sz="2000" i="1">
-                            <a:latin typeface="Cambria Math" panose="02040503050406030204" pitchFamily="18" charset="0"/>
+                            <a:latin typeface="Cambria Math"/>
                           </a:rPr>
                         </m:ctrlPr>
                       </m:sSubPr>
@@ -6355,7 +7478,7 @@
                       <m:sSubPr>
                         <m:ctrlPr>
                           <a:rPr lang="ru-RU" sz="2000" i="1">
-                            <a:latin typeface="Cambria Math" panose="02040503050406030204" pitchFamily="18" charset="0"/>
+                            <a:latin typeface="Cambria Math"/>
                           </a:rPr>
                         </m:ctrlPr>
                       </m:sSubPr>
@@ -6421,7 +7544,7 @@
                       <m:dPr>
                         <m:ctrlPr>
                           <a:rPr lang="ru-RU" sz="2000" i="1">
-                            <a:latin typeface="Cambria Math" panose="02040503050406030204" pitchFamily="18" charset="0"/>
+                            <a:latin typeface="Cambria Math"/>
                           </a:rPr>
                         </m:ctrlPr>
                       </m:dPr>
@@ -6430,7 +7553,7 @@
                           <m:sSubPr>
                             <m:ctrlPr>
                               <a:rPr lang="ru-RU" sz="2000" i="1">
-                                <a:latin typeface="Cambria Math" panose="02040503050406030204" pitchFamily="18" charset="0"/>
+                                <a:latin typeface="Cambria Math"/>
                               </a:rPr>
                             </m:ctrlPr>
                           </m:sSubPr>
@@ -6461,7 +7584,7 @@
                           <m:sSubPr>
                             <m:ctrlPr>
                               <a:rPr lang="ru-RU" sz="2000" i="1">
-                                <a:latin typeface="Cambria Math" panose="02040503050406030204" pitchFamily="18" charset="0"/>
+                                <a:latin typeface="Cambria Math"/>
                               </a:rPr>
                             </m:ctrlPr>
                           </m:sSubPr>
@@ -6494,7 +7617,7 @@
                       <m:sSubPr>
                         <m:ctrlPr>
                           <a:rPr lang="ru-RU" sz="2000" i="1">
-                            <a:latin typeface="Cambria Math" panose="02040503050406030204" pitchFamily="18" charset="0"/>
+                            <a:latin typeface="Cambria Math"/>
                           </a:rPr>
                         </m:ctrlPr>
                       </m:sSubPr>
@@ -6525,7 +7648,7 @@
                       <m:sSubPr>
                         <m:ctrlPr>
                           <a:rPr lang="ru-RU" sz="2000" i="1">
-                            <a:latin typeface="Cambria Math" panose="02040503050406030204" pitchFamily="18" charset="0"/>
+                            <a:latin typeface="Cambria Math"/>
                           </a:rPr>
                         </m:ctrlPr>
                       </m:sSubPr>
@@ -6582,7 +7705,7 @@
                       <m:sSubPr>
                         <m:ctrlPr>
                           <a:rPr lang="ru-RU" sz="2000" i="1">
-                            <a:latin typeface="Cambria Math" panose="02040503050406030204" pitchFamily="18" charset="0"/>
+                            <a:latin typeface="Cambria Math"/>
                           </a:rPr>
                         </m:ctrlPr>
                       </m:sSubPr>
@@ -6634,7 +7757,7 @@
                       <m:sSubPr>
                         <m:ctrlPr>
                           <a:rPr lang="ru-RU" sz="2000" i="1">
-                            <a:latin typeface="Cambria Math" panose="02040503050406030204" pitchFamily="18" charset="0"/>
+                            <a:latin typeface="Cambria Math"/>
                           </a:rPr>
                         </m:ctrlPr>
                       </m:sSubPr>
@@ -6806,8 +7929,8 @@
           </a:p>
         </p:txBody>
       </p:sp>
-      <mc:AlternateContent xmlns:mc="http://schemas.openxmlformats.org/markup-compatibility/2006">
-        <mc:Choice xmlns:a14="http://schemas.microsoft.com/office/drawing/2010/main" Requires="a14">
+      <mc:AlternateContent xmlns:mc="http://schemas.openxmlformats.org/markup-compatibility/2006" xmlns:a14="http://schemas.microsoft.com/office/drawing/2010/main">
+        <mc:Choice Requires="a14">
           <p:sp>
             <p:nvSpPr>
               <p:cNvPr id="3" name="Content Placeholder 2"/>
@@ -6972,7 +8095,7 @@
                       <m:sSubPr>
                         <m:ctrlPr>
                           <a:rPr lang="ru-RU" sz="1600" i="1">
-                            <a:latin typeface="Cambria Math" panose="02040503050406030204" pitchFamily="18" charset="0"/>
+                            <a:latin typeface="Cambria Math"/>
                           </a:rPr>
                         </m:ctrlPr>
                       </m:sSubPr>
@@ -7003,7 +8126,7 @@
                       <m:sSubPr>
                         <m:ctrlPr>
                           <a:rPr lang="ru-RU" sz="1600" i="1">
-                            <a:latin typeface="Cambria Math" panose="02040503050406030204" pitchFamily="18" charset="0"/>
+                            <a:latin typeface="Cambria Math"/>
                           </a:rPr>
                         </m:ctrlPr>
                       </m:sSubPr>
@@ -7058,7 +8181,7 @@
                       <m:sSubPr>
                         <m:ctrlPr>
                           <a:rPr lang="ru-RU" sz="1600" i="1">
-                            <a:latin typeface="Cambria Math" panose="02040503050406030204" pitchFamily="18" charset="0"/>
+                            <a:latin typeface="Cambria Math"/>
                           </a:rPr>
                         </m:ctrlPr>
                       </m:sSubPr>
@@ -7089,7 +8212,7 @@
                       <m:sSubPr>
                         <m:ctrlPr>
                           <a:rPr lang="ru-RU" sz="1600" i="1">
-                            <a:latin typeface="Cambria Math" panose="02040503050406030204" pitchFamily="18" charset="0"/>
+                            <a:latin typeface="Cambria Math"/>
                           </a:rPr>
                         </m:ctrlPr>
                       </m:sSubPr>
@@ -7269,7 +8392,7 @@
             </p:txBody>
           </p:sp>
         </mc:Choice>
-        <mc:Fallback>
+        <mc:Fallback xmlns="">
           <p:sp>
             <p:nvSpPr>
               <p:cNvPr id="3" name="Content Placeholder 2"/>
@@ -7721,7 +8844,7 @@
   <a:extraClrSchemeLst/>
   <a:extLst>
     <a:ext uri="{05A4C25C-085E-4340-85A3-A5531E510DB2}">
-      <thm15:themeFamily xmlns:thm15="http://schemas.microsoft.com/office/thememl/2012/main" name="Retrospect" id="{5F128B03-DCCA-4EEB-AB3B-CF2899314A46}" vid="{3F1AAB62-24C6-49D2-8E01-B56FAC9A3DCD}"/>
+      <thm15:themeFamily xmlns:thm15="http://schemas.microsoft.com/office/thememl/2012/main" xmlns="" name="Retrospect" id="{5F128B03-DCCA-4EEB-AB3B-CF2899314A46}" vid="{3F1AAB62-24C6-49D2-8E01-B56FAC9A3DCD}"/>
     </a:ext>
   </a:extLst>
 </a:theme>

--- a/doc/publication/презентация.pptx
+++ b/doc/publication/презентация.pptx
@@ -126,7 +126,7 @@
   </p:defaultTextStyle>
   <p:extLst>
     <p:ext uri="{EFAFB233-063F-42B5-8137-9DF3F51BA10A}">
-      <p15:sldGuideLst xmlns:p15="http://schemas.microsoft.com/office/powerpoint/2012/main" xmlns=""/>
+      <p15:sldGuideLst xmlns="" xmlns:p15="http://schemas.microsoft.com/office/powerpoint/2012/main"/>
     </p:ext>
   </p:extLst>
 </p:presentation>
@@ -4541,6 +4541,86 @@
           </a:fontRef>
         </p:style>
       </p:cxnSp>
+      <p:grpSp>
+        <p:nvGrpSpPr>
+          <p:cNvPr id="8" name="Группа 7"/>
+          <p:cNvGrpSpPr/>
+          <p:nvPr/>
+        </p:nvGrpSpPr>
+        <p:grpSpPr>
+          <a:xfrm>
+            <a:off x="6381750" y="1960563"/>
+            <a:ext cx="2914650" cy="2649093"/>
+            <a:chOff x="5381625" y="2779713"/>
+            <a:chExt cx="1428750" cy="1298575"/>
+          </a:xfrm>
+        </p:grpSpPr>
+        <p:pic>
+          <p:nvPicPr>
+            <p:cNvPr id="5" name="Рисунок 4"/>
+            <p:cNvPicPr/>
+            <p:nvPr/>
+          </p:nvPicPr>
+          <p:blipFill rotWithShape="1">
+            <a:blip r:embed="rId3" cstate="print">
+              <a:extLst>
+                <a:ext uri="{28A0092B-C50C-407E-A947-70E740481C1C}">
+                  <a14:useLocalDpi xmlns:a14="http://schemas.microsoft.com/office/drawing/2010/main" val="0"/>
+                </a:ext>
+              </a:extLst>
+            </a:blip>
+            <a:srcRect l="26356" t="12085" r="25978" b="10828"/>
+            <a:stretch/>
+          </p:blipFill>
+          <p:spPr bwMode="auto">
+            <a:xfrm>
+              <a:off x="5381625" y="2779713"/>
+              <a:ext cx="1428750" cy="1298575"/>
+            </a:xfrm>
+            <a:prstGeom prst="rect">
+              <a:avLst/>
+            </a:prstGeom>
+            <a:ln>
+              <a:noFill/>
+            </a:ln>
+            <a:extLst>
+              <a:ext uri="{53640926-AAD7-44D8-BBD7-CCE9431645EC}">
+                <a14:shadowObscured xmlns:a14="http://schemas.microsoft.com/office/drawing/2010/main"/>
+              </a:ext>
+            </a:extLst>
+          </p:spPr>
+        </p:pic>
+        <p:cxnSp>
+          <p:nvCxnSpPr>
+            <p:cNvPr id="7" name="Прямая соединительная линия 6"/>
+            <p:cNvCxnSpPr/>
+            <p:nvPr/>
+          </p:nvCxnSpPr>
+          <p:spPr>
+            <a:xfrm>
+              <a:off x="5395595" y="3440113"/>
+              <a:ext cx="1381125" cy="0"/>
+            </a:xfrm>
+            <a:prstGeom prst="line">
+              <a:avLst/>
+            </a:prstGeom>
+          </p:spPr>
+          <p:style>
+            <a:lnRef idx="3">
+              <a:schemeClr val="accent2"/>
+            </a:lnRef>
+            <a:fillRef idx="0">
+              <a:schemeClr val="accent2"/>
+            </a:fillRef>
+            <a:effectRef idx="2">
+              <a:schemeClr val="accent2"/>
+            </a:effectRef>
+            <a:fontRef idx="minor">
+              <a:schemeClr val="tx1"/>
+            </a:fontRef>
+          </p:style>
+        </p:cxnSp>
+      </p:grpSp>
     </p:spTree>
     <p:extLst>
       <p:ext uri="{BB962C8B-B14F-4D97-AF65-F5344CB8AC3E}">
@@ -8844,7 +8924,7 @@
   <a:extraClrSchemeLst/>
   <a:extLst>
     <a:ext uri="{05A4C25C-085E-4340-85A3-A5531E510DB2}">
-      <thm15:themeFamily xmlns:thm15="http://schemas.microsoft.com/office/thememl/2012/main" xmlns="" name="Retrospect" id="{5F128B03-DCCA-4EEB-AB3B-CF2899314A46}" vid="{3F1AAB62-24C6-49D2-8E01-B56FAC9A3DCD}"/>
+      <thm15:themeFamily xmlns="" xmlns:thm15="http://schemas.microsoft.com/office/thememl/2012/main" name="Retrospect" id="{5F128B03-DCCA-4EEB-AB3B-CF2899314A46}" vid="{3F1AAB62-24C6-49D2-8E01-B56FAC9A3DCD}"/>
     </a:ext>
   </a:extLst>
 </a:theme>

--- a/doc/publication/презентация.pptx
+++ b/doc/publication/презентация.pptx
@@ -7,25 +7,28 @@
   <p:sldIdLst>
     <p:sldId id="256" r:id="rId2"/>
     <p:sldId id="257" r:id="rId3"/>
-    <p:sldId id="258" r:id="rId4"/>
-    <p:sldId id="259" r:id="rId5"/>
-    <p:sldId id="260" r:id="rId6"/>
-    <p:sldId id="261" r:id="rId7"/>
-    <p:sldId id="263" r:id="rId8"/>
-    <p:sldId id="262" r:id="rId9"/>
-    <p:sldId id="264" r:id="rId10"/>
-    <p:sldId id="268" r:id="rId11"/>
-    <p:sldId id="265" r:id="rId12"/>
-    <p:sldId id="266" r:id="rId13"/>
-    <p:sldId id="273" r:id="rId14"/>
-    <p:sldId id="269" r:id="rId15"/>
-    <p:sldId id="270" r:id="rId16"/>
-    <p:sldId id="271" r:id="rId17"/>
-    <p:sldId id="272" r:id="rId18"/>
-    <p:sldId id="274" r:id="rId19"/>
-    <p:sldId id="275" r:id="rId20"/>
-    <p:sldId id="276" r:id="rId21"/>
-    <p:sldId id="267" r:id="rId22"/>
+    <p:sldId id="280" r:id="rId4"/>
+    <p:sldId id="258" r:id="rId5"/>
+    <p:sldId id="259" r:id="rId6"/>
+    <p:sldId id="260" r:id="rId7"/>
+    <p:sldId id="261" r:id="rId8"/>
+    <p:sldId id="263" r:id="rId9"/>
+    <p:sldId id="262" r:id="rId10"/>
+    <p:sldId id="279" r:id="rId11"/>
+    <p:sldId id="264" r:id="rId12"/>
+    <p:sldId id="268" r:id="rId13"/>
+    <p:sldId id="278" r:id="rId14"/>
+    <p:sldId id="265" r:id="rId15"/>
+    <p:sldId id="266" r:id="rId16"/>
+    <p:sldId id="273" r:id="rId17"/>
+    <p:sldId id="269" r:id="rId18"/>
+    <p:sldId id="270" r:id="rId19"/>
+    <p:sldId id="271" r:id="rId20"/>
+    <p:sldId id="272" r:id="rId21"/>
+    <p:sldId id="274" r:id="rId22"/>
+    <p:sldId id="275" r:id="rId23"/>
+    <p:sldId id="276" r:id="rId24"/>
+    <p:sldId id="267" r:id="rId25"/>
   </p:sldIdLst>
   <p:sldSz cx="12192000" cy="6858000"/>
   <p:notesSz cx="6858000" cy="9144000"/>
@@ -126,7 +129,18 @@
   </p:defaultTextStyle>
   <p:extLst>
     <p:ext uri="{EFAFB233-063F-42B5-8137-9DF3F51BA10A}">
-      <p15:sldGuideLst xmlns="" xmlns:p15="http://schemas.microsoft.com/office/powerpoint/2012/main"/>
+      <p15:sldGuideLst xmlns:p15="http://schemas.microsoft.com/office/powerpoint/2012/main">
+        <p15:guide id="1" orient="horz" pos="2160">
+          <p15:clr>
+            <a:srgbClr val="A4A3A4"/>
+          </p15:clr>
+        </p15:guide>
+        <p15:guide id="2" pos="3840">
+          <p15:clr>
+            <a:srgbClr val="A4A3A4"/>
+          </p15:clr>
+        </p15:guide>
+      </p15:sldGuideLst>
     </p:ext>
   </p:extLst>
 </p:presentation>
@@ -3926,113 +3940,75 @@
           <a:p>
             <a:r>
               <a:rPr lang="ru-RU" dirty="0"/>
-              <a:t>Этап 2. Поиск точек срединной поверхности </a:t>
-            </a:r>
-          </a:p>
-        </p:txBody>
-      </p:sp>
-      <p:sp>
-        <p:nvSpPr>
-          <p:cNvPr id="3" name="Content Placeholder 2"/>
-          <p:cNvSpPr>
-            <a:spLocks noGrp="1"/>
-          </p:cNvSpPr>
+              <a:t>Этап 1. Разбиение контура на линейные сегменты</a:t>
+            </a:r>
+          </a:p>
+        </p:txBody>
+      </p:sp>
+      <p:pic>
+        <p:nvPicPr>
+          <p:cNvPr id="4" name="Content Placeholder 3"/>
+          <p:cNvPicPr>
+            <a:picLocks noGrp="1" noChangeAspect="1"/>
+          </p:cNvPicPr>
           <p:nvPr>
             <p:ph idx="1"/>
           </p:nvPr>
-        </p:nvSpPr>
+        </p:nvPicPr>
+        <p:blipFill>
+          <a:blip r:embed="rId2"/>
+          <a:stretch>
+            <a:fillRect/>
+          </a:stretch>
+        </p:blipFill>
         <p:spPr>
           <a:xfrm>
-            <a:off x="1084580" y="1845734"/>
-            <a:ext cx="10058400" cy="4023360"/>
+            <a:off x="2351313" y="2425427"/>
+            <a:ext cx="8804049" cy="3340305"/>
           </a:xfrm>
+          <a:prstGeom prst="rect">
+            <a:avLst/>
+          </a:prstGeom>
         </p:spPr>
-        <p:txBody>
-          <a:bodyPr/>
+      </p:pic>
+      <p:sp>
+        <p:nvSpPr>
+          <p:cNvPr id="5" name="TextBox 4"/>
+          <p:cNvSpPr txBox="1"/>
+          <p:nvPr/>
+        </p:nvSpPr>
+        <p:spPr>
+          <a:xfrm>
+            <a:off x="1315617" y="1896727"/>
+            <a:ext cx="6036906" cy="369332"/>
+          </a:xfrm>
+          <a:prstGeom prst="rect">
+            <a:avLst/>
+          </a:prstGeom>
+          <a:noFill/>
+        </p:spPr>
+        <p:txBody>
+          <a:bodyPr wrap="square" rtlCol="0">
+            <a:spAutoFit/>
+          </a:bodyPr>
           <a:lstStyle/>
           <a:p>
-            <a:pPr marL="201168" lvl="1" indent="0">
-              <a:buNone/>
-            </a:pPr>
-            <a:r>
-              <a:rPr lang="ru-RU" sz="2000" dirty="0" smtClean="0"/>
-              <a:t>Шаг 2. Сравниваем </a:t>
-            </a:r>
-            <a:r>
-              <a:rPr lang="ru-RU" sz="2000" dirty="0"/>
-              <a:t>расстояние между полученными  срединными точками, если оно больше требуемого, то</a:t>
-            </a:r>
-            <a:r>
-              <a:rPr lang="ru-RU" sz="2000" dirty="0" smtClean="0"/>
-              <a:t>: </a:t>
-            </a:r>
-          </a:p>
-          <a:p>
-            <a:pPr lvl="2">
-              <a:buFont typeface="Arial" panose="020B0604020202020204" pitchFamily="34" charset="0"/>
-              <a:buChar char="•"/>
-            </a:pPr>
-            <a:r>
-              <a:rPr lang="ru-RU" sz="1600" dirty="0" smtClean="0"/>
-              <a:t>Если угол больше 180</a:t>
-            </a:r>
-            <a:r>
-              <a:rPr lang="ru-RU" sz="1600" dirty="0"/>
-              <a:t> </a:t>
-            </a:r>
-            <a:r>
-              <a:rPr lang="ru-RU" sz="1600" dirty="0" smtClean="0"/>
-              <a:t>градусов: используем биссектрису между сегментами вместо нормали,  новый сегмент – точка, из которой идет биссектриса.</a:t>
-            </a:r>
-          </a:p>
-          <a:p>
-            <a:pPr lvl="2">
-              <a:buFont typeface="Arial" panose="020B0604020202020204" pitchFamily="34" charset="0"/>
-              <a:buChar char="•"/>
-            </a:pPr>
-            <a:r>
-              <a:rPr lang="ru-RU" sz="1600" dirty="0" smtClean="0"/>
-              <a:t>Иначе делим 2 сегмента на четыре части:</a:t>
-            </a:r>
-          </a:p>
-          <a:p>
-            <a:pPr marL="384048" lvl="2" indent="0">
-              <a:buNone/>
-            </a:pPr>
-            <a:r>
-              <a:rPr lang="ru-RU" sz="1600" dirty="0" smtClean="0"/>
-              <a:t>	От начала сегмента 1 до середины сегмента 1. От середины сегмента 1 до конца сегмента 1. </a:t>
-            </a:r>
-          </a:p>
-          <a:p>
-            <a:pPr marL="384048" lvl="2" indent="0">
-              <a:buNone/>
-            </a:pPr>
-            <a:r>
-              <a:rPr lang="ru-RU" sz="1600" dirty="0" smtClean="0"/>
-              <a:t>	От начала сегмента 2 до середины сегмента 2. От середины сегмента 2 до конца сегмента 2. </a:t>
-            </a:r>
-          </a:p>
-          <a:p>
-            <a:pPr marL="384048" lvl="2" indent="0">
-              <a:buNone/>
-            </a:pPr>
-            <a:r>
-              <a:rPr lang="ru-RU" sz="1600" dirty="0" smtClean="0"/>
-              <a:t>	По новой отправляем на Шаг 1.</a:t>
-            </a:r>
-            <a:endParaRPr lang="ru-RU" sz="2400" dirty="0"/>
-          </a:p>
-          <a:p>
-            <a:pPr marL="201168" lvl="1" indent="0">
-              <a:buNone/>
-            </a:pPr>
-            <a:r>
-              <a:rPr lang="ru-RU" sz="2000" dirty="0" smtClean="0"/>
-              <a:t>Если меньше, то сохраняем полученную точку в список точек срединной поверхности, переходим к следующему сегменту.</a:t>
-            </a:r>
-          </a:p>
-          <a:p>
+            <a:r>
+              <a:rPr lang="ru-RU" dirty="0" smtClean="0">
+                <a:solidFill>
+                  <a:schemeClr val="accent6"/>
+                </a:solidFill>
+              </a:rPr>
+              <a:t>0 – 55 </a:t>
+            </a:r>
+            <a:r>
+              <a:rPr lang="en-US" dirty="0" smtClean="0"/>
+              <a:t>– </a:t>
+            </a:r>
+            <a:r>
+              <a:rPr lang="ru-RU" dirty="0" smtClean="0"/>
+              <a:t>номера линейных сегментов</a:t>
+            </a:r>
             <a:endParaRPr lang="ru-RU" dirty="0"/>
           </a:p>
         </p:txBody>
@@ -4040,7 +4016,7 @@
     </p:spTree>
     <p:extLst>
       <p:ext uri="{BB962C8B-B14F-4D97-AF65-F5344CB8AC3E}">
-        <p14:creationId xmlns:p14="http://schemas.microsoft.com/office/powerpoint/2010/main" val="2477103472"/>
+        <p14:creationId xmlns:p14="http://schemas.microsoft.com/office/powerpoint/2010/main" val="1840046802"/>
       </p:ext>
     </p:extLst>
   </p:cSld>
@@ -4091,6 +4067,1032 @@
           <a:p>
             <a:r>
               <a:rPr lang="ru-RU" dirty="0" smtClean="0"/>
+              <a:t>Этап 2. Поиск точек срединной поверхности  </a:t>
+            </a:r>
+            <a:endParaRPr lang="ru-RU" dirty="0"/>
+          </a:p>
+        </p:txBody>
+      </p:sp>
+      <mc:AlternateContent xmlns:mc="http://schemas.openxmlformats.org/markup-compatibility/2006" xmlns:a14="http://schemas.microsoft.com/office/drawing/2010/main">
+        <mc:Choice Requires="a14">
+          <p:sp>
+            <p:nvSpPr>
+              <p:cNvPr id="3" name="Content Placeholder 2"/>
+              <p:cNvSpPr>
+                <a:spLocks noGrp="1"/>
+              </p:cNvSpPr>
+              <p:nvPr>
+                <p:ph idx="1"/>
+              </p:nvPr>
+            </p:nvSpPr>
+            <p:spPr/>
+            <p:txBody>
+              <a:bodyPr>
+                <a:normAutofit/>
+              </a:bodyPr>
+              <a:lstStyle/>
+              <a:p>
+                <a:r>
+                  <a:rPr lang="ru-RU" b="1" dirty="0" smtClean="0"/>
+                  <a:t>Параметры этапа: </a:t>
+                </a:r>
+                <a:r>
+                  <a:rPr lang="ru-RU" dirty="0"/>
+                  <a:t>список линейных </a:t>
+                </a:r>
+                <a:r>
+                  <a:rPr lang="ru-RU" dirty="0" smtClean="0"/>
+                  <a:t>сегментов.</a:t>
+                </a:r>
+                <a:endParaRPr lang="ru-RU" dirty="0"/>
+              </a:p>
+              <a:p>
+                <a:pPr marL="0" indent="0">
+                  <a:buNone/>
+                </a:pPr>
+                <a:r>
+                  <a:rPr lang="ru-RU" dirty="0" smtClean="0"/>
+                  <a:t>Шаг 1.    Выбираем два соседних сегмента из списка. Находим их срединные точки:</a:t>
+                </a:r>
+              </a:p>
+              <a:p>
+                <a:pPr marL="726948" lvl="2" indent="-342900">
+                  <a:buFont typeface="+mj-lt"/>
+                  <a:buAutoNum type="arabicPeriod"/>
+                </a:pPr>
+                <a:r>
+                  <a:rPr lang="ru-RU" sz="1600" dirty="0" smtClean="0"/>
+                  <a:t>Вычисляем </a:t>
+                </a:r>
+                <a:r>
+                  <a:rPr lang="ru-RU" sz="1600" dirty="0"/>
+                  <a:t>для </a:t>
+                </a:r>
+                <a:r>
+                  <a:rPr lang="ru-RU" sz="1600" dirty="0" smtClean="0"/>
+                  <a:t>сегмента координаты </a:t>
+                </a:r>
+                <a:r>
+                  <a:rPr lang="ru-RU" sz="1600" dirty="0"/>
+                  <a:t>вектора </a:t>
+                </a:r>
+                <a:r>
+                  <a:rPr lang="ru-RU" sz="1600" dirty="0" smtClean="0"/>
+                  <a:t>нормали.</a:t>
+                </a:r>
+                <a:endParaRPr lang="ru-RU" sz="1600" dirty="0"/>
+              </a:p>
+              <a:p>
+                <a:pPr marL="726948" lvl="2" indent="-342900">
+                  <a:buFont typeface="+mj-lt"/>
+                  <a:buAutoNum type="arabicPeriod"/>
+                </a:pPr>
+                <a:r>
+                  <a:rPr lang="ru-RU" sz="1600" dirty="0"/>
+                  <a:t>Задаём </a:t>
+                </a:r>
+                <a:r>
+                  <a:rPr lang="en-US" sz="1600" dirty="0" err="1"/>
+                  <a:t>Rmax</a:t>
+                </a:r>
+                <a:r>
+                  <a:rPr lang="en-US" sz="1600" dirty="0"/>
+                  <a:t> </a:t>
+                </a:r>
+                <a:r>
+                  <a:rPr lang="ru-RU" sz="1600" dirty="0"/>
+                  <a:t>и </a:t>
+                </a:r>
+                <a:r>
+                  <a:rPr lang="en-US" sz="1600" dirty="0" err="1"/>
+                  <a:t>Rmin</a:t>
+                </a:r>
+                <a:r>
+                  <a:rPr lang="en-US" sz="1600" dirty="0"/>
+                  <a:t> </a:t>
+                </a:r>
+                <a:r>
+                  <a:rPr lang="ru-RU" sz="1600" dirty="0"/>
+                  <a:t>– максимальное и минимальное значение радиуса окружности, а также начальное значение радиуса </a:t>
+                </a:r>
+                <a:r>
+                  <a:rPr lang="en-US" sz="1600" dirty="0"/>
+                  <a:t>R</a:t>
+                </a:r>
+                <a:r>
+                  <a:rPr lang="ru-RU" sz="1600" dirty="0"/>
+                  <a:t> = </a:t>
+                </a:r>
+                <a:r>
+                  <a:rPr lang="en-US" sz="1600" dirty="0" err="1"/>
+                  <a:t>Rmax</a:t>
+                </a:r>
+                <a:r>
+                  <a:rPr lang="ru-RU" sz="1600" dirty="0"/>
+                  <a:t>.</a:t>
+                </a:r>
+              </a:p>
+              <a:p>
+                <a:pPr marL="726948" lvl="2" indent="-342900">
+                  <a:buFont typeface="+mj-lt"/>
+                  <a:buAutoNum type="arabicPeriod"/>
+                </a:pPr>
+                <a:r>
+                  <a:rPr lang="ru-RU" sz="1600" dirty="0"/>
+                  <a:t>Находим центр окружности – точку </a:t>
+                </a:r>
+                <a:r>
+                  <a:rPr lang="en-US" sz="1600" dirty="0"/>
+                  <a:t>center</a:t>
+                </a:r>
+                <a:r>
+                  <a:rPr lang="ru-RU" sz="1600" dirty="0"/>
+                  <a:t>. Она лежит на векторе нормали, проходящем, через </a:t>
+                </a:r>
+                <a:r>
+                  <a:rPr lang="ru-RU" sz="1600" dirty="0" smtClean="0"/>
+                  <a:t>срединную точку. </a:t>
+                </a:r>
+                <a:r>
+                  <a:rPr lang="ru-RU" sz="1600" dirty="0"/>
+                  <a:t>Координаты точки считаются по формулам:</a:t>
+                </a:r>
+                <a:r>
+                  <a:rPr lang="en-US" sz="1600" dirty="0" smtClean="0"/>
+                  <a:t> </a:t>
+                </a:r>
+                <a14:m>
+                  <m:oMath xmlns:m="http://schemas.openxmlformats.org/officeDocument/2006/math">
+                    <m:r>
+                      <a:rPr lang="en-US" sz="1600" i="1">
+                        <a:latin typeface="Cambria Math" panose="02040503050406030204" pitchFamily="18" charset="0"/>
+                      </a:rPr>
+                      <m:t>𝑥</m:t>
+                    </m:r>
+                    <m:r>
+                      <a:rPr lang="en-US" sz="1600" i="1">
+                        <a:latin typeface="Cambria Math" panose="02040503050406030204" pitchFamily="18" charset="0"/>
+                      </a:rPr>
+                      <m:t>=</m:t>
+                    </m:r>
+                    <m:sSub>
+                      <m:sSubPr>
+                        <m:ctrlPr>
+                          <a:rPr lang="ru-RU" sz="1600" i="1">
+                            <a:latin typeface="Cambria Math" panose="02040503050406030204" pitchFamily="18" charset="0"/>
+                          </a:rPr>
+                        </m:ctrlPr>
+                      </m:sSubPr>
+                      <m:e>
+                        <m:r>
+                          <a:rPr lang="en-US" sz="1600" i="1">
+                            <a:latin typeface="Cambria Math" panose="02040503050406030204" pitchFamily="18" charset="0"/>
+                          </a:rPr>
+                          <m:t>𝑥</m:t>
+                        </m:r>
+                      </m:e>
+                      <m:sub>
+                        <m:r>
+                          <a:rPr lang="en-US" sz="1600" i="1">
+                            <a:latin typeface="Cambria Math" panose="02040503050406030204" pitchFamily="18" charset="0"/>
+                          </a:rPr>
+                          <m:t>𝑚𝑖𝑛𝑃𝑜𝑖𝑛𝑡</m:t>
+                        </m:r>
+                      </m:sub>
+                    </m:sSub>
+                    <m:r>
+                      <a:rPr lang="en-US" sz="1600" i="1">
+                        <a:latin typeface="Cambria Math" panose="02040503050406030204" pitchFamily="18" charset="0"/>
+                      </a:rPr>
+                      <m:t>+</m:t>
+                    </m:r>
+                    <m:sSub>
+                      <m:sSubPr>
+                        <m:ctrlPr>
+                          <a:rPr lang="ru-RU" sz="1600" i="1">
+                            <a:latin typeface="Cambria Math" panose="02040503050406030204" pitchFamily="18" charset="0"/>
+                          </a:rPr>
+                        </m:ctrlPr>
+                      </m:sSubPr>
+                      <m:e>
+                        <m:r>
+                          <a:rPr lang="en-US" sz="1600" i="1">
+                            <a:latin typeface="Cambria Math" panose="02040503050406030204" pitchFamily="18" charset="0"/>
+                          </a:rPr>
+                          <m:t>𝑥</m:t>
+                        </m:r>
+                      </m:e>
+                      <m:sub>
+                        <m:r>
+                          <a:rPr lang="en-US" sz="1600" i="1">
+                            <a:latin typeface="Cambria Math" panose="02040503050406030204" pitchFamily="18" charset="0"/>
+                          </a:rPr>
+                          <m:t>𝑣𝑒𝑐𝑡𝑜𝑟</m:t>
+                        </m:r>
+                      </m:sub>
+                    </m:sSub>
+                    <m:r>
+                      <a:rPr lang="en-US" sz="1600" i="1">
+                        <a:latin typeface="Cambria Math" panose="02040503050406030204" pitchFamily="18" charset="0"/>
+                      </a:rPr>
+                      <m:t>∗</m:t>
+                    </m:r>
+                    <m:r>
+                      <a:rPr lang="en-US" sz="1600" i="1">
+                        <a:latin typeface="Cambria Math" panose="02040503050406030204" pitchFamily="18" charset="0"/>
+                      </a:rPr>
+                      <m:t>𝑅</m:t>
+                    </m:r>
+                    <m:r>
+                      <a:rPr lang="en-US" sz="1600" b="0" i="0" smtClean="0">
+                        <a:latin typeface="Cambria Math" panose="02040503050406030204" pitchFamily="18" charset="0"/>
+                      </a:rPr>
+                      <m:t>, </m:t>
+                    </m:r>
+                    <m:r>
+                      <a:rPr lang="en-US" sz="1600" i="1" smtClean="0">
+                        <a:latin typeface="Cambria Math" panose="02040503050406030204" pitchFamily="18" charset="0"/>
+                      </a:rPr>
+                      <m:t>𝑦</m:t>
+                    </m:r>
+                    <m:r>
+                      <a:rPr lang="en-US" sz="1600" i="1">
+                        <a:latin typeface="Cambria Math" panose="02040503050406030204" pitchFamily="18" charset="0"/>
+                      </a:rPr>
+                      <m:t>= </m:t>
+                    </m:r>
+                    <m:sSub>
+                      <m:sSubPr>
+                        <m:ctrlPr>
+                          <a:rPr lang="ru-RU" sz="1600" i="1">
+                            <a:latin typeface="Cambria Math" panose="02040503050406030204" pitchFamily="18" charset="0"/>
+                          </a:rPr>
+                        </m:ctrlPr>
+                      </m:sSubPr>
+                      <m:e>
+                        <m:r>
+                          <a:rPr lang="en-US" sz="1600" i="1">
+                            <a:latin typeface="Cambria Math" panose="02040503050406030204" pitchFamily="18" charset="0"/>
+                          </a:rPr>
+                          <m:t>𝑦</m:t>
+                        </m:r>
+                      </m:e>
+                      <m:sub>
+                        <m:r>
+                          <a:rPr lang="en-US" sz="1600" i="1">
+                            <a:latin typeface="Cambria Math" panose="02040503050406030204" pitchFamily="18" charset="0"/>
+                          </a:rPr>
+                          <m:t>𝑚𝑖𝑑𝑃𝑜𝑖𝑛𝑡</m:t>
+                        </m:r>
+                      </m:sub>
+                    </m:sSub>
+                    <m:r>
+                      <a:rPr lang="en-US" sz="1600" i="1">
+                        <a:latin typeface="Cambria Math" panose="02040503050406030204" pitchFamily="18" charset="0"/>
+                      </a:rPr>
+                      <m:t>+</m:t>
+                    </m:r>
+                    <m:sSub>
+                      <m:sSubPr>
+                        <m:ctrlPr>
+                          <a:rPr lang="ru-RU" sz="1600" i="1">
+                            <a:latin typeface="Cambria Math" panose="02040503050406030204" pitchFamily="18" charset="0"/>
+                          </a:rPr>
+                        </m:ctrlPr>
+                      </m:sSubPr>
+                      <m:e>
+                        <m:r>
+                          <a:rPr lang="en-US" sz="1600" i="1">
+                            <a:latin typeface="Cambria Math" panose="02040503050406030204" pitchFamily="18" charset="0"/>
+                          </a:rPr>
+                          <m:t>𝑦</m:t>
+                        </m:r>
+                      </m:e>
+                      <m:sub>
+                        <m:r>
+                          <a:rPr lang="en-US" sz="1600" i="1">
+                            <a:latin typeface="Cambria Math" panose="02040503050406030204" pitchFamily="18" charset="0"/>
+                          </a:rPr>
+                          <m:t>𝑣𝑒𝑐𝑡𝑜𝑟</m:t>
+                        </m:r>
+                      </m:sub>
+                    </m:sSub>
+                    <m:r>
+                      <a:rPr lang="en-US" sz="1600" i="1">
+                        <a:latin typeface="Cambria Math" panose="02040503050406030204" pitchFamily="18" charset="0"/>
+                      </a:rPr>
+                      <m:t>∗</m:t>
+                    </m:r>
+                    <m:r>
+                      <a:rPr lang="en-US" sz="1600" i="1">
+                        <a:latin typeface="Cambria Math" panose="02040503050406030204" pitchFamily="18" charset="0"/>
+                      </a:rPr>
+                      <m:t>𝑅</m:t>
+                    </m:r>
+                  </m:oMath>
+                </a14:m>
+                <a:endParaRPr lang="ru-RU" sz="1600" dirty="0"/>
+              </a:p>
+              <a:p>
+                <a:pPr marL="726948" lvl="2" indent="-342900">
+                  <a:buFont typeface="+mj-lt"/>
+                  <a:buAutoNum type="arabicPeriod"/>
+                </a:pPr>
+                <a:r>
+                  <a:rPr lang="ru-RU" sz="1600" dirty="0"/>
+                  <a:t>Меняем значение </a:t>
+                </a:r>
+                <a:r>
+                  <a:rPr lang="en-US" sz="1600" dirty="0"/>
+                  <a:t>R</a:t>
+                </a:r>
+                <a:r>
+                  <a:rPr lang="ru-RU" sz="1600" dirty="0"/>
+                  <a:t> = (</a:t>
+                </a:r>
+                <a:r>
+                  <a:rPr lang="en-US" sz="1600" dirty="0" err="1"/>
+                  <a:t>Rmax</a:t>
+                </a:r>
+                <a:r>
+                  <a:rPr lang="en-US" sz="1600" dirty="0"/>
+                  <a:t> </a:t>
+                </a:r>
+                <a:r>
+                  <a:rPr lang="ru-RU" sz="1600" dirty="0"/>
+                  <a:t>+ </a:t>
+                </a:r>
+                <a:r>
+                  <a:rPr lang="en-US" sz="1600" dirty="0" err="1"/>
+                  <a:t>Rmin</a:t>
+                </a:r>
+                <a:r>
+                  <a:rPr lang="ru-RU" sz="1600" dirty="0"/>
+                  <a:t>)/2 и соответственно координаты точки </a:t>
+                </a:r>
+                <a:r>
+                  <a:rPr lang="en-US" sz="1600" dirty="0"/>
+                  <a:t>center</a:t>
+                </a:r>
+                <a:endParaRPr lang="ru-RU" sz="1600" dirty="0"/>
+              </a:p>
+              <a:p>
+                <a:pPr marL="726948" lvl="2" indent="-342900">
+                  <a:buFont typeface="+mj-lt"/>
+                  <a:buAutoNum type="arabicPeriod"/>
+                </a:pPr>
+                <a:r>
+                  <a:rPr lang="ru-RU" sz="1600" dirty="0"/>
+                  <a:t>Проверяем, пересекает ли </a:t>
+                </a:r>
+                <a:r>
+                  <a:rPr lang="ru-RU" sz="1600" dirty="0" smtClean="0"/>
+                  <a:t>окружность </a:t>
+                </a:r>
+                <a:r>
+                  <a:rPr lang="ru-RU" sz="1600" dirty="0"/>
+                  <a:t>с центром в точке </a:t>
+                </a:r>
+                <a:r>
+                  <a:rPr lang="en-US" sz="1600" dirty="0"/>
+                  <a:t>center </a:t>
+                </a:r>
+                <a:r>
+                  <a:rPr lang="ru-RU" sz="1600" dirty="0"/>
+                  <a:t>и радиусом </a:t>
+                </a:r>
+                <a:r>
+                  <a:rPr lang="en-US" sz="1600" dirty="0"/>
+                  <a:t>R </a:t>
+                </a:r>
+                <a:r>
+                  <a:rPr lang="ru-RU" sz="1600" dirty="0"/>
+                  <a:t>сегменты </a:t>
+                </a:r>
+                <a:r>
+                  <a:rPr lang="ru-RU" sz="1600" dirty="0" smtClean="0"/>
+                  <a:t>из списка, </a:t>
+                </a:r>
+                <a:r>
+                  <a:rPr lang="ru-RU" sz="1600" dirty="0"/>
+                  <a:t>а также выходит ли окружность за границы контура. Если выходит, то </a:t>
+                </a:r>
+                <a:r>
+                  <a:rPr lang="en-US" sz="1600" dirty="0" err="1"/>
+                  <a:t>Rmax</a:t>
+                </a:r>
+                <a:r>
+                  <a:rPr lang="ru-RU" sz="1600" dirty="0"/>
+                  <a:t> = </a:t>
+                </a:r>
+                <a:r>
+                  <a:rPr lang="en-US" sz="1600" dirty="0"/>
+                  <a:t>R</a:t>
+                </a:r>
+                <a:r>
+                  <a:rPr lang="ru-RU" sz="1600" dirty="0"/>
+                  <a:t> и на Шаг 6. Если не выходит, но один из сегментов пересекает в двух точках, то </a:t>
+                </a:r>
+                <a:r>
+                  <a:rPr lang="en-US" sz="1600" dirty="0" err="1"/>
+                  <a:t>Rmax</a:t>
+                </a:r>
+                <a:r>
+                  <a:rPr lang="ru-RU" sz="1600" dirty="0"/>
+                  <a:t> = </a:t>
+                </a:r>
+                <a:r>
+                  <a:rPr lang="en-US" sz="1600" dirty="0"/>
+                  <a:t>R</a:t>
+                </a:r>
+                <a:r>
+                  <a:rPr lang="ru-RU" sz="1600" dirty="0"/>
+                  <a:t> и на Шаг 6. Если не выходит и не пересекает ни одного из сегментов, то </a:t>
+                </a:r>
+                <a:r>
+                  <a:rPr lang="en-US" sz="1600" dirty="0" err="1"/>
+                  <a:t>Rmin</a:t>
+                </a:r>
+                <a:r>
+                  <a:rPr lang="ru-RU" sz="1600" dirty="0"/>
+                  <a:t> = </a:t>
+                </a:r>
+                <a:r>
+                  <a:rPr lang="en-US" sz="1600" dirty="0"/>
+                  <a:t>R </a:t>
+                </a:r>
+                <a:r>
+                  <a:rPr lang="ru-RU" sz="1600" dirty="0"/>
+                  <a:t>и на Шаг 6. Если не выходит и касается двух или больше сегментов в одной точке, то на Шаг </a:t>
+                </a:r>
+                <a:r>
+                  <a:rPr lang="ru-RU" sz="1600" dirty="0" smtClean="0"/>
+                  <a:t>8.</a:t>
+                </a:r>
+              </a:p>
+              <a:p>
+                <a:endParaRPr lang="ru-RU" dirty="0"/>
+              </a:p>
+            </p:txBody>
+          </p:sp>
+        </mc:Choice>
+        <mc:Fallback xmlns="">
+          <p:sp>
+            <p:nvSpPr>
+              <p:cNvPr id="3" name="Content Placeholder 2"/>
+              <p:cNvSpPr>
+                <a:spLocks noGrp="1" noRot="1" noChangeAspect="1" noMove="1" noResize="1" noEditPoints="1" noAdjustHandles="1" noChangeArrowheads="1" noChangeShapeType="1" noTextEdit="1"/>
+              </p:cNvSpPr>
+              <p:nvPr>
+                <p:ph idx="1"/>
+              </p:nvPr>
+            </p:nvSpPr>
+            <p:spPr>
+              <a:blipFill rotWithShape="0">
+                <a:blip r:embed="rId2"/>
+                <a:stretch>
+                  <a:fillRect l="-1515" t="-1667" r="-545"/>
+                </a:stretch>
+              </a:blipFill>
+            </p:spPr>
+            <p:txBody>
+              <a:bodyPr/>
+              <a:lstStyle/>
+              <a:p>
+                <a:r>
+                  <a:rPr lang="ru-RU">
+                    <a:noFill/>
+                  </a:rPr>
+                  <a:t> </a:t>
+                </a:r>
+              </a:p>
+            </p:txBody>
+          </p:sp>
+        </mc:Fallback>
+      </mc:AlternateContent>
+      <p:sp>
+        <p:nvSpPr>
+          <p:cNvPr id="4" name="Rectangle 3"/>
+          <p:cNvSpPr>
+            <a:spLocks noChangeArrowheads="1"/>
+          </p:cNvSpPr>
+          <p:nvPr/>
+        </p:nvSpPr>
+        <p:spPr bwMode="auto">
+          <a:xfrm>
+            <a:off x="137160" y="88900"/>
+            <a:ext cx="12192000" cy="457200"/>
+          </a:xfrm>
+          <a:prstGeom prst="rect">
+            <a:avLst/>
+          </a:prstGeom>
+          <a:noFill/>
+          <a:ln>
+            <a:noFill/>
+          </a:ln>
+          <a:effectLst/>
+          <a:extLst>
+            <a:ext uri="{909E8E84-426E-40DD-AFC4-6F175D3DCCD1}">
+              <a14:hiddenFill xmlns:a14="http://schemas.microsoft.com/office/drawing/2010/main">
+                <a:solidFill>
+                  <a:schemeClr val="accent1"/>
+                </a:solidFill>
+              </a14:hiddenFill>
+            </a:ext>
+            <a:ext uri="{91240B29-F687-4F45-9708-019B960494DF}">
+              <a14:hiddenLine xmlns:a14="http://schemas.microsoft.com/office/drawing/2010/main" w="9525">
+                <a:solidFill>
+                  <a:schemeClr val="tx1"/>
+                </a:solidFill>
+                <a:miter lim="800000"/>
+                <a:headEnd/>
+                <a:tailEnd/>
+              </a14:hiddenLine>
+            </a:ext>
+            <a:ext uri="{AF507438-7753-43E0-B8FC-AC1667EBCBE1}">
+              <a14:hiddenEffects xmlns:a14="http://schemas.microsoft.com/office/drawing/2010/main">
+                <a:effectLst>
+                  <a:outerShdw dist="35921" dir="2700000" algn="ctr" rotWithShape="0">
+                    <a:schemeClr val="bg2"/>
+                  </a:outerShdw>
+                </a:effectLst>
+              </a14:hiddenEffects>
+            </a:ext>
+          </a:extLst>
+        </p:spPr>
+        <p:txBody>
+          <a:bodyPr vert="horz" wrap="none" lIns="91440" tIns="152352" rIns="91440" bIns="152352" numCol="1" anchor="ctr" anchorCtr="0" compatLnSpc="1">
+            <a:prstTxWarp prst="textNoShape">
+              <a:avLst/>
+            </a:prstTxWarp>
+            <a:spAutoFit/>
+          </a:bodyPr>
+          <a:lstStyle/>
+          <a:p>
+            <a:pPr marL="0" marR="0" lvl="0" indent="0" algn="l" defTabSz="914400" rtl="0" eaLnBrk="0" fontAlgn="base" latinLnBrk="0" hangingPunct="0">
+              <a:lnSpc>
+                <a:spcPct val="100000"/>
+              </a:lnSpc>
+              <a:spcBef>
+                <a:spcPct val="0"/>
+              </a:spcBef>
+              <a:spcAft>
+                <a:spcPct val="0"/>
+              </a:spcAft>
+              <a:buClrTx/>
+              <a:buSzTx/>
+              <a:buFontTx/>
+              <a:buNone/>
+              <a:tabLst/>
+            </a:pPr>
+            <a:r>
+              <a:rPr kumimoji="0" lang="ru-RU" altLang="ru-RU" sz="1400" b="1" i="0" u="none" strike="noStrike" cap="none" normalizeH="0" baseline="0" smtClean="0">
+                <a:ln>
+                  <a:noFill/>
+                </a:ln>
+                <a:solidFill>
+                  <a:schemeClr val="tx1"/>
+                </a:solidFill>
+                <a:effectLst/>
+                <a:latin typeface="Cambria" panose="02040503050406030204" pitchFamily="18" charset="0"/>
+                <a:ea typeface="Times New Roman" panose="02020603050405020304" pitchFamily="18" charset="0"/>
+                <a:cs typeface="Times New Roman" panose="02020603050405020304" pitchFamily="18" charset="0"/>
+              </a:rPr>
+              <a:t> </a:t>
+            </a:r>
+          </a:p>
+          <a:p>
+            <a:pPr marL="0" marR="0" lvl="0" indent="0" algn="l" defTabSz="914400" rtl="0" eaLnBrk="0" fontAlgn="base" latinLnBrk="0" hangingPunct="0">
+              <a:lnSpc>
+                <a:spcPct val="100000"/>
+              </a:lnSpc>
+              <a:spcBef>
+                <a:spcPct val="0"/>
+              </a:spcBef>
+              <a:spcAft>
+                <a:spcPct val="0"/>
+              </a:spcAft>
+              <a:buClrTx/>
+              <a:buSzTx/>
+              <a:buFontTx/>
+              <a:buNone/>
+              <a:tabLst/>
+            </a:pPr>
+            <a:endParaRPr kumimoji="0" lang="ru-RU" altLang="ru-RU" sz="1800" b="0" i="0" u="none" strike="noStrike" cap="none" normalizeH="0" baseline="0" smtClean="0">
+              <a:ln>
+                <a:noFill/>
+              </a:ln>
+              <a:solidFill>
+                <a:schemeClr val="tx1"/>
+              </a:solidFill>
+              <a:effectLst/>
+              <a:latin typeface="Arial" panose="020B0604020202020204" pitchFamily="34" charset="0"/>
+            </a:endParaRPr>
+          </a:p>
+        </p:txBody>
+      </p:sp>
+    </p:spTree>
+    <p:extLst>
+      <p:ext uri="{BB962C8B-B14F-4D97-AF65-F5344CB8AC3E}">
+        <p14:creationId xmlns:p14="http://schemas.microsoft.com/office/powerpoint/2010/main" val="2503749877"/>
+      </p:ext>
+    </p:extLst>
+  </p:cSld>
+  <p:clrMapOvr>
+    <a:masterClrMapping/>
+  </p:clrMapOvr>
+  <p:timing>
+    <p:tnLst>
+      <p:par>
+        <p:cTn id="1" dur="indefinite" restart="never" nodeType="tmRoot"/>
+      </p:par>
+    </p:tnLst>
+  </p:timing>
+</p:sld>
+</file>
+
+<file path=ppt/slides/slide12.xml><?xml version="1.0" encoding="utf-8"?>
+<p:sld xmlns:a="http://schemas.openxmlformats.org/drawingml/2006/main" xmlns:r="http://schemas.openxmlformats.org/officeDocument/2006/relationships" xmlns:p="http://schemas.openxmlformats.org/presentationml/2006/main">
+  <p:cSld>
+    <p:spTree>
+      <p:nvGrpSpPr>
+        <p:cNvPr id="1" name=""/>
+        <p:cNvGrpSpPr/>
+        <p:nvPr/>
+      </p:nvGrpSpPr>
+      <p:grpSpPr>
+        <a:xfrm>
+          <a:off x="0" y="0"/>
+          <a:ext cx="0" cy="0"/>
+          <a:chOff x="0" y="0"/>
+          <a:chExt cx="0" cy="0"/>
+        </a:xfrm>
+      </p:grpSpPr>
+      <p:sp>
+        <p:nvSpPr>
+          <p:cNvPr id="2" name="Title 1"/>
+          <p:cNvSpPr>
+            <a:spLocks noGrp="1"/>
+          </p:cNvSpPr>
+          <p:nvPr>
+            <p:ph type="title"/>
+          </p:nvPr>
+        </p:nvSpPr>
+        <p:spPr/>
+        <p:txBody>
+          <a:bodyPr/>
+          <a:lstStyle/>
+          <a:p>
+            <a:r>
+              <a:rPr lang="ru-RU" dirty="0"/>
+              <a:t>Этап 2. Поиск точек срединной поверхности </a:t>
+            </a:r>
+          </a:p>
+        </p:txBody>
+      </p:sp>
+      <p:sp>
+        <p:nvSpPr>
+          <p:cNvPr id="3" name="Content Placeholder 2"/>
+          <p:cNvSpPr>
+            <a:spLocks noGrp="1"/>
+          </p:cNvSpPr>
+          <p:nvPr>
+            <p:ph idx="1"/>
+          </p:nvPr>
+        </p:nvSpPr>
+        <p:spPr>
+          <a:xfrm>
+            <a:off x="1084580" y="1845734"/>
+            <a:ext cx="10058400" cy="4023360"/>
+          </a:xfrm>
+        </p:spPr>
+        <p:txBody>
+          <a:bodyPr/>
+          <a:lstStyle/>
+          <a:p>
+            <a:pPr marL="201168" lvl="1" indent="0">
+              <a:buNone/>
+            </a:pPr>
+            <a:r>
+              <a:rPr lang="ru-RU" sz="2000" dirty="0" smtClean="0"/>
+              <a:t>Шаг 2. Сравниваем </a:t>
+            </a:r>
+            <a:r>
+              <a:rPr lang="ru-RU" sz="2000" dirty="0"/>
+              <a:t>расстояние между полученными  срединными точками, если оно больше требуемого, то</a:t>
+            </a:r>
+            <a:r>
+              <a:rPr lang="ru-RU" sz="2000" dirty="0" smtClean="0"/>
+              <a:t>: </a:t>
+            </a:r>
+          </a:p>
+          <a:p>
+            <a:pPr marL="384048" lvl="2" indent="0">
+              <a:buNone/>
+            </a:pPr>
+            <a:r>
+              <a:rPr lang="ru-RU" sz="1600" dirty="0" smtClean="0"/>
+              <a:t>2.1 Если </a:t>
+            </a:r>
+            <a:r>
+              <a:rPr lang="ru-RU" sz="1600" dirty="0" smtClean="0"/>
+              <a:t>угол больше 180</a:t>
+            </a:r>
+            <a:r>
+              <a:rPr lang="ru-RU" sz="1600" dirty="0"/>
+              <a:t> </a:t>
+            </a:r>
+            <a:r>
+              <a:rPr lang="ru-RU" sz="1600" dirty="0" smtClean="0"/>
+              <a:t>градусов: используем биссектрису между сегментами вместо </a:t>
+            </a:r>
+            <a:r>
+              <a:rPr lang="ru-RU" sz="1600" dirty="0" smtClean="0"/>
+              <a:t>нормали, ищем новую точку.</a:t>
+            </a:r>
+            <a:endParaRPr lang="ru-RU" sz="1600" dirty="0"/>
+          </a:p>
+          <a:p>
+            <a:pPr marL="384048" lvl="2" indent="0">
+              <a:buNone/>
+            </a:pPr>
+            <a:r>
+              <a:rPr lang="ru-RU" sz="1600" dirty="0" smtClean="0"/>
+              <a:t>2.2 Строим точку по середине на сегменте, используя ее нормаль, ищем новую точку.</a:t>
+            </a:r>
+          </a:p>
+          <a:p>
+            <a:pPr marL="384048" lvl="2" indent="0">
+              <a:buNone/>
+            </a:pPr>
+            <a:r>
+              <a:rPr lang="ru-RU" sz="1600" dirty="0" smtClean="0"/>
+              <a:t>Посылаем на проверку расстояния между полученными точками. Шаг 2.2 повторяется до тех пор, пока расстояние между точками не достигнет заданной точности.</a:t>
+            </a:r>
+            <a:endParaRPr lang="ru-RU" sz="2400" dirty="0"/>
+          </a:p>
+          <a:p>
+            <a:pPr marL="201168" lvl="1" indent="0">
+              <a:buNone/>
+            </a:pPr>
+            <a:r>
+              <a:rPr lang="ru-RU" sz="2000" dirty="0" smtClean="0"/>
+              <a:t>Если меньше, то сохраняем полученную точку в список точек срединной поверхности, переходим к следующему сегменту.</a:t>
+            </a:r>
+          </a:p>
+          <a:p>
+            <a:endParaRPr lang="ru-RU" dirty="0"/>
+          </a:p>
+        </p:txBody>
+      </p:sp>
+    </p:spTree>
+    <p:extLst>
+      <p:ext uri="{BB962C8B-B14F-4D97-AF65-F5344CB8AC3E}">
+        <p14:creationId xmlns:p14="http://schemas.microsoft.com/office/powerpoint/2010/main" val="2477103472"/>
+      </p:ext>
+    </p:extLst>
+  </p:cSld>
+  <p:clrMapOvr>
+    <a:masterClrMapping/>
+  </p:clrMapOvr>
+  <p:timing>
+    <p:tnLst>
+      <p:par>
+        <p:cTn id="1" dur="indefinite" restart="never" nodeType="tmRoot"/>
+      </p:par>
+    </p:tnLst>
+  </p:timing>
+</p:sld>
+</file>
+
+<file path=ppt/slides/slide13.xml><?xml version="1.0" encoding="utf-8"?>
+<p:sld xmlns:a="http://schemas.openxmlformats.org/drawingml/2006/main" xmlns:r="http://schemas.openxmlformats.org/officeDocument/2006/relationships" xmlns:p="http://schemas.openxmlformats.org/presentationml/2006/main">
+  <p:cSld>
+    <p:spTree>
+      <p:nvGrpSpPr>
+        <p:cNvPr id="1" name=""/>
+        <p:cNvGrpSpPr/>
+        <p:nvPr/>
+      </p:nvGrpSpPr>
+      <p:grpSpPr>
+        <a:xfrm>
+          <a:off x="0" y="0"/>
+          <a:ext cx="0" cy="0"/>
+          <a:chOff x="0" y="0"/>
+          <a:chExt cx="0" cy="0"/>
+        </a:xfrm>
+      </p:grpSpPr>
+      <p:sp>
+        <p:nvSpPr>
+          <p:cNvPr id="2" name="Title 1"/>
+          <p:cNvSpPr>
+            <a:spLocks noGrp="1"/>
+          </p:cNvSpPr>
+          <p:nvPr>
+            <p:ph type="title"/>
+          </p:nvPr>
+        </p:nvSpPr>
+        <p:spPr/>
+        <p:txBody>
+          <a:bodyPr/>
+          <a:lstStyle/>
+          <a:p>
+            <a:r>
+              <a:rPr lang="ru-RU" dirty="0"/>
+              <a:t>Этап 2. Поиск точек срединной поверхности </a:t>
+            </a:r>
+          </a:p>
+        </p:txBody>
+      </p:sp>
+      <p:pic>
+        <p:nvPicPr>
+          <p:cNvPr id="4" name="Content Placeholder 3"/>
+          <p:cNvPicPr>
+            <a:picLocks noGrp="1" noChangeAspect="1"/>
+          </p:cNvPicPr>
+          <p:nvPr>
+            <p:ph idx="1"/>
+          </p:nvPr>
+        </p:nvPicPr>
+        <p:blipFill>
+          <a:blip r:embed="rId2"/>
+          <a:stretch>
+            <a:fillRect/>
+          </a:stretch>
+        </p:blipFill>
+        <p:spPr>
+          <a:xfrm>
+            <a:off x="2547257" y="2615860"/>
+            <a:ext cx="8608106" cy="2986733"/>
+          </a:xfrm>
+          <a:prstGeom prst="rect">
+            <a:avLst/>
+          </a:prstGeom>
+        </p:spPr>
+      </p:pic>
+      <p:sp>
+        <p:nvSpPr>
+          <p:cNvPr id="5" name="TextBox 4"/>
+          <p:cNvSpPr txBox="1"/>
+          <p:nvPr/>
+        </p:nvSpPr>
+        <p:spPr>
+          <a:xfrm>
+            <a:off x="1306286" y="1875453"/>
+            <a:ext cx="6298163" cy="646331"/>
+          </a:xfrm>
+          <a:prstGeom prst="rect">
+            <a:avLst/>
+          </a:prstGeom>
+          <a:noFill/>
+        </p:spPr>
+        <p:txBody>
+          <a:bodyPr wrap="square" rtlCol="0">
+            <a:spAutoFit/>
+          </a:bodyPr>
+          <a:lstStyle/>
+          <a:p>
+            <a:r>
+              <a:rPr lang="en-US" dirty="0" smtClean="0"/>
+              <a:t>  </a:t>
+            </a:r>
+            <a:r>
+              <a:rPr lang="ru-RU" dirty="0" smtClean="0"/>
+              <a:t>срединная поверхность</a:t>
+            </a:r>
+          </a:p>
+          <a:p>
+            <a:r>
+              <a:rPr lang="ru-RU" dirty="0" smtClean="0"/>
+              <a:t>  нормали</a:t>
+            </a:r>
+          </a:p>
+        </p:txBody>
+      </p:sp>
+      <p:cxnSp>
+        <p:nvCxnSpPr>
+          <p:cNvPr id="10" name="Straight Connector 9"/>
+          <p:cNvCxnSpPr/>
+          <p:nvPr/>
+        </p:nvCxnSpPr>
+        <p:spPr>
+          <a:xfrm>
+            <a:off x="4058816" y="2071396"/>
+            <a:ext cx="858417" cy="0"/>
+          </a:xfrm>
+          <a:prstGeom prst="line">
+            <a:avLst/>
+          </a:prstGeom>
+          <a:ln>
+            <a:solidFill>
+              <a:srgbClr val="FF5B57"/>
+            </a:solidFill>
+          </a:ln>
+        </p:spPr>
+        <p:style>
+          <a:lnRef idx="2">
+            <a:schemeClr val="accent2"/>
+          </a:lnRef>
+          <a:fillRef idx="0">
+            <a:schemeClr val="accent2"/>
+          </a:fillRef>
+          <a:effectRef idx="1">
+            <a:schemeClr val="accent2"/>
+          </a:effectRef>
+          <a:fontRef idx="minor">
+            <a:schemeClr val="tx1"/>
+          </a:fontRef>
+        </p:style>
+      </p:cxnSp>
+      <p:cxnSp>
+        <p:nvCxnSpPr>
+          <p:cNvPr id="11" name="Straight Connector 10"/>
+          <p:cNvCxnSpPr/>
+          <p:nvPr/>
+        </p:nvCxnSpPr>
+        <p:spPr>
+          <a:xfrm>
+            <a:off x="4058816" y="2429070"/>
+            <a:ext cx="858417" cy="0"/>
+          </a:xfrm>
+          <a:prstGeom prst="line">
+            <a:avLst/>
+          </a:prstGeom>
+          <a:ln>
+            <a:solidFill>
+              <a:srgbClr val="9E9EFF"/>
+            </a:solidFill>
+          </a:ln>
+        </p:spPr>
+        <p:style>
+          <a:lnRef idx="1">
+            <a:schemeClr val="dk1"/>
+          </a:lnRef>
+          <a:fillRef idx="0">
+            <a:schemeClr val="dk1"/>
+          </a:fillRef>
+          <a:effectRef idx="0">
+            <a:schemeClr val="dk1"/>
+          </a:effectRef>
+          <a:fontRef idx="minor">
+            <a:schemeClr val="tx1"/>
+          </a:fontRef>
+        </p:style>
+      </p:cxnSp>
+    </p:spTree>
+    <p:extLst>
+      <p:ext uri="{BB962C8B-B14F-4D97-AF65-F5344CB8AC3E}">
+        <p14:creationId xmlns:p14="http://schemas.microsoft.com/office/powerpoint/2010/main" val="2029675157"/>
+      </p:ext>
+    </p:extLst>
+  </p:cSld>
+  <p:clrMapOvr>
+    <a:masterClrMapping/>
+  </p:clrMapOvr>
+  <p:timing>
+    <p:tnLst>
+      <p:par>
+        <p:cTn id="1" dur="indefinite" restart="never" nodeType="tmRoot"/>
+      </p:par>
+    </p:tnLst>
+  </p:timing>
+</p:sld>
+</file>
+
+<file path=ppt/slides/slide14.xml><?xml version="1.0" encoding="utf-8"?>
+<p:sld xmlns:a="http://schemas.openxmlformats.org/drawingml/2006/main" xmlns:r="http://schemas.openxmlformats.org/officeDocument/2006/relationships" xmlns:p="http://schemas.openxmlformats.org/presentationml/2006/main">
+  <p:cSld>
+    <p:spTree>
+      <p:nvGrpSpPr>
+        <p:cNvPr id="1" name=""/>
+        <p:cNvGrpSpPr/>
+        <p:nvPr/>
+      </p:nvGrpSpPr>
+      <p:grpSpPr>
+        <a:xfrm>
+          <a:off x="0" y="0"/>
+          <a:ext cx="0" cy="0"/>
+          <a:chOff x="0" y="0"/>
+          <a:chExt cx="0" cy="0"/>
+        </a:xfrm>
+      </p:grpSpPr>
+      <p:sp>
+        <p:nvSpPr>
+          <p:cNvPr id="2" name="Title 1"/>
+          <p:cNvSpPr>
+            <a:spLocks noGrp="1"/>
+          </p:cNvSpPr>
+          <p:nvPr>
+            <p:ph type="title"/>
+          </p:nvPr>
+        </p:nvSpPr>
+        <p:spPr/>
+        <p:txBody>
+          <a:bodyPr/>
+          <a:lstStyle/>
+          <a:p>
+            <a:r>
+              <a:rPr lang="ru-RU" dirty="0" smtClean="0"/>
               <a:t>Этап 3. Соединение точек срединной поверхности</a:t>
             </a:r>
             <a:endParaRPr lang="ru-RU" dirty="0"/>
@@ -4135,7 +5137,11 @@
             </a:pPr>
             <a:r>
               <a:rPr lang="ru-RU" dirty="0" smtClean="0"/>
-              <a:t>ПО соседним двум точкам строим сегмент.</a:t>
+              <a:t>По </a:t>
+            </a:r>
+            <a:r>
+              <a:rPr lang="ru-RU" dirty="0" smtClean="0"/>
+              <a:t>соседним двум точкам строим сегмент.</a:t>
             </a:r>
           </a:p>
           <a:p>
@@ -4170,7 +5176,7 @@
 </p:sld>
 </file>
 
-<file path=ppt/slides/slide12.xml><?xml version="1.0" encoding="utf-8"?>
+<file path=ppt/slides/slide15.xml><?xml version="1.0" encoding="utf-8"?>
 <p:sld xmlns:a="http://schemas.openxmlformats.org/drawingml/2006/main" xmlns:r="http://schemas.openxmlformats.org/officeDocument/2006/relationships" xmlns:p="http://schemas.openxmlformats.org/presentationml/2006/main">
   <p:cSld>
     <p:spTree>
@@ -4438,7 +5444,7 @@
 </p:sld>
 </file>
 
-<file path=ppt/slides/slide13.xml><?xml version="1.0" encoding="utf-8"?>
+<file path=ppt/slides/slide16.xml><?xml version="1.0" encoding="utf-8"?>
 <p:sld xmlns:a="http://schemas.openxmlformats.org/drawingml/2006/main" xmlns:r="http://schemas.openxmlformats.org/officeDocument/2006/relationships" xmlns:p="http://schemas.openxmlformats.org/presentationml/2006/main">
   <p:cSld>
     <p:spTree>
@@ -4631,10 +5637,17 @@
   <p:clrMapOvr>
     <a:masterClrMapping/>
   </p:clrMapOvr>
+  <p:timing>
+    <p:tnLst>
+      <p:par>
+        <p:cTn id="1" dur="indefinite" restart="never" nodeType="tmRoot"/>
+      </p:par>
+    </p:tnLst>
+  </p:timing>
 </p:sld>
 </file>
 
-<file path=ppt/slides/slide14.xml><?xml version="1.0" encoding="utf-8"?>
+<file path=ppt/slides/slide17.xml><?xml version="1.0" encoding="utf-8"?>
 <p:sld xmlns:a="http://schemas.openxmlformats.org/drawingml/2006/main" xmlns:r="http://schemas.openxmlformats.org/officeDocument/2006/relationships" xmlns:p="http://schemas.openxmlformats.org/presentationml/2006/main">
   <p:cSld>
     <p:spTree>
@@ -4713,10 +5726,17 @@
   <p:clrMapOvr>
     <a:masterClrMapping/>
   </p:clrMapOvr>
+  <p:timing>
+    <p:tnLst>
+      <p:par>
+        <p:cTn id="1" dur="indefinite" restart="never" nodeType="tmRoot"/>
+      </p:par>
+    </p:tnLst>
+  </p:timing>
 </p:sld>
 </file>
 
-<file path=ppt/slides/slide15.xml><?xml version="1.0" encoding="utf-8"?>
+<file path=ppt/slides/slide18.xml><?xml version="1.0" encoding="utf-8"?>
 <p:sld xmlns:a="http://schemas.openxmlformats.org/drawingml/2006/main" xmlns:r="http://schemas.openxmlformats.org/officeDocument/2006/relationships" xmlns:p="http://schemas.openxmlformats.org/presentationml/2006/main">
   <p:cSld>
     <p:spTree>
@@ -4813,10 +5833,17 @@
   <p:clrMapOvr>
     <a:masterClrMapping/>
   </p:clrMapOvr>
+  <p:timing>
+    <p:tnLst>
+      <p:par>
+        <p:cTn id="1" dur="indefinite" restart="never" nodeType="tmRoot"/>
+      </p:par>
+    </p:tnLst>
+  </p:timing>
 </p:sld>
 </file>
 
-<file path=ppt/slides/slide16.xml><?xml version="1.0" encoding="utf-8"?>
+<file path=ppt/slides/slide19.xml><?xml version="1.0" encoding="utf-8"?>
 <p:sld xmlns:a="http://schemas.openxmlformats.org/drawingml/2006/main" xmlns:r="http://schemas.openxmlformats.org/officeDocument/2006/relationships" xmlns:p="http://schemas.openxmlformats.org/presentationml/2006/main">
   <p:cSld>
     <p:spTree>
@@ -4911,10 +5938,132 @@
   <p:clrMapOvr>
     <a:masterClrMapping/>
   </p:clrMapOvr>
+  <p:timing>
+    <p:tnLst>
+      <p:par>
+        <p:cTn id="1" dur="indefinite" restart="never" nodeType="tmRoot"/>
+      </p:par>
+    </p:tnLst>
+  </p:timing>
 </p:sld>
 </file>
 
-<file path=ppt/slides/slide17.xml><?xml version="1.0" encoding="utf-8"?>
+<file path=ppt/slides/slide2.xml><?xml version="1.0" encoding="utf-8"?>
+<p:sld xmlns:a="http://schemas.openxmlformats.org/drawingml/2006/main" xmlns:r="http://schemas.openxmlformats.org/officeDocument/2006/relationships" xmlns:p="http://schemas.openxmlformats.org/presentationml/2006/main">
+  <p:cSld>
+    <p:spTree>
+      <p:nvGrpSpPr>
+        <p:cNvPr id="1" name=""/>
+        <p:cNvGrpSpPr/>
+        <p:nvPr/>
+      </p:nvGrpSpPr>
+      <p:grpSpPr>
+        <a:xfrm>
+          <a:off x="0" y="0"/>
+          <a:ext cx="0" cy="0"/>
+          <a:chOff x="0" y="0"/>
+          <a:chExt cx="0" cy="0"/>
+        </a:xfrm>
+      </p:grpSpPr>
+      <p:sp>
+        <p:nvSpPr>
+          <p:cNvPr id="2" name="Title 1"/>
+          <p:cNvSpPr>
+            <a:spLocks noGrp="1"/>
+          </p:cNvSpPr>
+          <p:nvPr>
+            <p:ph type="title"/>
+          </p:nvPr>
+        </p:nvSpPr>
+        <p:spPr/>
+        <p:txBody>
+          <a:bodyPr/>
+          <a:lstStyle/>
+          <a:p>
+            <a:r>
+              <a:rPr lang="ru-RU" dirty="0" smtClean="0"/>
+              <a:t>Что такое срединная поверхность?</a:t>
+            </a:r>
+            <a:endParaRPr lang="ru-RU" dirty="0"/>
+          </a:p>
+        </p:txBody>
+      </p:sp>
+      <p:sp>
+        <p:nvSpPr>
+          <p:cNvPr id="3" name="Content Placeholder 2"/>
+          <p:cNvSpPr>
+            <a:spLocks noGrp="1"/>
+          </p:cNvSpPr>
+          <p:nvPr>
+            <p:ph idx="1"/>
+          </p:nvPr>
+        </p:nvSpPr>
+        <p:spPr>
+          <a:xfrm>
+            <a:off x="1249680" y="2545080"/>
+            <a:ext cx="9906000" cy="3324014"/>
+          </a:xfrm>
+        </p:spPr>
+        <p:txBody>
+          <a:bodyPr/>
+          <a:lstStyle/>
+          <a:p>
+            <a:r>
+              <a:rPr lang="ru-RU" dirty="0" smtClean="0"/>
+              <a:t>Срединная поверхность -  </a:t>
+            </a:r>
+            <a:r>
+              <a:rPr lang="ru-RU" dirty="0"/>
+              <a:t>это геметрическое место точек центров окружностей, вписанных в фигуру. </a:t>
+            </a:r>
+            <a:endParaRPr lang="ru-RU" dirty="0" smtClean="0"/>
+          </a:p>
+          <a:p>
+            <a:r>
+              <a:rPr lang="ru-RU" dirty="0"/>
+              <a:t>Поверхность, равноудалённая от внешних поверхностей оболочки или </a:t>
+            </a:r>
+            <a:r>
+              <a:rPr lang="ru-RU" smtClean="0"/>
+              <a:t>пластинки (тех</a:t>
+            </a:r>
+            <a:r>
+              <a:rPr lang="ru-RU" dirty="0" smtClean="0"/>
+              <a:t>. </a:t>
+            </a:r>
+            <a:r>
+              <a:rPr lang="ru-RU" dirty="0"/>
+              <a:t>с</a:t>
+            </a:r>
+            <a:r>
+              <a:rPr lang="ru-RU" dirty="0" smtClean="0"/>
+              <a:t>ловарь).</a:t>
+            </a:r>
+            <a:endParaRPr lang="ru-RU" dirty="0"/>
+          </a:p>
+        </p:txBody>
+      </p:sp>
+    </p:spTree>
+    <p:extLst>
+      <p:ext uri="{BB962C8B-B14F-4D97-AF65-F5344CB8AC3E}">
+        <p14:creationId xmlns:p14="http://schemas.microsoft.com/office/powerpoint/2010/main" val="4280655595"/>
+      </p:ext>
+    </p:extLst>
+  </p:cSld>
+  <p:clrMapOvr>
+    <a:masterClrMapping/>
+  </p:clrMapOvr>
+  <p:timing>
+    <p:tnLst>
+      <p:par>
+        <p:cTn id="1" dur="indefinite" restart="never" nodeType="tmRoot"/>
+      </p:par>
+    </p:tnLst>
+  </p:timing>
+</p:sld>
+</file>
+
+<file path=ppt/slides/slide20.xml><?xml version="1.0" encoding="utf-8"?>
 <p:sld xmlns:a="http://schemas.openxmlformats.org/drawingml/2006/main" xmlns:r="http://schemas.openxmlformats.org/officeDocument/2006/relationships" xmlns:p="http://schemas.openxmlformats.org/presentationml/2006/main">
   <p:cSld>
     <p:spTree>
@@ -5173,10 +6322,17 @@
   <p:clrMapOvr>
     <a:masterClrMapping/>
   </p:clrMapOvr>
+  <p:timing>
+    <p:tnLst>
+      <p:par>
+        <p:cTn id="1" dur="indefinite" restart="never" nodeType="tmRoot"/>
+      </p:par>
+    </p:tnLst>
+  </p:timing>
 </p:sld>
 </file>
 
-<file path=ppt/slides/slide18.xml><?xml version="1.0" encoding="utf-8"?>
+<file path=ppt/slides/slide21.xml><?xml version="1.0" encoding="utf-8"?>
 <p:sld xmlns:a="http://schemas.openxmlformats.org/drawingml/2006/main" xmlns:r="http://schemas.openxmlformats.org/officeDocument/2006/relationships" xmlns:p="http://schemas.openxmlformats.org/presentationml/2006/main">
   <p:cSld>
     <p:spTree>
@@ -5351,10 +6507,17 @@
   <p:clrMapOvr>
     <a:masterClrMapping/>
   </p:clrMapOvr>
+  <p:timing>
+    <p:tnLst>
+      <p:par>
+        <p:cTn id="1" dur="indefinite" restart="never" nodeType="tmRoot"/>
+      </p:par>
+    </p:tnLst>
+  </p:timing>
 </p:sld>
 </file>
 
-<file path=ppt/slides/slide19.xml><?xml version="1.0" encoding="utf-8"?>
+<file path=ppt/slides/slide22.xml><?xml version="1.0" encoding="utf-8"?>
 <p:sld xmlns:a="http://schemas.openxmlformats.org/drawingml/2006/main" xmlns:r="http://schemas.openxmlformats.org/officeDocument/2006/relationships" xmlns:p="http://schemas.openxmlformats.org/presentationml/2006/main">
   <p:cSld>
     <p:spTree>
@@ -5441,10 +6604,17 @@
   <p:clrMapOvr>
     <a:masterClrMapping/>
   </p:clrMapOvr>
+  <p:timing>
+    <p:tnLst>
+      <p:par>
+        <p:cTn id="1" dur="indefinite" restart="never" nodeType="tmRoot"/>
+      </p:par>
+    </p:tnLst>
+  </p:timing>
 </p:sld>
 </file>
 
-<file path=ppt/slides/slide2.xml><?xml version="1.0" encoding="utf-8"?>
+<file path=ppt/slides/slide23.xml><?xml version="1.0" encoding="utf-8"?>
 <p:sld xmlns:a="http://schemas.openxmlformats.org/drawingml/2006/main" xmlns:r="http://schemas.openxmlformats.org/officeDocument/2006/relationships" xmlns:p="http://schemas.openxmlformats.org/presentationml/2006/main">
   <p:cSld>
     <p:spTree>
@@ -5463,7 +6633,7 @@
       </p:grpSpPr>
       <p:sp>
         <p:nvSpPr>
-          <p:cNvPr id="2" name="Title 1"/>
+          <p:cNvPr id="2" name="Заголовок 1"/>
           <p:cNvSpPr>
             <a:spLocks noGrp="1"/>
           </p:cNvSpPr>
@@ -5478,7 +6648,7 @@
           <a:p>
             <a:r>
               <a:rPr lang="ru-RU" dirty="0" smtClean="0"/>
-              <a:t>Для чего нужны срединные поверхности?</a:t>
+              <a:t>Результаты</a:t>
             </a:r>
             <a:endParaRPr lang="ru-RU" dirty="0"/>
           </a:p>
@@ -5486,7 +6656,7 @@
       </p:sp>
       <p:sp>
         <p:nvSpPr>
-          <p:cNvPr id="3" name="Content Placeholder 2"/>
+          <p:cNvPr id="3" name="Объект 2"/>
           <p:cNvSpPr>
             <a:spLocks noGrp="1"/>
           </p:cNvSpPr>
@@ -5501,57 +6671,7 @@
           <a:p>
             <a:r>
               <a:rPr lang="ru-RU" dirty="0" smtClean="0"/>
-              <a:t>Срединная поверхность -  </a:t>
-            </a:r>
-            <a:r>
-              <a:rPr lang="ru-RU" dirty="0"/>
-              <a:t>это геметрическое место точек центров окружностей, вписанных в фигуру. </a:t>
-            </a:r>
-          </a:p>
-          <a:p>
-            <a:r>
-              <a:rPr lang="ru-RU" dirty="0" smtClean="0"/>
-              <a:t>Построение срединных поверхностей позволяет свести к минимуму </a:t>
-            </a:r>
-            <a:r>
-              <a:rPr lang="ru-RU" dirty="0"/>
-              <a:t>проблему сложности</a:t>
-            </a:r>
-            <a:r>
-              <a:rPr lang="ru-RU" dirty="0" smtClean="0"/>
-              <a:t> </a:t>
-            </a:r>
-            <a:r>
-              <a:rPr lang="ru-RU" dirty="0"/>
-              <a:t>моделирования крупных </a:t>
-            </a:r>
-            <a:r>
-              <a:rPr lang="ru-RU" dirty="0" smtClean="0"/>
-              <a:t>систем, </a:t>
-            </a:r>
-            <a:r>
-              <a:rPr lang="ru-RU" dirty="0"/>
-              <a:t>состоящих из огромного числа взаимосвязанных 2</a:t>
-            </a:r>
-            <a:r>
-              <a:rPr lang="en-US" dirty="0"/>
-              <a:t>D</a:t>
-            </a:r>
-            <a:r>
-              <a:rPr lang="ru-RU" dirty="0" smtClean="0"/>
-              <a:t>-моделей.</a:t>
-            </a:r>
-          </a:p>
-          <a:p>
-            <a:r>
-              <a:rPr lang="ru-RU" dirty="0" smtClean="0"/>
-              <a:t>Срединные поверхности используются для упрощения вычислительной сложности расчетов на модели, для уменьшения временной сложности расчетов.</a:t>
-            </a:r>
-          </a:p>
-          <a:p>
-            <a:r>
-              <a:rPr lang="ru-RU" dirty="0" smtClean="0"/>
-              <a:t>По срединной поверхности возможно восстановление геометрии модели. </a:t>
+              <a:t>В общем надо разбивать на классы) И применять нужную стратегию для конкретного класса</a:t>
             </a:r>
             <a:endParaRPr lang="ru-RU" dirty="0"/>
           </a:p>
@@ -5560,7 +6680,7 @@
     </p:spTree>
     <p:extLst>
       <p:ext uri="{BB962C8B-B14F-4D97-AF65-F5344CB8AC3E}">
-        <p14:creationId xmlns:p14="http://schemas.microsoft.com/office/powerpoint/2010/main" val="4280655595"/>
+        <p14:creationId xmlns:p14="http://schemas.microsoft.com/office/powerpoint/2010/main" val="937997246"/>
       </p:ext>
     </p:extLst>
   </p:cSld>
@@ -5577,83 +6697,7 @@
 </p:sld>
 </file>
 
-<file path=ppt/slides/slide20.xml><?xml version="1.0" encoding="utf-8"?>
-<p:sld xmlns:a="http://schemas.openxmlformats.org/drawingml/2006/main" xmlns:r="http://schemas.openxmlformats.org/officeDocument/2006/relationships" xmlns:p="http://schemas.openxmlformats.org/presentationml/2006/main">
-  <p:cSld>
-    <p:spTree>
-      <p:nvGrpSpPr>
-        <p:cNvPr id="1" name=""/>
-        <p:cNvGrpSpPr/>
-        <p:nvPr/>
-      </p:nvGrpSpPr>
-      <p:grpSpPr>
-        <a:xfrm>
-          <a:off x="0" y="0"/>
-          <a:ext cx="0" cy="0"/>
-          <a:chOff x="0" y="0"/>
-          <a:chExt cx="0" cy="0"/>
-        </a:xfrm>
-      </p:grpSpPr>
-      <p:sp>
-        <p:nvSpPr>
-          <p:cNvPr id="2" name="Заголовок 1"/>
-          <p:cNvSpPr>
-            <a:spLocks noGrp="1"/>
-          </p:cNvSpPr>
-          <p:nvPr>
-            <p:ph type="title"/>
-          </p:nvPr>
-        </p:nvSpPr>
-        <p:spPr/>
-        <p:txBody>
-          <a:bodyPr/>
-          <a:lstStyle/>
-          <a:p>
-            <a:r>
-              <a:rPr lang="ru-RU" dirty="0" smtClean="0"/>
-              <a:t>Результаты</a:t>
-            </a:r>
-            <a:endParaRPr lang="ru-RU" dirty="0"/>
-          </a:p>
-        </p:txBody>
-      </p:sp>
-      <p:sp>
-        <p:nvSpPr>
-          <p:cNvPr id="3" name="Объект 2"/>
-          <p:cNvSpPr>
-            <a:spLocks noGrp="1"/>
-          </p:cNvSpPr>
-          <p:nvPr>
-            <p:ph idx="1"/>
-          </p:nvPr>
-        </p:nvSpPr>
-        <p:spPr/>
-        <p:txBody>
-          <a:bodyPr/>
-          <a:lstStyle/>
-          <a:p>
-            <a:r>
-              <a:rPr lang="ru-RU" dirty="0" smtClean="0"/>
-              <a:t>В общем надо разбивать на классы) И применять нужную стратегию для конкретного класса</a:t>
-            </a:r>
-            <a:endParaRPr lang="ru-RU" dirty="0"/>
-          </a:p>
-        </p:txBody>
-      </p:sp>
-    </p:spTree>
-    <p:extLst>
-      <p:ext uri="{BB962C8B-B14F-4D97-AF65-F5344CB8AC3E}">
-        <p14:creationId xmlns:p14="http://schemas.microsoft.com/office/powerpoint/2010/main" val="937997246"/>
-      </p:ext>
-    </p:extLst>
-  </p:cSld>
-  <p:clrMapOvr>
-    <a:masterClrMapping/>
-  </p:clrMapOvr>
-</p:sld>
-</file>
-
-<file path=ppt/slides/slide21.xml><?xml version="1.0" encoding="utf-8"?>
+<file path=ppt/slides/slide24.xml><?xml version="1.0" encoding="utf-8"?>
 <p:sld xmlns:a="http://schemas.openxmlformats.org/drawingml/2006/main" xmlns:r="http://schemas.openxmlformats.org/officeDocument/2006/relationships" xmlns:p="http://schemas.openxmlformats.org/presentationml/2006/main">
   <p:cSld>
     <p:spTree>
@@ -5761,60 +6805,75 @@
         </p:nvSpPr>
         <p:spPr/>
         <p:txBody>
-          <a:bodyPr>
-            <a:normAutofit/>
-          </a:bodyPr>
-          <a:lstStyle/>
-          <a:p>
-            <a:r>
-              <a:rPr lang="ru-RU" dirty="0" smtClean="0"/>
-              <a:t>Актуальность построения срединной поверхности</a:t>
-            </a:r>
-            <a:endParaRPr lang="ru-RU" dirty="0"/>
-          </a:p>
-        </p:txBody>
-      </p:sp>
-      <p:sp>
-        <p:nvSpPr>
-          <p:cNvPr id="3" name="Content Placeholder 2"/>
-          <p:cNvSpPr>
-            <a:spLocks noGrp="1"/>
-          </p:cNvSpPr>
-          <p:nvPr>
-            <p:ph idx="1"/>
-          </p:nvPr>
-        </p:nvSpPr>
-        <p:spPr/>
-        <p:txBody>
           <a:bodyPr/>
           <a:lstStyle/>
           <a:p>
-            <a:endParaRPr lang="ru-RU" dirty="0" smtClean="0"/>
-          </a:p>
-          <a:p>
-            <a:pPr lvl="1">
-              <a:buFont typeface="Arial" panose="020B0604020202020204" pitchFamily="34" charset="0"/>
-              <a:buChar char="•"/>
-            </a:pPr>
-            <a:endParaRPr lang="ru-RU" sz="2000" dirty="0" smtClean="0"/>
-          </a:p>
-          <a:p>
-            <a:pPr lvl="1">
-              <a:buFont typeface="Arial" panose="020B0604020202020204" pitchFamily="34" charset="0"/>
-              <a:buChar char="•"/>
-            </a:pPr>
-            <a:r>
-              <a:rPr lang="ru-RU" sz="2400" dirty="0" smtClean="0"/>
-              <a:t>Актуальность предопределена широкой важностью проблем, решаемых использованием построенной срединной поверхности вместо оригинальной модели.</a:t>
-            </a:r>
-            <a:endParaRPr lang="ru-RU" sz="2400" dirty="0"/>
+            <a:r>
+              <a:rPr lang="ru-RU" dirty="0" smtClean="0"/>
+              <a:t>Для чего нужны срединные поверхности?</a:t>
+            </a:r>
+            <a:endParaRPr lang="ru-RU" dirty="0"/>
+          </a:p>
+        </p:txBody>
+      </p:sp>
+      <p:sp>
+        <p:nvSpPr>
+          <p:cNvPr id="3" name="Content Placeholder 2"/>
+          <p:cNvSpPr>
+            <a:spLocks noGrp="1"/>
+          </p:cNvSpPr>
+          <p:nvPr>
+            <p:ph idx="1"/>
+          </p:nvPr>
+        </p:nvSpPr>
+        <p:spPr>
+          <a:xfrm>
+            <a:off x="1219200" y="2560320"/>
+            <a:ext cx="9936480" cy="3308774"/>
+          </a:xfrm>
+        </p:spPr>
+        <p:txBody>
+          <a:bodyPr/>
+          <a:lstStyle/>
+          <a:p>
+            <a:r>
+              <a:rPr lang="ru-RU" dirty="0" smtClean="0"/>
+              <a:t>Построение </a:t>
+            </a:r>
+            <a:r>
+              <a:rPr lang="ru-RU" dirty="0"/>
+              <a:t>срединных поверхностей позволяет свести к минимуму проблему сложности моделирования крупных систем, состоящих из огромного числа взаимосвязанных 2</a:t>
+            </a:r>
+            <a:r>
+              <a:rPr lang="en-US" dirty="0"/>
+              <a:t>D</a:t>
+            </a:r>
+            <a:r>
+              <a:rPr lang="ru-RU" dirty="0"/>
+              <a:t>-моделей.</a:t>
+            </a:r>
+          </a:p>
+          <a:p>
+            <a:r>
+              <a:rPr lang="ru-RU" dirty="0"/>
+              <a:t>Срединные поверхности используются для упрощения вычислительной сложности расчетов на модели, для уменьшения временной сложности расчетов.</a:t>
+            </a:r>
+          </a:p>
+          <a:p>
+            <a:r>
+              <a:rPr lang="ru-RU" dirty="0"/>
+              <a:t>По срединной поверхности возможно восстановление геометрии модели. </a:t>
+            </a:r>
+          </a:p>
+          <a:p>
+            <a:endParaRPr lang="ru-RU" dirty="0"/>
           </a:p>
         </p:txBody>
       </p:sp>
     </p:spTree>
     <p:extLst>
       <p:ext uri="{BB962C8B-B14F-4D97-AF65-F5344CB8AC3E}">
-        <p14:creationId xmlns:p14="http://schemas.microsoft.com/office/powerpoint/2010/main" val="2281908171"/>
+        <p14:creationId xmlns:p14="http://schemas.microsoft.com/office/powerpoint/2010/main" val="2557547898"/>
       </p:ext>
     </p:extLst>
   </p:cSld>
@@ -5860,34 +6919,6 @@
         </p:nvSpPr>
         <p:spPr/>
         <p:txBody>
-          <a:bodyPr/>
-          <a:lstStyle/>
-          <a:p>
-            <a:r>
-              <a:rPr lang="ru-RU" dirty="0" smtClean="0"/>
-              <a:t>Проблемы построения срединной поверхности</a:t>
-            </a:r>
-            <a:endParaRPr lang="ru-RU" dirty="0"/>
-          </a:p>
-        </p:txBody>
-      </p:sp>
-      <p:sp>
-        <p:nvSpPr>
-          <p:cNvPr id="3" name="Content Placeholder 2"/>
-          <p:cNvSpPr>
-            <a:spLocks noGrp="1"/>
-          </p:cNvSpPr>
-          <p:nvPr>
-            <p:ph idx="1"/>
-          </p:nvPr>
-        </p:nvSpPr>
-        <p:spPr>
-          <a:xfrm>
-            <a:off x="1097280" y="1737360"/>
-            <a:ext cx="10058400" cy="4131734"/>
-          </a:xfrm>
-        </p:spPr>
-        <p:txBody>
           <a:bodyPr>
             <a:normAutofit/>
           </a:bodyPr>
@@ -5895,121 +6926,57 @@
           <a:p>
             <a:r>
               <a:rPr lang="ru-RU" dirty="0" smtClean="0"/>
-              <a:t>Проблемы построения </a:t>
-            </a:r>
-            <a:r>
-              <a:rPr lang="ru-RU" dirty="0"/>
-              <a:t>срединных поверхностей </a:t>
+              <a:t>Актуальность построения срединной </a:t>
             </a:r>
             <a:r>
               <a:rPr lang="ru-RU" dirty="0" smtClean="0"/>
-              <a:t>возникают </a:t>
-            </a:r>
-            <a:r>
-              <a:rPr lang="ru-RU" dirty="0"/>
-              <a:t>из-за различных изгибов исходной модели, при </a:t>
-            </a:r>
-            <a:r>
-              <a:rPr lang="ru-RU" dirty="0" smtClean="0"/>
-              <a:t>котором оно будет </a:t>
-            </a:r>
-            <a:r>
-              <a:rPr lang="ru-RU" dirty="0"/>
-              <a:t>неоднозначным.</a:t>
-            </a:r>
-          </a:p>
-          <a:p>
-            <a:r>
-              <a:rPr lang="ru-RU" dirty="0" smtClean="0"/>
-              <a:t>Из чего вытекает основная проблема -  </a:t>
-            </a:r>
-            <a:r>
-              <a:rPr lang="ru-RU" b="1" dirty="0" smtClean="0"/>
-              <a:t>неавтоматизированное построение срединной поверхности</a:t>
-            </a:r>
-            <a:r>
-              <a:rPr lang="ru-RU" dirty="0" smtClean="0"/>
-              <a:t>. Участие человека </a:t>
-            </a:r>
-            <a:r>
-              <a:rPr lang="ru-RU" dirty="0"/>
-              <a:t>носит систематический характер. </a:t>
-            </a:r>
-          </a:p>
-          <a:p>
-            <a:r>
-              <a:rPr lang="ru-RU" dirty="0"/>
-              <a:t>Процесс построения сводится к тому, что оператор вынужден шаг за шагом упрощать </a:t>
-            </a:r>
-            <a:r>
-              <a:rPr lang="ru-RU" dirty="0" smtClean="0"/>
-              <a:t>модель. </a:t>
-            </a:r>
-            <a:r>
-              <a:rPr lang="ru-RU" dirty="0"/>
-              <a:t>Н</a:t>
-            </a:r>
-            <a:r>
-              <a:rPr lang="ru-RU" dirty="0" smtClean="0"/>
-              <a:t>апример</a:t>
-            </a:r>
-            <a:r>
-              <a:rPr lang="ru-RU" dirty="0"/>
-              <a:t>, </a:t>
-            </a:r>
-            <a:r>
-              <a:rPr lang="ru-RU" dirty="0" smtClean="0"/>
-              <a:t>разрезать </a:t>
-            </a:r>
-            <a:r>
-              <a:rPr lang="ru-RU" dirty="0"/>
-              <a:t>её, заново </a:t>
-            </a:r>
-            <a:r>
-              <a:rPr lang="ru-RU" dirty="0" smtClean="0"/>
-              <a:t>выделять </a:t>
-            </a:r>
-            <a:r>
-              <a:rPr lang="ru-RU" dirty="0"/>
-              <a:t>в ней поверхности оболочки, и, после просмотра результата, принимать решение о том, корректна ли построена поверхность. В случае некорректно построенной срединной поверхности, процесс </a:t>
-            </a:r>
-            <a:r>
-              <a:rPr lang="ru-RU" dirty="0" smtClean="0"/>
-              <a:t>повторяется.</a:t>
-            </a:r>
-            <a:r>
-              <a:rPr lang="ru-RU" dirty="0"/>
-              <a:t> </a:t>
-            </a:r>
-          </a:p>
-          <a:p>
-            <a:r>
-              <a:rPr lang="ru-RU" dirty="0" smtClean="0"/>
-              <a:t>Когда </a:t>
-            </a:r>
-            <a:r>
-              <a:rPr lang="ru-RU" dirty="0"/>
-              <a:t>же таких моделей объектов действительно много, </a:t>
-            </a:r>
-            <a:r>
-              <a:rPr lang="ru-RU" b="1" dirty="0"/>
-              <a:t>оператор становится слабым звеном такого процесса, существенно замедляя его</a:t>
-            </a:r>
-            <a:r>
-              <a:rPr lang="ru-RU" dirty="0"/>
-              <a:t>, что также сказывается на качестве конечных работ.</a:t>
-            </a:r>
-            <a:r>
-              <a:rPr lang="ru-RU" sz="1800" dirty="0"/>
-              <a:t> </a:t>
-            </a:r>
+              <a:t>поверхности</a:t>
+            </a:r>
+            <a:endParaRPr lang="ru-RU" dirty="0"/>
+          </a:p>
+        </p:txBody>
+      </p:sp>
+      <p:sp>
+        <p:nvSpPr>
+          <p:cNvPr id="3" name="Content Placeholder 2"/>
+          <p:cNvSpPr>
+            <a:spLocks noGrp="1"/>
+          </p:cNvSpPr>
+          <p:nvPr>
+            <p:ph idx="1"/>
+          </p:nvPr>
+        </p:nvSpPr>
+        <p:spPr/>
+        <p:txBody>
+          <a:bodyPr/>
+          <a:lstStyle/>
+          <a:p>
+            <a:endParaRPr lang="ru-RU" dirty="0" smtClean="0"/>
+          </a:p>
+          <a:p>
+            <a:pPr lvl="1">
+              <a:buFont typeface="Arial" panose="020B0604020202020204" pitchFamily="34" charset="0"/>
+              <a:buChar char="•"/>
+            </a:pPr>
+            <a:endParaRPr lang="ru-RU" sz="2000" dirty="0" smtClean="0"/>
+          </a:p>
+          <a:p>
+            <a:pPr lvl="1">
+              <a:buFont typeface="Arial" panose="020B0604020202020204" pitchFamily="34" charset="0"/>
+              <a:buChar char="•"/>
+            </a:pPr>
+            <a:r>
+              <a:rPr lang="ru-RU" sz="2400" dirty="0" smtClean="0"/>
+              <a:t>Актуальность предопределена широкой важностью проблем, решаемых использованием построенной срединной поверхности вместо оригинальной модели.</a:t>
+            </a:r>
+            <a:endParaRPr lang="ru-RU" sz="2400" dirty="0"/>
           </a:p>
         </p:txBody>
       </p:sp>
     </p:spTree>
     <p:extLst>
       <p:ext uri="{BB962C8B-B14F-4D97-AF65-F5344CB8AC3E}">
-        <p14:creationId xmlns:p14="http://schemas.microsoft.com/office/powerpoint/2010/main" val="2177379195"/>
+        <p14:creationId xmlns:p14="http://schemas.microsoft.com/office/powerpoint/2010/main" val="2281908171"/>
       </p:ext>
     </p:extLst>
   </p:cSld>
@@ -6060,7 +7027,7 @@
           <a:p>
             <a:r>
               <a:rPr lang="ru-RU" dirty="0" smtClean="0"/>
-              <a:t>Наша цель</a:t>
+              <a:t>Проблемы построения срединной поверхности</a:t>
             </a:r>
             <a:endParaRPr lang="ru-RU" dirty="0"/>
           </a:p>
@@ -6076,41 +7043,143 @@
             <p:ph idx="1"/>
           </p:nvPr>
         </p:nvSpPr>
-        <p:spPr/>
-        <p:txBody>
-          <a:bodyPr/>
+        <p:spPr>
+          <a:xfrm>
+            <a:off x="1097280" y="1737360"/>
+            <a:ext cx="10058400" cy="4131734"/>
+          </a:xfrm>
+        </p:spPr>
+        <p:txBody>
+          <a:bodyPr>
+            <a:normAutofit/>
+          </a:bodyPr>
           <a:lstStyle/>
           <a:p>
-            <a:endParaRPr lang="ru-RU" dirty="0" smtClean="0"/>
-          </a:p>
-          <a:p>
-            <a:endParaRPr lang="ru-RU" dirty="0" smtClean="0"/>
-          </a:p>
-          <a:p>
-            <a:pPr lvl="1">
-              <a:buFont typeface="Arial" panose="020B0604020202020204" pitchFamily="34" charset="0"/>
-              <a:buChar char="•"/>
-            </a:pPr>
-            <a:r>
-              <a:rPr lang="ru-RU" sz="2400" dirty="0" smtClean="0"/>
-              <a:t> Нашей целью является автоматизация </a:t>
-            </a:r>
-            <a:r>
-              <a:rPr lang="ru-RU" sz="2400" dirty="0"/>
-              <a:t>процесса построения срединной поверхности для моделей тел в </a:t>
-            </a:r>
-            <a:r>
-              <a:rPr lang="ru-RU" sz="2400" dirty="0" smtClean="0"/>
-              <a:t>плоскости.</a:t>
-            </a:r>
-            <a:endParaRPr lang="ru-RU" sz="2400" dirty="0"/>
+            <a:r>
+              <a:rPr lang="ru-RU" dirty="0" smtClean="0"/>
+              <a:t>Проблемы построения </a:t>
+            </a:r>
+            <a:r>
+              <a:rPr lang="ru-RU" dirty="0"/>
+              <a:t>срединных поверхностей </a:t>
+            </a:r>
+            <a:r>
+              <a:rPr lang="ru-RU" dirty="0" smtClean="0"/>
+              <a:t>возникают </a:t>
+            </a:r>
+            <a:r>
+              <a:rPr lang="ru-RU" dirty="0"/>
+              <a:t>из-за различных изгибов исходной модели, при </a:t>
+            </a:r>
+            <a:r>
+              <a:rPr lang="ru-RU" dirty="0" smtClean="0"/>
+              <a:t>котором оно будет </a:t>
+            </a:r>
+            <a:r>
+              <a:rPr lang="ru-RU" dirty="0"/>
+              <a:t>неоднозначным.</a:t>
+            </a:r>
+          </a:p>
+          <a:p>
+            <a:r>
+              <a:rPr lang="ru-RU" dirty="0" smtClean="0"/>
+              <a:t>Из чего вытекает основная проблема -  </a:t>
+            </a:r>
+            <a:r>
+              <a:rPr lang="ru-RU" b="1" dirty="0" smtClean="0"/>
+              <a:t>неавтоматизированное построение срединной поверхности</a:t>
+            </a:r>
+            <a:r>
+              <a:rPr lang="ru-RU" dirty="0" smtClean="0"/>
+              <a:t>. Участие человека </a:t>
+            </a:r>
+            <a:r>
+              <a:rPr lang="ru-RU" dirty="0"/>
+              <a:t>носит систематический характер. </a:t>
+            </a:r>
+          </a:p>
+          <a:p>
+            <a:r>
+              <a:rPr lang="ru-RU" dirty="0"/>
+              <a:t>Процесс построения сводится к тому, что оператор вынужден шаг за шагом упрощать </a:t>
+            </a:r>
+            <a:r>
+              <a:rPr lang="ru-RU" dirty="0" smtClean="0"/>
+              <a:t>модель. </a:t>
+            </a:r>
+            <a:r>
+              <a:rPr lang="ru-RU" dirty="0"/>
+              <a:t>Н</a:t>
+            </a:r>
+            <a:r>
+              <a:rPr lang="ru-RU" dirty="0" smtClean="0"/>
+              <a:t>апример</a:t>
+            </a:r>
+            <a:r>
+              <a:rPr lang="ru-RU" dirty="0"/>
+              <a:t>, </a:t>
+            </a:r>
+            <a:r>
+              <a:rPr lang="ru-RU" dirty="0" smtClean="0"/>
+              <a:t>разрезать </a:t>
+            </a:r>
+            <a:r>
+              <a:rPr lang="ru-RU" dirty="0"/>
+              <a:t>её, заново </a:t>
+            </a:r>
+            <a:r>
+              <a:rPr lang="ru-RU" dirty="0" smtClean="0"/>
+              <a:t>выделять </a:t>
+            </a:r>
+            <a:r>
+              <a:rPr lang="ru-RU" dirty="0"/>
+              <a:t>в ней поверхности оболочки, и, после просмотра результата, принимать решение о том, корректна ли построена поверхность. В случае некорректно построенной срединной </a:t>
+            </a:r>
+            <a:r>
+              <a:rPr lang="ru-RU" dirty="0" smtClean="0"/>
+              <a:t>поверхности </a:t>
+            </a:r>
+            <a:r>
+              <a:rPr lang="ru-RU" dirty="0"/>
+              <a:t>процесс </a:t>
+            </a:r>
+            <a:r>
+              <a:rPr lang="ru-RU" dirty="0" smtClean="0"/>
+              <a:t>повторяется.</a:t>
+            </a:r>
+            <a:r>
+              <a:rPr lang="ru-RU" dirty="0"/>
+              <a:t> </a:t>
+            </a:r>
+          </a:p>
+          <a:p>
+            <a:r>
+              <a:rPr lang="ru-RU" dirty="0" smtClean="0"/>
+              <a:t>Когда </a:t>
+            </a:r>
+            <a:r>
+              <a:rPr lang="ru-RU" dirty="0"/>
+              <a:t>же таких моделей объектов действительно много, </a:t>
+            </a:r>
+            <a:r>
+              <a:rPr lang="ru-RU" b="1" dirty="0"/>
+              <a:t>оператор становится слабым звеном такого процесса, существенно замедляя его</a:t>
+            </a:r>
+            <a:r>
+              <a:rPr lang="ru-RU" dirty="0"/>
+              <a:t>, что также сказывается на качестве конечных работ.</a:t>
+            </a:r>
+            <a:r>
+              <a:rPr lang="ru-RU" sz="1800" dirty="0"/>
+              <a:t> </a:t>
+            </a:r>
           </a:p>
         </p:txBody>
       </p:sp>
     </p:spTree>
     <p:extLst>
       <p:ext uri="{BB962C8B-B14F-4D97-AF65-F5344CB8AC3E}">
-        <p14:creationId xmlns:p14="http://schemas.microsoft.com/office/powerpoint/2010/main" val="355394922"/>
+        <p14:creationId xmlns:p14="http://schemas.microsoft.com/office/powerpoint/2010/main" val="2177379195"/>
       </p:ext>
     </p:extLst>
   </p:cSld>
@@ -6161,731 +7230,57 @@
           <a:p>
             <a:r>
               <a:rPr lang="ru-RU" dirty="0" smtClean="0"/>
-              <a:t>Постановка задачи</a:t>
+              <a:t>Наша цель</a:t>
             </a:r>
             <a:endParaRPr lang="ru-RU" dirty="0"/>
           </a:p>
         </p:txBody>
       </p:sp>
-      <mc:AlternateContent xmlns:mc="http://schemas.openxmlformats.org/markup-compatibility/2006" xmlns:a14="http://schemas.microsoft.com/office/drawing/2010/main">
-        <mc:Choice Requires="a14">
-          <p:sp>
-            <p:nvSpPr>
-              <p:cNvPr id="3" name="Content Placeholder 2"/>
-              <p:cNvSpPr>
-                <a:spLocks noGrp="1"/>
-              </p:cNvSpPr>
-              <p:nvPr>
-                <p:ph idx="1"/>
-              </p:nvPr>
-            </p:nvSpPr>
-            <p:spPr/>
-            <p:txBody>
-              <a:bodyPr>
-                <a:normAutofit fontScale="25000" lnSpcReduction="20000"/>
-              </a:bodyPr>
-              <a:lstStyle/>
-              <a:p>
-                <a:r>
-                  <a:rPr lang="ru-RU" sz="5500" b="1" dirty="0" smtClean="0"/>
-                  <a:t>Математическая модель</a:t>
-                </a:r>
-                <a:endParaRPr lang="ru-RU" sz="5500" dirty="0"/>
-              </a:p>
-              <a:p>
-                <a:pPr lvl="0"/>
-                <a:r>
-                  <a:rPr lang="ru-RU" sz="5500" i="1" dirty="0"/>
-                  <a:t>Исходные </a:t>
-                </a:r>
-                <a:r>
-                  <a:rPr lang="ru-RU" sz="5500" i="1" dirty="0" smtClean="0"/>
-                  <a:t>данные:</a:t>
-                </a:r>
-                <a:endParaRPr lang="ru-RU" sz="5500" i="1" dirty="0"/>
-              </a:p>
-              <a:p>
-                <a:pPr lvl="0"/>
-                <a:r>
-                  <a:rPr lang="ru-RU" sz="5500" dirty="0" smtClean="0"/>
-                  <a:t>Есть контур фигуры. Контур состоит </a:t>
-                </a:r>
-                <a:r>
-                  <a:rPr lang="ru-RU" sz="5500" dirty="0"/>
-                  <a:t>из сегментов, представляющих собой кривые Безье до 3-го порядка и точек соединения этих сегментов.</a:t>
-                </a:r>
-              </a:p>
-              <a:p>
-                <a:r>
-                  <a:rPr lang="en-US" sz="5500" dirty="0"/>
-                  <a:t>K</a:t>
-                </a:r>
-                <a:r>
-                  <a:rPr lang="ru-RU" sz="5500" dirty="0"/>
-                  <a:t> = {</a:t>
-                </a:r>
-                <a:r>
-                  <a:rPr lang="en-US" sz="5500" dirty="0"/>
-                  <a:t>S</a:t>
-                </a:r>
-                <a:r>
-                  <a:rPr lang="ru-RU" sz="5500" dirty="0"/>
-                  <a:t>,</a:t>
-                </a:r>
-                <a:r>
-                  <a:rPr lang="en-US" sz="5500" dirty="0"/>
-                  <a:t>V</a:t>
-                </a:r>
-                <a:r>
-                  <a:rPr lang="ru-RU" sz="5500" dirty="0"/>
-                  <a:t>}, где </a:t>
-                </a:r>
-                <a:r>
-                  <a:rPr lang="en-US" sz="5500" dirty="0"/>
-                  <a:t>S </a:t>
-                </a:r>
-                <a:r>
-                  <a:rPr lang="ru-RU" sz="5500" dirty="0"/>
-                  <a:t>– множество сегментов, </a:t>
-                </a:r>
-                <a:r>
-                  <a:rPr lang="en-US" sz="5500" dirty="0"/>
-                  <a:t>V </a:t>
-                </a:r>
-                <a:r>
-                  <a:rPr lang="ru-RU" sz="5500" dirty="0"/>
-                  <a:t>– множество точек соединения</a:t>
-                </a:r>
-              </a:p>
-              <a:p>
-                <a:pPr lvl="0"/>
-                <a:r>
-                  <a:rPr lang="ru-RU" sz="5500" dirty="0"/>
-                  <a:t>Точность разбиения контура на отрезки </a:t>
-                </a:r>
-                <a:r>
-                  <a:rPr lang="ru-RU" sz="5500" dirty="0" smtClean="0"/>
-                  <a:t>- </a:t>
-                </a:r>
-                <a14:m>
-                  <m:oMath xmlns:m="http://schemas.openxmlformats.org/officeDocument/2006/math">
-                    <m:sSub>
-                      <m:sSubPr>
-                        <m:ctrlPr>
-                          <a:rPr lang="ru-RU" sz="5500" i="1">
-                            <a:latin typeface="Cambria Math"/>
-                          </a:rPr>
-                        </m:ctrlPr>
-                      </m:sSubPr>
-                      <m:e>
-                        <m:r>
-                          <a:rPr lang="ru-RU" sz="5500" i="1">
-                            <a:latin typeface="Cambria Math" panose="02040503050406030204" pitchFamily="18" charset="0"/>
-                          </a:rPr>
-                          <m:t>𝑘</m:t>
-                        </m:r>
-                      </m:e>
-                      <m:sub>
-                        <m:r>
-                          <a:rPr lang="ru-RU" sz="5500" i="1">
-                            <a:latin typeface="Cambria Math" panose="02040503050406030204" pitchFamily="18" charset="0"/>
-                          </a:rPr>
-                          <m:t>1</m:t>
-                        </m:r>
-                      </m:sub>
-                    </m:sSub>
-                    <m:r>
-                      <a:rPr lang="ru-RU" sz="5500" b="0" i="1" smtClean="0">
-                        <a:latin typeface="Cambria Math" panose="02040503050406030204" pitchFamily="18" charset="0"/>
-                      </a:rPr>
-                      <m:t>.</m:t>
-                    </m:r>
-                  </m:oMath>
-                </a14:m>
-                <a:endParaRPr lang="ru-RU" sz="5500" dirty="0"/>
-              </a:p>
-              <a:p>
-                <a:pPr lvl="0"/>
-                <a:r>
-                  <a:rPr lang="ru-RU" sz="5500" dirty="0"/>
-                  <a:t>Точность построения срединной поверхности </a:t>
-                </a:r>
-                <a14:m>
-                  <m:oMath xmlns:m="http://schemas.openxmlformats.org/officeDocument/2006/math">
-                    <m:sSub>
-                      <m:sSubPr>
-                        <m:ctrlPr>
-                          <a:rPr lang="ru-RU" sz="5500" i="1">
-                            <a:latin typeface="Cambria Math"/>
-                          </a:rPr>
-                        </m:ctrlPr>
-                      </m:sSubPr>
-                      <m:e>
-                        <m:r>
-                          <a:rPr lang="en-US" sz="5500" i="1">
-                            <a:latin typeface="Cambria Math" panose="02040503050406030204" pitchFamily="18" charset="0"/>
-                          </a:rPr>
-                          <m:t>𝑘</m:t>
-                        </m:r>
-                      </m:e>
-                      <m:sub>
-                        <m:r>
-                          <a:rPr lang="ru-RU" sz="5500" i="1">
-                            <a:latin typeface="Cambria Math" panose="02040503050406030204" pitchFamily="18" charset="0"/>
-                          </a:rPr>
-                          <m:t>2</m:t>
-                        </m:r>
-                      </m:sub>
-                    </m:sSub>
-                  </m:oMath>
-                </a14:m>
-                <a:r>
-                  <a:rPr lang="ru-RU" sz="5500" dirty="0" smtClean="0"/>
-                  <a:t>.</a:t>
-                </a:r>
-                <a:endParaRPr lang="ru-RU" sz="5500" dirty="0"/>
-              </a:p>
-              <a:p>
-                <a:pPr lvl="0"/>
-                <a:r>
-                  <a:rPr lang="ru-RU" sz="5500" dirty="0"/>
-                  <a:t>Решением задачи является построенная срединная поверхность</a:t>
-                </a:r>
-              </a:p>
-              <a:p>
-                <a:r>
-                  <a:rPr lang="en-US" sz="5500" dirty="0"/>
-                  <a:t>X</a:t>
-                </a:r>
-                <a:r>
-                  <a:rPr lang="ru-RU" sz="5500" dirty="0"/>
-                  <a:t> = {</a:t>
-                </a:r>
-                <a14:m>
-                  <m:oMath xmlns:m="http://schemas.openxmlformats.org/officeDocument/2006/math">
-                    <m:sSub>
-                      <m:sSubPr>
-                        <m:ctrlPr>
-                          <a:rPr lang="ru-RU" sz="5500" i="1">
-                            <a:latin typeface="Cambria Math"/>
-                          </a:rPr>
-                        </m:ctrlPr>
-                      </m:sSubPr>
-                      <m:e>
-                        <m:r>
-                          <a:rPr lang="en-US" sz="5500" i="1">
-                            <a:latin typeface="Cambria Math" panose="02040503050406030204" pitchFamily="18" charset="0"/>
-                          </a:rPr>
-                          <m:t>𝑥</m:t>
-                        </m:r>
-                      </m:e>
-                      <m:sub>
-                        <m:r>
-                          <a:rPr lang="ru-RU" sz="5500" i="1">
-                            <a:latin typeface="Cambria Math" panose="02040503050406030204" pitchFamily="18" charset="0"/>
-                          </a:rPr>
-                          <m:t>1</m:t>
-                        </m:r>
-                      </m:sub>
-                    </m:sSub>
-                    <m:r>
-                      <a:rPr lang="ru-RU" sz="5500" i="1">
-                        <a:latin typeface="Cambria Math" panose="02040503050406030204" pitchFamily="18" charset="0"/>
-                      </a:rPr>
-                      <m:t>,</m:t>
-                    </m:r>
-                    <m:sSub>
-                      <m:sSubPr>
-                        <m:ctrlPr>
-                          <a:rPr lang="ru-RU" sz="5500" i="1">
-                            <a:latin typeface="Cambria Math"/>
-                          </a:rPr>
-                        </m:ctrlPr>
-                      </m:sSubPr>
-                      <m:e>
-                        <m:r>
-                          <a:rPr lang="en-US" sz="5500" i="1">
-                            <a:latin typeface="Cambria Math" panose="02040503050406030204" pitchFamily="18" charset="0"/>
-                          </a:rPr>
-                          <m:t>𝑥</m:t>
-                        </m:r>
-                      </m:e>
-                      <m:sub>
-                        <m:r>
-                          <a:rPr lang="ru-RU" sz="5500" i="1">
-                            <a:latin typeface="Cambria Math" panose="02040503050406030204" pitchFamily="18" charset="0"/>
-                          </a:rPr>
-                          <m:t>2</m:t>
-                        </m:r>
-                      </m:sub>
-                    </m:sSub>
-                    <m:r>
-                      <a:rPr lang="ru-RU" sz="5500" i="1">
-                        <a:latin typeface="Cambria Math" panose="02040503050406030204" pitchFamily="18" charset="0"/>
-                      </a:rPr>
-                      <m:t>,…,</m:t>
-                    </m:r>
-                    <m:sSub>
-                      <m:sSubPr>
-                        <m:ctrlPr>
-                          <a:rPr lang="ru-RU" sz="5500" i="1">
-                            <a:latin typeface="Cambria Math"/>
-                          </a:rPr>
-                        </m:ctrlPr>
-                      </m:sSubPr>
-                      <m:e>
-                        <m:r>
-                          <a:rPr lang="en-US" sz="5500" i="1">
-                            <a:latin typeface="Cambria Math" panose="02040503050406030204" pitchFamily="18" charset="0"/>
-                          </a:rPr>
-                          <m:t>𝑥</m:t>
-                        </m:r>
-                      </m:e>
-                      <m:sub>
-                        <m:r>
-                          <a:rPr lang="en-US" sz="5500" i="1">
-                            <a:latin typeface="Cambria Math" panose="02040503050406030204" pitchFamily="18" charset="0"/>
-                          </a:rPr>
-                          <m:t>𝑛</m:t>
-                        </m:r>
-                      </m:sub>
-                    </m:sSub>
-                  </m:oMath>
-                </a14:m>
-                <a:r>
-                  <a:rPr lang="ru-RU" sz="5500" dirty="0"/>
-                  <a:t>}, где </a:t>
-                </a:r>
-                <a14:m>
-                  <m:oMath xmlns:m="http://schemas.openxmlformats.org/officeDocument/2006/math">
-                    <m:sSub>
-                      <m:sSubPr>
-                        <m:ctrlPr>
-                          <a:rPr lang="ru-RU" sz="5500" i="1">
-                            <a:latin typeface="Cambria Math"/>
-                          </a:rPr>
-                        </m:ctrlPr>
-                      </m:sSubPr>
-                      <m:e>
-                        <m:r>
-                          <a:rPr lang="en-US" sz="5500" i="1">
-                            <a:latin typeface="Cambria Math" panose="02040503050406030204" pitchFamily="18" charset="0"/>
-                          </a:rPr>
-                          <m:t>𝑥</m:t>
-                        </m:r>
-                      </m:e>
-                      <m:sub>
-                        <m:r>
-                          <a:rPr lang="ru-RU" sz="5500" i="1">
-                            <a:latin typeface="Cambria Math" panose="02040503050406030204" pitchFamily="18" charset="0"/>
-                          </a:rPr>
-                          <m:t>𝑖</m:t>
-                        </m:r>
-                      </m:sub>
-                    </m:sSub>
-                  </m:oMath>
-                </a14:m>
-                <a:r>
-                  <a:rPr lang="ru-RU" sz="5500" dirty="0"/>
-                  <a:t> – точка срединной поверхности</a:t>
-                </a:r>
-              </a:p>
-              <a:p>
-                <a:pPr lvl="0"/>
-                <a:r>
-                  <a:rPr lang="ru-RU" sz="5500" i="1" dirty="0"/>
-                  <a:t>Ограничения </a:t>
-                </a:r>
-                <a:r>
-                  <a:rPr lang="ru-RU" sz="5500" i="1" dirty="0" smtClean="0"/>
-                  <a:t>задачи:</a:t>
-                </a:r>
-                <a:endParaRPr lang="ru-RU" sz="5500" i="1" dirty="0"/>
-              </a:p>
-              <a:p>
-                <a:r>
-                  <a:rPr lang="ru-RU" sz="5500" dirty="0"/>
-                  <a:t>Пусть </a:t>
-                </a:r>
-                <a14:m>
-                  <m:oMath xmlns:m="http://schemas.openxmlformats.org/officeDocument/2006/math">
-                    <m:sSub>
-                      <m:sSubPr>
-                        <m:ctrlPr>
-                          <a:rPr lang="ru-RU" sz="5500" i="1">
-                            <a:latin typeface="Cambria Math"/>
-                          </a:rPr>
-                        </m:ctrlPr>
-                      </m:sSubPr>
-                      <m:e>
-                        <m:r>
-                          <a:rPr lang="ru-RU" sz="5500" i="1">
-                            <a:latin typeface="Cambria Math" panose="02040503050406030204" pitchFamily="18" charset="0"/>
-                          </a:rPr>
-                          <m:t>𝑥</m:t>
-                        </m:r>
-                      </m:e>
-                      <m:sub>
-                        <m:r>
-                          <a:rPr lang="en-US" sz="5500" i="1">
-                            <a:latin typeface="Cambria Math" panose="02040503050406030204" pitchFamily="18" charset="0"/>
-                          </a:rPr>
-                          <m:t>𝑗</m:t>
-                        </m:r>
-                      </m:sub>
-                    </m:sSub>
-                  </m:oMath>
-                </a14:m>
-                <a:r>
-                  <a:rPr lang="ru-RU" sz="5500" dirty="0"/>
-                  <a:t> – точка срединной поверхности. Тогда </a:t>
-                </a:r>
-                <a:r>
-                  <a:rPr lang="en-US" sz="5500" dirty="0"/>
-                  <a:t>C</a:t>
-                </a:r>
-                <a:r>
-                  <a:rPr lang="ru-RU" sz="5500" dirty="0"/>
-                  <a:t> – множество точек, равноудалённых от точки </a:t>
-                </a:r>
-                <a14:m>
-                  <m:oMath xmlns:m="http://schemas.openxmlformats.org/officeDocument/2006/math">
-                    <m:sSub>
-                      <m:sSubPr>
-                        <m:ctrlPr>
-                          <a:rPr lang="ru-RU" sz="5500" i="1">
-                            <a:latin typeface="Cambria Math"/>
-                          </a:rPr>
-                        </m:ctrlPr>
-                      </m:sSubPr>
-                      <m:e>
-                        <m:r>
-                          <a:rPr lang="ru-RU" sz="5500" i="1">
-                            <a:latin typeface="Cambria Math" panose="02040503050406030204" pitchFamily="18" charset="0"/>
-                          </a:rPr>
-                          <m:t>𝑥</m:t>
-                        </m:r>
-                      </m:e>
-                      <m:sub>
-                        <m:r>
-                          <a:rPr lang="ru-RU" sz="5500" i="1">
-                            <a:latin typeface="Cambria Math" panose="02040503050406030204" pitchFamily="18" charset="0"/>
-                          </a:rPr>
-                          <m:t>𝑗</m:t>
-                        </m:r>
-                      </m:sub>
-                    </m:sSub>
-                  </m:oMath>
-                </a14:m>
-                <a:r>
-                  <a:rPr lang="ru-RU" sz="5500" dirty="0"/>
-                  <a:t> на расстояние </a:t>
-                </a:r>
-                <a:r>
-                  <a:rPr lang="en-US" sz="5500" dirty="0"/>
-                  <a:t>R</a:t>
-                </a:r>
-                <a:r>
-                  <a:rPr lang="ru-RU" sz="5500" dirty="0"/>
-                  <a:t>.</a:t>
-                </a:r>
-              </a:p>
-              <a:p>
-                <a14:m>
-                  <m:oMath xmlns:m="http://schemas.openxmlformats.org/officeDocument/2006/math">
-                    <m:r>
-                      <a:rPr lang="ru-RU" sz="5500" i="1">
-                        <a:latin typeface="Cambria Math" panose="02040503050406030204" pitchFamily="18" charset="0"/>
-                      </a:rPr>
-                      <m:t>𝐶</m:t>
-                    </m:r>
-                    <m:r>
-                      <a:rPr lang="ru-RU" sz="5500" i="1">
-                        <a:latin typeface="Cambria Math" panose="02040503050406030204" pitchFamily="18" charset="0"/>
-                      </a:rPr>
-                      <m:t>∩</m:t>
-                    </m:r>
-                    <m:r>
-                      <a:rPr lang="ru-RU" sz="5500" i="1">
-                        <a:latin typeface="Cambria Math" panose="02040503050406030204" pitchFamily="18" charset="0"/>
-                      </a:rPr>
-                      <m:t>𝐾</m:t>
-                    </m:r>
-                    <m:r>
-                      <a:rPr lang="ru-RU" sz="5500" i="1">
-                        <a:latin typeface="Cambria Math" panose="02040503050406030204" pitchFamily="18" charset="0"/>
-                      </a:rPr>
-                      <m:t>={</m:t>
-                    </m:r>
-                    <m:sSub>
-                      <m:sSubPr>
-                        <m:ctrlPr>
-                          <a:rPr lang="ru-RU" sz="5500" i="1">
-                            <a:latin typeface="Cambria Math"/>
-                          </a:rPr>
-                        </m:ctrlPr>
-                      </m:sSubPr>
-                      <m:e>
-                        <m:r>
-                          <a:rPr lang="ru-RU" sz="5500" i="1">
-                            <a:latin typeface="Cambria Math" panose="02040503050406030204" pitchFamily="18" charset="0"/>
-                          </a:rPr>
-                          <m:t>𝑥</m:t>
-                        </m:r>
-                      </m:e>
-                      <m:sub>
-                        <m:r>
-                          <a:rPr lang="ru-RU" sz="5500" i="1">
-                            <a:latin typeface="Cambria Math" panose="02040503050406030204" pitchFamily="18" charset="0"/>
-                          </a:rPr>
-                          <m:t>1</m:t>
-                        </m:r>
-                      </m:sub>
-                    </m:sSub>
-                    <m:r>
-                      <a:rPr lang="ru-RU" sz="5500" i="1">
-                        <a:latin typeface="Cambria Math" panose="02040503050406030204" pitchFamily="18" charset="0"/>
-                      </a:rPr>
-                      <m:t>,…,</m:t>
-                    </m:r>
-                    <m:sSub>
-                      <m:sSubPr>
-                        <m:ctrlPr>
-                          <a:rPr lang="ru-RU" sz="5500" i="1">
-                            <a:latin typeface="Cambria Math"/>
-                          </a:rPr>
-                        </m:ctrlPr>
-                      </m:sSubPr>
-                      <m:e>
-                        <m:r>
-                          <a:rPr lang="ru-RU" sz="5500" i="1">
-                            <a:latin typeface="Cambria Math" panose="02040503050406030204" pitchFamily="18" charset="0"/>
-                          </a:rPr>
-                          <m:t>𝑥</m:t>
-                        </m:r>
-                      </m:e>
-                      <m:sub>
-                        <m:r>
-                          <a:rPr lang="ru-RU" sz="5500" i="1">
-                            <a:latin typeface="Cambria Math" panose="02040503050406030204" pitchFamily="18" charset="0"/>
-                          </a:rPr>
-                          <m:t>𝑛</m:t>
-                        </m:r>
-                      </m:sub>
-                    </m:sSub>
-                    <m:r>
-                      <a:rPr lang="ru-RU" sz="5500" i="1">
-                        <a:latin typeface="Cambria Math" panose="02040503050406030204" pitchFamily="18" charset="0"/>
-                      </a:rPr>
-                      <m:t>}</m:t>
-                    </m:r>
-                  </m:oMath>
-                </a14:m>
-                <a:r>
-                  <a:rPr lang="ru-RU" sz="5500" dirty="0"/>
-                  <a:t>, где </a:t>
-                </a:r>
-                <a14:m>
-                  <m:oMath xmlns:m="http://schemas.openxmlformats.org/officeDocument/2006/math">
-                    <m:r>
-                      <a:rPr lang="ru-RU" sz="5500" i="1">
-                        <a:latin typeface="Cambria Math" panose="02040503050406030204" pitchFamily="18" charset="0"/>
-                      </a:rPr>
-                      <m:t>𝑛</m:t>
-                    </m:r>
-                    <m:r>
-                      <a:rPr lang="ru-RU" sz="5500" i="1">
-                        <a:latin typeface="Cambria Math" panose="02040503050406030204" pitchFamily="18" charset="0"/>
-                      </a:rPr>
-                      <m:t>≥2</m:t>
-                    </m:r>
-                  </m:oMath>
-                </a14:m>
-                <a:r>
-                  <a:rPr lang="ru-RU" sz="5500" dirty="0"/>
-                  <a:t> и </a:t>
-                </a:r>
-                <a14:m>
-                  <m:oMath xmlns:m="http://schemas.openxmlformats.org/officeDocument/2006/math">
-                    <m:r>
-                      <a:rPr lang="ru-RU" sz="5500" i="1">
-                        <a:latin typeface="Cambria Math" panose="02040503050406030204" pitchFamily="18" charset="0"/>
-                      </a:rPr>
-                      <m:t>𝐶</m:t>
-                    </m:r>
-                    <m:r>
-                      <a:rPr lang="ru-RU" sz="5500" i="1">
-                        <a:latin typeface="Cambria Math" panose="02040503050406030204" pitchFamily="18" charset="0"/>
-                      </a:rPr>
-                      <m:t>⊆</m:t>
-                    </m:r>
-                    <m:r>
-                      <a:rPr lang="ru-RU" sz="5500" i="1">
-                        <a:latin typeface="Cambria Math" panose="02040503050406030204" pitchFamily="18" charset="0"/>
-                      </a:rPr>
-                      <m:t>𝐾</m:t>
-                    </m:r>
-                  </m:oMath>
-                </a14:m>
-                <a:endParaRPr lang="ru-RU" sz="5500" dirty="0"/>
-              </a:p>
-              <a:p>
-                <a14:m>
-                  <m:oMath xmlns:m="http://schemas.openxmlformats.org/officeDocument/2006/math">
-                    <m:d>
-                      <m:dPr>
-                        <m:begChr m:val="|"/>
-                        <m:endChr m:val="|"/>
-                        <m:ctrlPr>
-                          <a:rPr lang="ru-RU" sz="5500" i="1">
-                            <a:latin typeface="Cambria Math"/>
-                          </a:rPr>
-                        </m:ctrlPr>
-                      </m:dPr>
-                      <m:e>
-                        <m:sSub>
-                          <m:sSubPr>
-                            <m:ctrlPr>
-                              <a:rPr lang="ru-RU" sz="5500" i="1">
-                                <a:latin typeface="Cambria Math"/>
-                              </a:rPr>
-                            </m:ctrlPr>
-                          </m:sSubPr>
-                          <m:e>
-                            <m:r>
-                              <a:rPr lang="en-US" sz="5500" i="1">
-                                <a:latin typeface="Cambria Math" panose="02040503050406030204" pitchFamily="18" charset="0"/>
-                              </a:rPr>
-                              <m:t>𝑥</m:t>
-                            </m:r>
-                          </m:e>
-                          <m:sub>
-                            <m:r>
-                              <a:rPr lang="en-US" sz="5500" i="1">
-                                <a:latin typeface="Cambria Math" panose="02040503050406030204" pitchFamily="18" charset="0"/>
-                              </a:rPr>
-                              <m:t>𝑖</m:t>
-                            </m:r>
-                          </m:sub>
-                        </m:sSub>
-                        <m:r>
-                          <a:rPr lang="en-US" sz="5500" i="1">
-                            <a:latin typeface="Cambria Math" panose="02040503050406030204" pitchFamily="18" charset="0"/>
-                          </a:rPr>
-                          <m:t>−</m:t>
-                        </m:r>
-                        <m:sSub>
-                          <m:sSubPr>
-                            <m:ctrlPr>
-                              <a:rPr lang="ru-RU" sz="5500" i="1">
-                                <a:latin typeface="Cambria Math"/>
-                              </a:rPr>
-                            </m:ctrlPr>
-                          </m:sSubPr>
-                          <m:e>
-                            <m:r>
-                              <a:rPr lang="en-US" sz="5500" i="1">
-                                <a:latin typeface="Cambria Math" panose="02040503050406030204" pitchFamily="18" charset="0"/>
-                              </a:rPr>
-                              <m:t>𝑥</m:t>
-                            </m:r>
-                          </m:e>
-                          <m:sub>
-                            <m:r>
-                              <a:rPr lang="en-US" sz="5500" i="1">
-                                <a:latin typeface="Cambria Math" panose="02040503050406030204" pitchFamily="18" charset="0"/>
-                              </a:rPr>
-                              <m:t>𝑖</m:t>
-                            </m:r>
-                            <m:r>
-                              <a:rPr lang="en-US" sz="5500" i="1">
-                                <a:latin typeface="Cambria Math" panose="02040503050406030204" pitchFamily="18" charset="0"/>
-                              </a:rPr>
-                              <m:t>+1</m:t>
-                            </m:r>
-                          </m:sub>
-                        </m:sSub>
-                      </m:e>
-                    </m:d>
-                    <m:r>
-                      <a:rPr lang="en-US" sz="5500" i="1">
-                        <a:latin typeface="Cambria Math" panose="02040503050406030204" pitchFamily="18" charset="0"/>
-                      </a:rPr>
-                      <m:t>≤</m:t>
-                    </m:r>
-                    <m:sSub>
-                      <m:sSubPr>
-                        <m:ctrlPr>
-                          <a:rPr lang="ru-RU" sz="5500" i="1">
-                            <a:latin typeface="Cambria Math"/>
-                          </a:rPr>
-                        </m:ctrlPr>
-                      </m:sSubPr>
-                      <m:e>
-                        <m:r>
-                          <a:rPr lang="en-US" sz="5500" i="1">
-                            <a:latin typeface="Cambria Math" panose="02040503050406030204" pitchFamily="18" charset="0"/>
-                          </a:rPr>
-                          <m:t>𝑘</m:t>
-                        </m:r>
-                      </m:e>
-                      <m:sub>
-                        <m:r>
-                          <a:rPr lang="en-US" sz="5500" i="1">
-                            <a:latin typeface="Cambria Math" panose="02040503050406030204" pitchFamily="18" charset="0"/>
-                          </a:rPr>
-                          <m:t>2</m:t>
-                        </m:r>
-                      </m:sub>
-                    </m:sSub>
-                  </m:oMath>
-                </a14:m>
-                <a:endParaRPr lang="ru-RU" sz="5500" dirty="0"/>
-              </a:p>
-              <a:p>
-                <a:endParaRPr lang="ru-RU" sz="2200" dirty="0"/>
-              </a:p>
-            </p:txBody>
-          </p:sp>
-        </mc:Choice>
-        <mc:Fallback xmlns="">
-          <p:sp>
-            <p:nvSpPr>
-              <p:cNvPr id="3" name="Content Placeholder 2"/>
-              <p:cNvSpPr>
-                <a:spLocks noGrp="1" noRot="1" noChangeAspect="1" noMove="1" noResize="1" noEditPoints="1" noAdjustHandles="1" noChangeArrowheads="1" noChangeShapeType="1" noTextEdit="1"/>
-              </p:cNvSpPr>
-              <p:nvPr>
-                <p:ph idx="1"/>
-              </p:nvPr>
-            </p:nvSpPr>
-            <p:spPr>
-              <a:blipFill rotWithShape="0">
-                <a:blip r:embed="rId2"/>
-                <a:stretch>
-                  <a:fillRect l="-1091" t="-1667" b="-303"/>
-                </a:stretch>
-              </a:blipFill>
-            </p:spPr>
-            <p:txBody>
-              <a:bodyPr/>
-              <a:lstStyle/>
-              <a:p>
-                <a:r>
-                  <a:rPr lang="ru-RU">
-                    <a:noFill/>
-                  </a:rPr>
-                  <a:t> </a:t>
-                </a:r>
-              </a:p>
-            </p:txBody>
-          </p:sp>
-        </mc:Fallback>
-      </mc:AlternateContent>
+      <p:sp>
+        <p:nvSpPr>
+          <p:cNvPr id="3" name="Content Placeholder 2"/>
+          <p:cNvSpPr>
+            <a:spLocks noGrp="1"/>
+          </p:cNvSpPr>
+          <p:nvPr>
+            <p:ph idx="1"/>
+          </p:nvPr>
+        </p:nvSpPr>
+        <p:spPr/>
+        <p:txBody>
+          <a:bodyPr/>
+          <a:lstStyle/>
+          <a:p>
+            <a:endParaRPr lang="ru-RU" dirty="0" smtClean="0"/>
+          </a:p>
+          <a:p>
+            <a:endParaRPr lang="ru-RU" dirty="0" smtClean="0"/>
+          </a:p>
+          <a:p>
+            <a:pPr lvl="1">
+              <a:buFont typeface="Arial" panose="020B0604020202020204" pitchFamily="34" charset="0"/>
+              <a:buChar char="•"/>
+            </a:pPr>
+            <a:r>
+              <a:rPr lang="ru-RU" sz="2400" dirty="0" smtClean="0"/>
+              <a:t> Нашей целью является автоматизация </a:t>
+            </a:r>
+            <a:r>
+              <a:rPr lang="ru-RU" sz="2400" dirty="0"/>
+              <a:t>процесса построения срединной поверхности для моделей тел в </a:t>
+            </a:r>
+            <a:r>
+              <a:rPr lang="ru-RU" sz="2400" dirty="0" smtClean="0"/>
+              <a:t>плоскости.</a:t>
+            </a:r>
+            <a:endParaRPr lang="ru-RU" sz="2400" dirty="0"/>
+          </a:p>
+        </p:txBody>
+      </p:sp>
     </p:spTree>
     <p:extLst>
       <p:ext uri="{BB962C8B-B14F-4D97-AF65-F5344CB8AC3E}">
-        <p14:creationId xmlns:p14="http://schemas.microsoft.com/office/powerpoint/2010/main" val="2967578599"/>
+        <p14:creationId xmlns:p14="http://schemas.microsoft.com/office/powerpoint/2010/main" val="355394922"/>
       </p:ext>
     </p:extLst>
   </p:cSld>
@@ -6936,267 +7331,40 @@
           <a:p>
             <a:r>
               <a:rPr lang="ru-RU" dirty="0" smtClean="0"/>
-              <a:t>Алгоритм</a:t>
+              <a:t>Постановка задачи</a:t>
             </a:r>
             <a:endParaRPr lang="ru-RU" dirty="0"/>
           </a:p>
         </p:txBody>
       </p:sp>
-      <mc:AlternateContent xmlns:mc="http://schemas.openxmlformats.org/markup-compatibility/2006" xmlns:a14="http://schemas.microsoft.com/office/drawing/2010/main">
-        <mc:Choice Requires="a14">
-          <p:sp>
-            <p:nvSpPr>
-              <p:cNvPr id="3" name="Content Placeholder 2"/>
-              <p:cNvSpPr>
-                <a:spLocks noGrp="1"/>
-              </p:cNvSpPr>
-              <p:nvPr>
-                <p:ph idx="1"/>
-              </p:nvPr>
-            </p:nvSpPr>
-            <p:spPr/>
-            <p:txBody>
-              <a:bodyPr/>
-              <a:lstStyle/>
-              <a:p>
-                <a:pPr marL="0" indent="0">
-                  <a:buNone/>
-                </a:pPr>
-                <a:r>
-                  <a:rPr lang="ru-RU" dirty="0" smtClean="0"/>
-                  <a:t>На данном этапе исследования проблемы был реализован базовый алгоритм, строящий классическую срединную поверхность с двумя параметрами точности:</a:t>
-                </a:r>
-              </a:p>
-              <a:p>
-                <a:pPr lvl="0"/>
-                <a:r>
-                  <a:rPr lang="ru-RU" dirty="0"/>
-                  <a:t>Точность разбиения контура на отрезки - </a:t>
-                </a:r>
-                <a14:m>
-                  <m:oMath xmlns:m="http://schemas.openxmlformats.org/officeDocument/2006/math">
-                    <m:sSub>
-                      <m:sSubPr>
-                        <m:ctrlPr>
-                          <a:rPr lang="ru-RU" i="1">
-                            <a:latin typeface="Cambria Math"/>
-                          </a:rPr>
-                        </m:ctrlPr>
-                      </m:sSubPr>
-                      <m:e>
-                        <m:r>
-                          <a:rPr lang="ru-RU" i="1">
-                            <a:latin typeface="Cambria Math" panose="02040503050406030204" pitchFamily="18" charset="0"/>
-                          </a:rPr>
-                          <m:t>𝑘</m:t>
-                        </m:r>
-                      </m:e>
-                      <m:sub>
-                        <m:r>
-                          <a:rPr lang="ru-RU" i="1">
-                            <a:latin typeface="Cambria Math" panose="02040503050406030204" pitchFamily="18" charset="0"/>
-                          </a:rPr>
-                          <m:t>1</m:t>
-                        </m:r>
-                      </m:sub>
-                    </m:sSub>
-                    <m:r>
-                      <a:rPr lang="ru-RU" i="1">
-                        <a:latin typeface="Cambria Math" panose="02040503050406030204" pitchFamily="18" charset="0"/>
-                      </a:rPr>
-                      <m:t>.</m:t>
-                    </m:r>
-                  </m:oMath>
-                </a14:m>
-                <a:endParaRPr lang="ru-RU" dirty="0"/>
-              </a:p>
-              <a:p>
-                <a:pPr lvl="0"/>
-                <a:r>
-                  <a:rPr lang="ru-RU" dirty="0"/>
-                  <a:t>Точность построения срединной поверхности </a:t>
-                </a:r>
-                <a14:m>
-                  <m:oMath xmlns:m="http://schemas.openxmlformats.org/officeDocument/2006/math">
-                    <m:sSub>
-                      <m:sSubPr>
-                        <m:ctrlPr>
-                          <a:rPr lang="ru-RU" i="1">
-                            <a:latin typeface="Cambria Math"/>
-                          </a:rPr>
-                        </m:ctrlPr>
-                      </m:sSubPr>
-                      <m:e>
-                        <m:r>
-                          <a:rPr lang="en-US" i="1">
-                            <a:latin typeface="Cambria Math" panose="02040503050406030204" pitchFamily="18" charset="0"/>
-                          </a:rPr>
-                          <m:t>𝑘</m:t>
-                        </m:r>
-                      </m:e>
-                      <m:sub>
-                        <m:r>
-                          <a:rPr lang="ru-RU" i="1">
-                            <a:latin typeface="Cambria Math" panose="02040503050406030204" pitchFamily="18" charset="0"/>
-                          </a:rPr>
-                          <m:t>2</m:t>
-                        </m:r>
-                      </m:sub>
-                    </m:sSub>
-                  </m:oMath>
-                </a14:m>
-                <a:r>
-                  <a:rPr lang="ru-RU" dirty="0"/>
-                  <a:t>.</a:t>
-                </a:r>
-              </a:p>
-              <a:p>
-                <a:pPr marL="0" indent="0">
-                  <a:buNone/>
-                </a:pPr>
-                <a:r>
-                  <a:rPr lang="ru-RU" dirty="0" smtClean="0"/>
-                  <a:t>Алгоритм состоит из трех этапов:</a:t>
-                </a:r>
-              </a:p>
-              <a:p>
-                <a:pPr marL="457200" indent="-457200">
-                  <a:buFont typeface="+mj-lt"/>
-                  <a:buAutoNum type="arabicPeriod"/>
-                </a:pPr>
-                <a:r>
-                  <a:rPr lang="ru-RU" dirty="0" smtClean="0"/>
-                  <a:t>Разбиение контура на линейные сегменты с заданной точностью - </a:t>
-                </a:r>
-                <a14:m>
-                  <m:oMath xmlns:m="http://schemas.openxmlformats.org/officeDocument/2006/math">
-                    <m:sSub>
-                      <m:sSubPr>
-                        <m:ctrlPr>
-                          <a:rPr lang="ru-RU" i="1">
-                            <a:latin typeface="Cambria Math"/>
-                          </a:rPr>
-                        </m:ctrlPr>
-                      </m:sSubPr>
-                      <m:e>
-                        <m:r>
-                          <a:rPr lang="ru-RU" i="1">
-                            <a:latin typeface="Cambria Math" panose="02040503050406030204" pitchFamily="18" charset="0"/>
-                          </a:rPr>
-                          <m:t>𝑘</m:t>
-                        </m:r>
-                      </m:e>
-                      <m:sub>
-                        <m:r>
-                          <a:rPr lang="ru-RU" i="1">
-                            <a:latin typeface="Cambria Math" panose="02040503050406030204" pitchFamily="18" charset="0"/>
-                          </a:rPr>
-                          <m:t>1</m:t>
-                        </m:r>
-                      </m:sub>
-                    </m:sSub>
-                  </m:oMath>
-                </a14:m>
-                <a:r>
-                  <a:rPr lang="ru-RU" dirty="0" smtClean="0"/>
-                  <a:t>.</a:t>
-                </a:r>
-              </a:p>
-              <a:p>
-                <a:pPr marL="457200" indent="-457200">
-                  <a:buFont typeface="+mj-lt"/>
-                  <a:buAutoNum type="arabicPeriod"/>
-                </a:pPr>
-                <a:r>
-                  <a:rPr lang="ru-RU" dirty="0" smtClean="0"/>
-                  <a:t>Поиск точек срединной поверхности, находящихся на расстоянии, удовлетворяющем заданной точности - </a:t>
-                </a:r>
-                <a14:m>
-                  <m:oMath xmlns:m="http://schemas.openxmlformats.org/officeDocument/2006/math">
-                    <m:sSub>
-                      <m:sSubPr>
-                        <m:ctrlPr>
-                          <a:rPr lang="ru-RU" i="1">
-                            <a:latin typeface="Cambria Math"/>
-                          </a:rPr>
-                        </m:ctrlPr>
-                      </m:sSubPr>
-                      <m:e>
-                        <m:r>
-                          <a:rPr lang="ru-RU" i="1">
-                            <a:latin typeface="Cambria Math" panose="02040503050406030204" pitchFamily="18" charset="0"/>
-                          </a:rPr>
-                          <m:t>𝑘</m:t>
-                        </m:r>
-                      </m:e>
-                      <m:sub>
-                        <m:r>
-                          <a:rPr lang="ru-RU" b="0" i="1" smtClean="0">
-                            <a:latin typeface="Cambria Math" panose="02040503050406030204" pitchFamily="18" charset="0"/>
-                          </a:rPr>
-                          <m:t>2</m:t>
-                        </m:r>
-                      </m:sub>
-                    </m:sSub>
-                  </m:oMath>
-                </a14:m>
-                <a:r>
-                  <a:rPr lang="ru-RU" dirty="0" smtClean="0"/>
-                  <a:t>.</a:t>
-                </a:r>
-              </a:p>
-              <a:p>
-                <a:pPr marL="457200" indent="-457200">
-                  <a:buFont typeface="+mj-lt"/>
-                  <a:buAutoNum type="arabicPeriod"/>
-                </a:pPr>
-                <a:r>
-                  <a:rPr lang="ru-RU" dirty="0" smtClean="0"/>
-                  <a:t>Соединение точек срединной поверхности.</a:t>
-                </a:r>
-                <a:endParaRPr lang="ru-RU" dirty="0"/>
-              </a:p>
-            </p:txBody>
-          </p:sp>
-        </mc:Choice>
-        <mc:Fallback xmlns="">
-          <p:sp>
-            <p:nvSpPr>
-              <p:cNvPr id="3" name="Content Placeholder 2"/>
-              <p:cNvSpPr>
-                <a:spLocks noGrp="1" noRot="1" noChangeAspect="1" noMove="1" noResize="1" noEditPoints="1" noAdjustHandles="1" noChangeArrowheads="1" noChangeShapeType="1" noTextEdit="1"/>
-              </p:cNvSpPr>
-              <p:nvPr>
-                <p:ph idx="1"/>
-              </p:nvPr>
-            </p:nvSpPr>
-            <p:spPr>
-              <a:blipFill rotWithShape="0">
-                <a:blip r:embed="rId2"/>
-                <a:stretch>
-                  <a:fillRect l="-1576" t="-1667"/>
-                </a:stretch>
-              </a:blipFill>
-            </p:spPr>
-            <p:txBody>
-              <a:bodyPr/>
-              <a:lstStyle/>
-              <a:p>
-                <a:r>
-                  <a:rPr lang="ru-RU">
-                    <a:noFill/>
-                  </a:rPr>
-                  <a:t> </a:t>
-                </a:r>
-              </a:p>
-            </p:txBody>
-          </p:sp>
-        </mc:Fallback>
-      </mc:AlternateContent>
+      <p:sp>
+        <p:nvSpPr>
+          <p:cNvPr id="3" name="Content Placeholder 2"/>
+          <p:cNvSpPr>
+            <a:spLocks noGrp="1"/>
+          </p:cNvSpPr>
+          <p:nvPr>
+            <p:ph idx="1"/>
+          </p:nvPr>
+        </p:nvSpPr>
+        <p:spPr/>
+        <p:txBody>
+          <a:bodyPr>
+            <a:normAutofit/>
+          </a:bodyPr>
+          <a:lstStyle/>
+          <a:p>
+            <a:endParaRPr lang="ru-RU" sz="5500" dirty="0"/>
+          </a:p>
+          <a:p>
+            <a:endParaRPr lang="ru-RU" sz="2200" dirty="0"/>
+          </a:p>
+        </p:txBody>
+      </p:sp>
     </p:spTree>
     <p:extLst>
       <p:ext uri="{BB962C8B-B14F-4D97-AF65-F5344CB8AC3E}">
-        <p14:creationId xmlns:p14="http://schemas.microsoft.com/office/powerpoint/2010/main" val="483209988"/>
+        <p14:creationId xmlns:p14="http://schemas.microsoft.com/office/powerpoint/2010/main" val="2967578599"/>
       </p:ext>
     </p:extLst>
   </p:cSld>
@@ -7247,6 +7415,361 @@
           <a:p>
             <a:r>
               <a:rPr lang="ru-RU" dirty="0" smtClean="0"/>
+              <a:t>Алгоритм</a:t>
+            </a:r>
+            <a:endParaRPr lang="ru-RU" dirty="0"/>
+          </a:p>
+        </p:txBody>
+      </p:sp>
+      <mc:AlternateContent xmlns:mc="http://schemas.openxmlformats.org/markup-compatibility/2006">
+        <mc:Choice xmlns:a14="http://schemas.microsoft.com/office/drawing/2010/main" Requires="a14">
+          <p:sp>
+            <p:nvSpPr>
+              <p:cNvPr id="3" name="Content Placeholder 2"/>
+              <p:cNvSpPr>
+                <a:spLocks noGrp="1"/>
+              </p:cNvSpPr>
+              <p:nvPr>
+                <p:ph idx="1"/>
+              </p:nvPr>
+            </p:nvSpPr>
+            <p:spPr/>
+            <p:txBody>
+              <a:bodyPr>
+                <a:normAutofit fontScale="92500"/>
+              </a:bodyPr>
+              <a:lstStyle/>
+              <a:p>
+                <a:pPr marL="0" indent="0">
+                  <a:buNone/>
+                </a:pPr>
+                <a:r>
+                  <a:rPr lang="ru-RU" dirty="0" smtClean="0"/>
+                  <a:t>На данном этапе исследования проблемы был реализован базовый алгоритм, строящий классическую срединную поверхность с двумя параметрами точности:</a:t>
+                </a:r>
+              </a:p>
+              <a:p>
+                <a:pPr lvl="0"/>
+                <a:r>
+                  <a:rPr lang="ru-RU" dirty="0"/>
+                  <a:t>Точность разбиения контура на отрезки - </a:t>
+                </a:r>
+                <a14:m>
+                  <m:oMath xmlns:m="http://schemas.openxmlformats.org/officeDocument/2006/math">
+                    <m:sSub>
+                      <m:sSubPr>
+                        <m:ctrlPr>
+                          <a:rPr lang="ru-RU" i="1">
+                            <a:latin typeface="Cambria Math" panose="02040503050406030204" pitchFamily="18" charset="0"/>
+                          </a:rPr>
+                        </m:ctrlPr>
+                      </m:sSubPr>
+                      <m:e>
+                        <m:r>
+                          <a:rPr lang="ru-RU" i="1">
+                            <a:latin typeface="Cambria Math" panose="02040503050406030204" pitchFamily="18" charset="0"/>
+                          </a:rPr>
+                          <m:t>𝑘</m:t>
+                        </m:r>
+                      </m:e>
+                      <m:sub>
+                        <m:r>
+                          <a:rPr lang="ru-RU" i="1">
+                            <a:latin typeface="Cambria Math" panose="02040503050406030204" pitchFamily="18" charset="0"/>
+                          </a:rPr>
+                          <m:t>1</m:t>
+                        </m:r>
+                      </m:sub>
+                    </m:sSub>
+                    <m:r>
+                      <a:rPr lang="ru-RU" i="1">
+                        <a:latin typeface="Cambria Math" panose="02040503050406030204" pitchFamily="18" charset="0"/>
+                      </a:rPr>
+                      <m:t>.</m:t>
+                    </m:r>
+                  </m:oMath>
+                </a14:m>
+                <a:endParaRPr lang="ru-RU" dirty="0"/>
+              </a:p>
+              <a:p>
+                <a:pPr lvl="0"/>
+                <a:r>
+                  <a:rPr lang="ru-RU" dirty="0"/>
+                  <a:t>Точность построения срединной поверхности </a:t>
+                </a:r>
+                <a14:m>
+                  <m:oMath xmlns:m="http://schemas.openxmlformats.org/officeDocument/2006/math">
+                    <m:sSub>
+                      <m:sSubPr>
+                        <m:ctrlPr>
+                          <a:rPr lang="ru-RU" i="1">
+                            <a:latin typeface="Cambria Math" panose="02040503050406030204" pitchFamily="18" charset="0"/>
+                          </a:rPr>
+                        </m:ctrlPr>
+                      </m:sSubPr>
+                      <m:e>
+                        <m:r>
+                          <a:rPr lang="en-US" i="1">
+                            <a:latin typeface="Cambria Math" panose="02040503050406030204" pitchFamily="18" charset="0"/>
+                          </a:rPr>
+                          <m:t>𝑘</m:t>
+                        </m:r>
+                      </m:e>
+                      <m:sub>
+                        <m:r>
+                          <a:rPr lang="ru-RU" i="1">
+                            <a:latin typeface="Cambria Math" panose="02040503050406030204" pitchFamily="18" charset="0"/>
+                          </a:rPr>
+                          <m:t>2</m:t>
+                        </m:r>
+                      </m:sub>
+                    </m:sSub>
+                  </m:oMath>
+                </a14:m>
+                <a:r>
+                  <a:rPr lang="ru-RU" dirty="0"/>
+                  <a:t>.</a:t>
+                </a:r>
+              </a:p>
+              <a:p>
+                <a:pPr marL="0" indent="0">
+                  <a:buNone/>
+                </a:pPr>
+                <a:r>
+                  <a:rPr lang="ru-RU" dirty="0" smtClean="0"/>
+                  <a:t>Алгоритм состоит из трех этапов:</a:t>
+                </a:r>
+              </a:p>
+              <a:p>
+                <a:pPr marL="457200" indent="-457200">
+                  <a:buFont typeface="+mj-lt"/>
+                  <a:buAutoNum type="arabicPeriod"/>
+                </a:pPr>
+                <a:r>
+                  <a:rPr lang="ru-RU" i="1" dirty="0" smtClean="0">
+                    <a:solidFill>
+                      <a:schemeClr val="tx1"/>
+                    </a:solidFill>
+                  </a:rPr>
+                  <a:t>Разбиение контура на линейные сегменты с заданной точностью - </a:t>
+                </a:r>
+                <a14:m>
+                  <m:oMath xmlns:m="http://schemas.openxmlformats.org/officeDocument/2006/math">
+                    <m:sSub>
+                      <m:sSubPr>
+                        <m:ctrlPr>
+                          <a:rPr lang="ru-RU" i="1">
+                            <a:solidFill>
+                              <a:schemeClr val="tx1"/>
+                            </a:solidFill>
+                            <a:latin typeface="Cambria Math" panose="02040503050406030204" pitchFamily="18" charset="0"/>
+                          </a:rPr>
+                        </m:ctrlPr>
+                      </m:sSubPr>
+                      <m:e>
+                        <m:r>
+                          <a:rPr lang="ru-RU" i="1">
+                            <a:solidFill>
+                              <a:schemeClr val="tx1"/>
+                            </a:solidFill>
+                            <a:latin typeface="Cambria Math" panose="02040503050406030204" pitchFamily="18" charset="0"/>
+                          </a:rPr>
+                          <m:t>𝑘</m:t>
+                        </m:r>
+                      </m:e>
+                      <m:sub>
+                        <m:r>
+                          <a:rPr lang="ru-RU" i="1">
+                            <a:solidFill>
+                              <a:schemeClr val="tx1"/>
+                            </a:solidFill>
+                            <a:latin typeface="Cambria Math" panose="02040503050406030204" pitchFamily="18" charset="0"/>
+                          </a:rPr>
+                          <m:t>1</m:t>
+                        </m:r>
+                      </m:sub>
+                    </m:sSub>
+                  </m:oMath>
+                </a14:m>
+                <a:r>
+                  <a:rPr lang="ru-RU" i="1" dirty="0" smtClean="0">
+                    <a:solidFill>
+                      <a:schemeClr val="tx1"/>
+                    </a:solidFill>
+                  </a:rPr>
+                  <a:t>.</a:t>
+                </a:r>
+              </a:p>
+              <a:p>
+                <a:pPr marL="457200" indent="-457200">
+                  <a:buFont typeface="+mj-lt"/>
+                  <a:buAutoNum type="arabicPeriod"/>
+                </a:pPr>
+                <a:r>
+                  <a:rPr lang="ru-RU" i="1" dirty="0" smtClean="0">
+                    <a:solidFill>
+                      <a:schemeClr val="tx1"/>
+                    </a:solidFill>
+                  </a:rPr>
+                  <a:t>Поиск точек срединной поверхности, находящихся на расстоянии, удовлетворяющем заданной точности - </a:t>
+                </a:r>
+                <a14:m>
+                  <m:oMath xmlns:m="http://schemas.openxmlformats.org/officeDocument/2006/math">
+                    <m:sSub>
+                      <m:sSubPr>
+                        <m:ctrlPr>
+                          <a:rPr lang="ru-RU" i="1">
+                            <a:solidFill>
+                              <a:schemeClr val="tx1"/>
+                            </a:solidFill>
+                            <a:latin typeface="Cambria Math" panose="02040503050406030204" pitchFamily="18" charset="0"/>
+                          </a:rPr>
+                        </m:ctrlPr>
+                      </m:sSubPr>
+                      <m:e>
+                        <m:r>
+                          <a:rPr lang="ru-RU" i="1">
+                            <a:solidFill>
+                              <a:schemeClr val="tx1"/>
+                            </a:solidFill>
+                            <a:latin typeface="Cambria Math" panose="02040503050406030204" pitchFamily="18" charset="0"/>
+                          </a:rPr>
+                          <m:t>𝑘</m:t>
+                        </m:r>
+                      </m:e>
+                      <m:sub>
+                        <m:r>
+                          <a:rPr lang="ru-RU" b="0" i="1" smtClean="0">
+                            <a:solidFill>
+                              <a:schemeClr val="tx1"/>
+                            </a:solidFill>
+                            <a:latin typeface="Cambria Math" panose="02040503050406030204" pitchFamily="18" charset="0"/>
+                          </a:rPr>
+                          <m:t>2</m:t>
+                        </m:r>
+                      </m:sub>
+                    </m:sSub>
+                  </m:oMath>
+                </a14:m>
+                <a:r>
+                  <a:rPr lang="ru-RU" i="1" dirty="0" smtClean="0">
+                    <a:solidFill>
+                      <a:schemeClr val="tx1"/>
+                    </a:solidFill>
+                  </a:rPr>
+                  <a:t>.</a:t>
+                </a:r>
+              </a:p>
+              <a:p>
+                <a:pPr marL="457200" indent="-457200">
+                  <a:buFont typeface="+mj-lt"/>
+                  <a:buAutoNum type="arabicPeriod"/>
+                </a:pPr>
+                <a:r>
+                  <a:rPr lang="ru-RU" i="1" dirty="0" smtClean="0">
+                    <a:solidFill>
+                      <a:schemeClr val="tx1"/>
+                    </a:solidFill>
+                  </a:rPr>
+                  <a:t>Соединение точек срединной поверхности.</a:t>
+                </a:r>
+                <a:endParaRPr lang="ru-RU" i="1" dirty="0">
+                  <a:solidFill>
+                    <a:schemeClr val="tx1"/>
+                  </a:solidFill>
+                </a:endParaRPr>
+              </a:p>
+            </p:txBody>
+          </p:sp>
+        </mc:Choice>
+        <mc:Fallback>
+          <p:sp>
+            <p:nvSpPr>
+              <p:cNvPr id="3" name="Content Placeholder 2"/>
+              <p:cNvSpPr>
+                <a:spLocks noGrp="1" noRot="1" noChangeAspect="1" noMove="1" noResize="1" noEditPoints="1" noAdjustHandles="1" noChangeArrowheads="1" noChangeShapeType="1" noTextEdit="1"/>
+              </p:cNvSpPr>
+              <p:nvPr>
+                <p:ph idx="1"/>
+              </p:nvPr>
+            </p:nvSpPr>
+            <p:spPr>
+              <a:blipFill rotWithShape="0">
+                <a:blip r:embed="rId2"/>
+                <a:stretch>
+                  <a:fillRect l="-1515" t="-1515"/>
+                </a:stretch>
+              </a:blipFill>
+            </p:spPr>
+            <p:txBody>
+              <a:bodyPr/>
+              <a:lstStyle/>
+              <a:p>
+                <a:r>
+                  <a:rPr lang="ru-RU">
+                    <a:noFill/>
+                  </a:rPr>
+                  <a:t> </a:t>
+                </a:r>
+              </a:p>
+            </p:txBody>
+          </p:sp>
+        </mc:Fallback>
+      </mc:AlternateContent>
+    </p:spTree>
+    <p:extLst>
+      <p:ext uri="{BB962C8B-B14F-4D97-AF65-F5344CB8AC3E}">
+        <p14:creationId xmlns:p14="http://schemas.microsoft.com/office/powerpoint/2010/main" val="483209988"/>
+      </p:ext>
+    </p:extLst>
+  </p:cSld>
+  <p:clrMapOvr>
+    <a:masterClrMapping/>
+  </p:clrMapOvr>
+  <p:timing>
+    <p:tnLst>
+      <p:par>
+        <p:cTn id="1" dur="indefinite" restart="never" nodeType="tmRoot"/>
+      </p:par>
+    </p:tnLst>
+  </p:timing>
+</p:sld>
+</file>
+
+<file path=ppt/slides/slide9.xml><?xml version="1.0" encoding="utf-8"?>
+<p:sld xmlns:a="http://schemas.openxmlformats.org/drawingml/2006/main" xmlns:r="http://schemas.openxmlformats.org/officeDocument/2006/relationships" xmlns:p="http://schemas.openxmlformats.org/presentationml/2006/main">
+  <p:cSld>
+    <p:spTree>
+      <p:nvGrpSpPr>
+        <p:cNvPr id="1" name=""/>
+        <p:cNvGrpSpPr/>
+        <p:nvPr/>
+      </p:nvGrpSpPr>
+      <p:grpSpPr>
+        <a:xfrm>
+          <a:off x="0" y="0"/>
+          <a:ext cx="0" cy="0"/>
+          <a:chOff x="0" y="0"/>
+          <a:chExt cx="0" cy="0"/>
+        </a:xfrm>
+      </p:grpSpPr>
+      <p:sp>
+        <p:nvSpPr>
+          <p:cNvPr id="2" name="Title 1"/>
+          <p:cNvSpPr>
+            <a:spLocks noGrp="1"/>
+          </p:cNvSpPr>
+          <p:nvPr>
+            <p:ph type="title"/>
+          </p:nvPr>
+        </p:nvSpPr>
+        <p:spPr/>
+        <p:txBody>
+          <a:bodyPr/>
+          <a:lstStyle/>
+          <a:p>
+            <a:r>
+              <a:rPr lang="ru-RU" dirty="0" smtClean="0"/>
               <a:t>Этап 1. Разбиение контура на линейные сегменты</a:t>
             </a:r>
             <a:endParaRPr lang="ru-RU" dirty="0"/>
@@ -7290,7 +7813,7 @@
                       <m:sSubPr>
                         <m:ctrlPr>
                           <a:rPr lang="ru-RU" i="1">
-                            <a:latin typeface="Cambria Math"/>
+                            <a:latin typeface="Cambria Math" panose="02040503050406030204" pitchFamily="18" charset="0"/>
                           </a:rPr>
                         </m:ctrlPr>
                       </m:sSubPr>
@@ -7404,7 +7927,7 @@
                       <m:sSubPr>
                         <m:ctrlPr>
                           <a:rPr lang="ru-RU" sz="2000" i="1">
-                            <a:latin typeface="Cambria Math"/>
+                            <a:latin typeface="Cambria Math" panose="02040503050406030204" pitchFamily="18" charset="0"/>
                           </a:rPr>
                         </m:ctrlPr>
                       </m:sSubPr>
@@ -7437,7 +7960,7 @@
                       <m:sSubPr>
                         <m:ctrlPr>
                           <a:rPr lang="ru-RU" sz="2000" i="1">
-                            <a:latin typeface="Cambria Math"/>
+                            <a:latin typeface="Cambria Math" panose="02040503050406030204" pitchFamily="18" charset="0"/>
                           </a:rPr>
                         </m:ctrlPr>
                       </m:sSubPr>
@@ -7486,7 +8009,7 @@
                       <m:sSubPr>
                         <m:ctrlPr>
                           <a:rPr lang="ru-RU" sz="2000" i="1">
-                            <a:latin typeface="Cambria Math"/>
+                            <a:latin typeface="Cambria Math" panose="02040503050406030204" pitchFamily="18" charset="0"/>
                           </a:rPr>
                         </m:ctrlPr>
                       </m:sSubPr>
@@ -7517,7 +8040,7 @@
                       <m:sSubPr>
                         <m:ctrlPr>
                           <a:rPr lang="ru-RU" sz="2000" i="1">
-                            <a:latin typeface="Cambria Math"/>
+                            <a:latin typeface="Cambria Math" panose="02040503050406030204" pitchFamily="18" charset="0"/>
                           </a:rPr>
                         </m:ctrlPr>
                       </m:sSubPr>
@@ -7558,7 +8081,7 @@
                       <m:sSubPr>
                         <m:ctrlPr>
                           <a:rPr lang="ru-RU" sz="2000" i="1">
-                            <a:latin typeface="Cambria Math"/>
+                            <a:latin typeface="Cambria Math" panose="02040503050406030204" pitchFamily="18" charset="0"/>
                           </a:rPr>
                         </m:ctrlPr>
                       </m:sSubPr>
@@ -7624,7 +8147,7 @@
                       <m:dPr>
                         <m:ctrlPr>
                           <a:rPr lang="ru-RU" sz="2000" i="1">
-                            <a:latin typeface="Cambria Math"/>
+                            <a:latin typeface="Cambria Math" panose="02040503050406030204" pitchFamily="18" charset="0"/>
                           </a:rPr>
                         </m:ctrlPr>
                       </m:dPr>
@@ -7633,7 +8156,7 @@
                           <m:sSubPr>
                             <m:ctrlPr>
                               <a:rPr lang="ru-RU" sz="2000" i="1">
-                                <a:latin typeface="Cambria Math"/>
+                                <a:latin typeface="Cambria Math" panose="02040503050406030204" pitchFamily="18" charset="0"/>
                               </a:rPr>
                             </m:ctrlPr>
                           </m:sSubPr>
@@ -7664,7 +8187,7 @@
                           <m:sSubPr>
                             <m:ctrlPr>
                               <a:rPr lang="ru-RU" sz="2000" i="1">
-                                <a:latin typeface="Cambria Math"/>
+                                <a:latin typeface="Cambria Math" panose="02040503050406030204" pitchFamily="18" charset="0"/>
                               </a:rPr>
                             </m:ctrlPr>
                           </m:sSubPr>
@@ -7697,7 +8220,7 @@
                       <m:sSubPr>
                         <m:ctrlPr>
                           <a:rPr lang="ru-RU" sz="2000" i="1">
-                            <a:latin typeface="Cambria Math"/>
+                            <a:latin typeface="Cambria Math" panose="02040503050406030204" pitchFamily="18" charset="0"/>
                           </a:rPr>
                         </m:ctrlPr>
                       </m:sSubPr>
@@ -7728,7 +8251,7 @@
                       <m:sSubPr>
                         <m:ctrlPr>
                           <a:rPr lang="ru-RU" sz="2000" i="1">
-                            <a:latin typeface="Cambria Math"/>
+                            <a:latin typeface="Cambria Math" panose="02040503050406030204" pitchFamily="18" charset="0"/>
                           </a:rPr>
                         </m:ctrlPr>
                       </m:sSubPr>
@@ -7785,7 +8308,7 @@
                       <m:sSubPr>
                         <m:ctrlPr>
                           <a:rPr lang="ru-RU" sz="2000" i="1">
-                            <a:latin typeface="Cambria Math"/>
+                            <a:latin typeface="Cambria Math" panose="02040503050406030204" pitchFamily="18" charset="0"/>
                           </a:rPr>
                         </m:ctrlPr>
                       </m:sSubPr>
@@ -7837,7 +8360,7 @@
                       <m:sSubPr>
                         <m:ctrlPr>
                           <a:rPr lang="ru-RU" sz="2000" i="1">
-                            <a:latin typeface="Cambria Math"/>
+                            <a:latin typeface="Cambria Math" panose="02040503050406030204" pitchFamily="18" charset="0"/>
                           </a:rPr>
                         </m:ctrlPr>
                       </m:sSubPr>
@@ -7953,684 +8476,6 @@
     <p:extLst>
       <p:ext uri="{BB962C8B-B14F-4D97-AF65-F5344CB8AC3E}">
         <p14:creationId xmlns:p14="http://schemas.microsoft.com/office/powerpoint/2010/main" val="465488264"/>
-      </p:ext>
-    </p:extLst>
-  </p:cSld>
-  <p:clrMapOvr>
-    <a:masterClrMapping/>
-  </p:clrMapOvr>
-  <p:timing>
-    <p:tnLst>
-      <p:par>
-        <p:cTn id="1" dur="indefinite" restart="never" nodeType="tmRoot"/>
-      </p:par>
-    </p:tnLst>
-  </p:timing>
-</p:sld>
-</file>
-
-<file path=ppt/slides/slide9.xml><?xml version="1.0" encoding="utf-8"?>
-<p:sld xmlns:a="http://schemas.openxmlformats.org/drawingml/2006/main" xmlns:r="http://schemas.openxmlformats.org/officeDocument/2006/relationships" xmlns:p="http://schemas.openxmlformats.org/presentationml/2006/main">
-  <p:cSld>
-    <p:spTree>
-      <p:nvGrpSpPr>
-        <p:cNvPr id="1" name=""/>
-        <p:cNvGrpSpPr/>
-        <p:nvPr/>
-      </p:nvGrpSpPr>
-      <p:grpSpPr>
-        <a:xfrm>
-          <a:off x="0" y="0"/>
-          <a:ext cx="0" cy="0"/>
-          <a:chOff x="0" y="0"/>
-          <a:chExt cx="0" cy="0"/>
-        </a:xfrm>
-      </p:grpSpPr>
-      <p:sp>
-        <p:nvSpPr>
-          <p:cNvPr id="2" name="Title 1"/>
-          <p:cNvSpPr>
-            <a:spLocks noGrp="1"/>
-          </p:cNvSpPr>
-          <p:nvPr>
-            <p:ph type="title"/>
-          </p:nvPr>
-        </p:nvSpPr>
-        <p:spPr/>
-        <p:txBody>
-          <a:bodyPr/>
-          <a:lstStyle/>
-          <a:p>
-            <a:r>
-              <a:rPr lang="ru-RU" dirty="0" smtClean="0"/>
-              <a:t>Этап 2. Поиск точек срединной поверхности  </a:t>
-            </a:r>
-            <a:endParaRPr lang="ru-RU" dirty="0"/>
-          </a:p>
-        </p:txBody>
-      </p:sp>
-      <mc:AlternateContent xmlns:mc="http://schemas.openxmlformats.org/markup-compatibility/2006" xmlns:a14="http://schemas.microsoft.com/office/drawing/2010/main">
-        <mc:Choice Requires="a14">
-          <p:sp>
-            <p:nvSpPr>
-              <p:cNvPr id="3" name="Content Placeholder 2"/>
-              <p:cNvSpPr>
-                <a:spLocks noGrp="1"/>
-              </p:cNvSpPr>
-              <p:nvPr>
-                <p:ph idx="1"/>
-              </p:nvPr>
-            </p:nvSpPr>
-            <p:spPr/>
-            <p:txBody>
-              <a:bodyPr>
-                <a:normAutofit/>
-              </a:bodyPr>
-              <a:lstStyle/>
-              <a:p>
-                <a:r>
-                  <a:rPr lang="ru-RU" b="1" dirty="0" smtClean="0"/>
-                  <a:t>Параметры этапа: </a:t>
-                </a:r>
-                <a:r>
-                  <a:rPr lang="ru-RU" dirty="0"/>
-                  <a:t>список линейных </a:t>
-                </a:r>
-                <a:r>
-                  <a:rPr lang="ru-RU" dirty="0" smtClean="0"/>
-                  <a:t>сегментов.</a:t>
-                </a:r>
-                <a:endParaRPr lang="ru-RU" dirty="0"/>
-              </a:p>
-              <a:p>
-                <a:pPr marL="0" indent="0">
-                  <a:buNone/>
-                </a:pPr>
-                <a:r>
-                  <a:rPr lang="ru-RU" dirty="0" smtClean="0"/>
-                  <a:t>Шаг 1.    Выбираем два соседних сегмента из списка. Находим их срединные точки:</a:t>
-                </a:r>
-              </a:p>
-              <a:p>
-                <a:pPr marL="726948" lvl="2" indent="-342900">
-                  <a:buFont typeface="+mj-lt"/>
-                  <a:buAutoNum type="arabicPeriod"/>
-                </a:pPr>
-                <a:r>
-                  <a:rPr lang="ru-RU" sz="1600" dirty="0" smtClean="0"/>
-                  <a:t>Вычисляем </a:t>
-                </a:r>
-                <a:r>
-                  <a:rPr lang="ru-RU" sz="1600" dirty="0"/>
-                  <a:t>для </a:t>
-                </a:r>
-                <a:r>
-                  <a:rPr lang="ru-RU" sz="1600" dirty="0" smtClean="0"/>
-                  <a:t>сегмента координаты </a:t>
-                </a:r>
-                <a:r>
-                  <a:rPr lang="ru-RU" sz="1600" dirty="0"/>
-                  <a:t>вектора </a:t>
-                </a:r>
-                <a:r>
-                  <a:rPr lang="ru-RU" sz="1600" dirty="0" smtClean="0"/>
-                  <a:t>нормали.</a:t>
-                </a:r>
-                <a:endParaRPr lang="ru-RU" sz="1600" dirty="0"/>
-              </a:p>
-              <a:p>
-                <a:pPr marL="726948" lvl="2" indent="-342900">
-                  <a:buFont typeface="+mj-lt"/>
-                  <a:buAutoNum type="arabicPeriod"/>
-                </a:pPr>
-                <a:r>
-                  <a:rPr lang="ru-RU" sz="1600" dirty="0"/>
-                  <a:t>Задаём </a:t>
-                </a:r>
-                <a:r>
-                  <a:rPr lang="en-US" sz="1600" dirty="0" err="1"/>
-                  <a:t>Rmax</a:t>
-                </a:r>
-                <a:r>
-                  <a:rPr lang="en-US" sz="1600" dirty="0"/>
-                  <a:t> </a:t>
-                </a:r>
-                <a:r>
-                  <a:rPr lang="ru-RU" sz="1600" dirty="0"/>
-                  <a:t>и </a:t>
-                </a:r>
-                <a:r>
-                  <a:rPr lang="en-US" sz="1600" dirty="0" err="1"/>
-                  <a:t>Rmin</a:t>
-                </a:r>
-                <a:r>
-                  <a:rPr lang="en-US" sz="1600" dirty="0"/>
-                  <a:t> </a:t>
-                </a:r>
-                <a:r>
-                  <a:rPr lang="ru-RU" sz="1600" dirty="0"/>
-                  <a:t>– максимальное и минимальное значение радиуса окружности, а также начальное значение радиуса </a:t>
-                </a:r>
-                <a:r>
-                  <a:rPr lang="en-US" sz="1600" dirty="0"/>
-                  <a:t>R</a:t>
-                </a:r>
-                <a:r>
-                  <a:rPr lang="ru-RU" sz="1600" dirty="0"/>
-                  <a:t> = </a:t>
-                </a:r>
-                <a:r>
-                  <a:rPr lang="en-US" sz="1600" dirty="0" err="1"/>
-                  <a:t>Rmax</a:t>
-                </a:r>
-                <a:r>
-                  <a:rPr lang="ru-RU" sz="1600" dirty="0"/>
-                  <a:t>.</a:t>
-                </a:r>
-              </a:p>
-              <a:p>
-                <a:pPr marL="726948" lvl="2" indent="-342900">
-                  <a:buFont typeface="+mj-lt"/>
-                  <a:buAutoNum type="arabicPeriod"/>
-                </a:pPr>
-                <a:r>
-                  <a:rPr lang="ru-RU" sz="1600" dirty="0"/>
-                  <a:t>Находим центр окружности – точку </a:t>
-                </a:r>
-                <a:r>
-                  <a:rPr lang="en-US" sz="1600" dirty="0"/>
-                  <a:t>center</a:t>
-                </a:r>
-                <a:r>
-                  <a:rPr lang="ru-RU" sz="1600" dirty="0"/>
-                  <a:t>. Она лежит на векторе нормали, проходящем, через </a:t>
-                </a:r>
-                <a:r>
-                  <a:rPr lang="ru-RU" sz="1600" dirty="0" smtClean="0"/>
-                  <a:t>срединную точку. </a:t>
-                </a:r>
-                <a:r>
-                  <a:rPr lang="ru-RU" sz="1600" dirty="0"/>
-                  <a:t>Координаты точки считаются по формулам:</a:t>
-                </a:r>
-                <a:r>
-                  <a:rPr lang="en-US" sz="1600" dirty="0" smtClean="0"/>
-                  <a:t> </a:t>
-                </a:r>
-                <a14:m>
-                  <m:oMath xmlns:m="http://schemas.openxmlformats.org/officeDocument/2006/math">
-                    <m:r>
-                      <a:rPr lang="en-US" sz="1600" i="1">
-                        <a:latin typeface="Cambria Math" panose="02040503050406030204" pitchFamily="18" charset="0"/>
-                      </a:rPr>
-                      <m:t>𝑥</m:t>
-                    </m:r>
-                    <m:r>
-                      <a:rPr lang="en-US" sz="1600" i="1">
-                        <a:latin typeface="Cambria Math" panose="02040503050406030204" pitchFamily="18" charset="0"/>
-                      </a:rPr>
-                      <m:t>=</m:t>
-                    </m:r>
-                    <m:sSub>
-                      <m:sSubPr>
-                        <m:ctrlPr>
-                          <a:rPr lang="ru-RU" sz="1600" i="1">
-                            <a:latin typeface="Cambria Math"/>
-                          </a:rPr>
-                        </m:ctrlPr>
-                      </m:sSubPr>
-                      <m:e>
-                        <m:r>
-                          <a:rPr lang="en-US" sz="1600" i="1">
-                            <a:latin typeface="Cambria Math" panose="02040503050406030204" pitchFamily="18" charset="0"/>
-                          </a:rPr>
-                          <m:t>𝑥</m:t>
-                        </m:r>
-                      </m:e>
-                      <m:sub>
-                        <m:r>
-                          <a:rPr lang="en-US" sz="1600" i="1">
-                            <a:latin typeface="Cambria Math" panose="02040503050406030204" pitchFamily="18" charset="0"/>
-                          </a:rPr>
-                          <m:t>𝑚𝑖𝑛𝑃𝑜𝑖𝑛𝑡</m:t>
-                        </m:r>
-                      </m:sub>
-                    </m:sSub>
-                    <m:r>
-                      <a:rPr lang="en-US" sz="1600" i="1">
-                        <a:latin typeface="Cambria Math" panose="02040503050406030204" pitchFamily="18" charset="0"/>
-                      </a:rPr>
-                      <m:t>+</m:t>
-                    </m:r>
-                    <m:sSub>
-                      <m:sSubPr>
-                        <m:ctrlPr>
-                          <a:rPr lang="ru-RU" sz="1600" i="1">
-                            <a:latin typeface="Cambria Math"/>
-                          </a:rPr>
-                        </m:ctrlPr>
-                      </m:sSubPr>
-                      <m:e>
-                        <m:r>
-                          <a:rPr lang="en-US" sz="1600" i="1">
-                            <a:latin typeface="Cambria Math" panose="02040503050406030204" pitchFamily="18" charset="0"/>
-                          </a:rPr>
-                          <m:t>𝑥</m:t>
-                        </m:r>
-                      </m:e>
-                      <m:sub>
-                        <m:r>
-                          <a:rPr lang="en-US" sz="1600" i="1">
-                            <a:latin typeface="Cambria Math" panose="02040503050406030204" pitchFamily="18" charset="0"/>
-                          </a:rPr>
-                          <m:t>𝑣𝑒𝑐𝑡𝑜𝑟</m:t>
-                        </m:r>
-                      </m:sub>
-                    </m:sSub>
-                    <m:r>
-                      <a:rPr lang="en-US" sz="1600" i="1">
-                        <a:latin typeface="Cambria Math" panose="02040503050406030204" pitchFamily="18" charset="0"/>
-                      </a:rPr>
-                      <m:t>∗</m:t>
-                    </m:r>
-                    <m:r>
-                      <a:rPr lang="en-US" sz="1600" i="1">
-                        <a:latin typeface="Cambria Math" panose="02040503050406030204" pitchFamily="18" charset="0"/>
-                      </a:rPr>
-                      <m:t>𝑅</m:t>
-                    </m:r>
-                    <m:r>
-                      <a:rPr lang="en-US" sz="1600" b="0" i="0" smtClean="0">
-                        <a:latin typeface="Cambria Math" panose="02040503050406030204" pitchFamily="18" charset="0"/>
-                      </a:rPr>
-                      <m:t>, </m:t>
-                    </m:r>
-                    <m:r>
-                      <a:rPr lang="en-US" sz="1600" i="1" smtClean="0">
-                        <a:latin typeface="Cambria Math" panose="02040503050406030204" pitchFamily="18" charset="0"/>
-                      </a:rPr>
-                      <m:t>𝑦</m:t>
-                    </m:r>
-                    <m:r>
-                      <a:rPr lang="en-US" sz="1600" i="1">
-                        <a:latin typeface="Cambria Math" panose="02040503050406030204" pitchFamily="18" charset="0"/>
-                      </a:rPr>
-                      <m:t>= </m:t>
-                    </m:r>
-                    <m:sSub>
-                      <m:sSubPr>
-                        <m:ctrlPr>
-                          <a:rPr lang="ru-RU" sz="1600" i="1">
-                            <a:latin typeface="Cambria Math"/>
-                          </a:rPr>
-                        </m:ctrlPr>
-                      </m:sSubPr>
-                      <m:e>
-                        <m:r>
-                          <a:rPr lang="en-US" sz="1600" i="1">
-                            <a:latin typeface="Cambria Math" panose="02040503050406030204" pitchFamily="18" charset="0"/>
-                          </a:rPr>
-                          <m:t>𝑦</m:t>
-                        </m:r>
-                      </m:e>
-                      <m:sub>
-                        <m:r>
-                          <a:rPr lang="en-US" sz="1600" i="1">
-                            <a:latin typeface="Cambria Math" panose="02040503050406030204" pitchFamily="18" charset="0"/>
-                          </a:rPr>
-                          <m:t>𝑚𝑖𝑑𝑃𝑜𝑖𝑛𝑡</m:t>
-                        </m:r>
-                      </m:sub>
-                    </m:sSub>
-                    <m:r>
-                      <a:rPr lang="en-US" sz="1600" i="1">
-                        <a:latin typeface="Cambria Math" panose="02040503050406030204" pitchFamily="18" charset="0"/>
-                      </a:rPr>
-                      <m:t>+</m:t>
-                    </m:r>
-                    <m:sSub>
-                      <m:sSubPr>
-                        <m:ctrlPr>
-                          <a:rPr lang="ru-RU" sz="1600" i="1">
-                            <a:latin typeface="Cambria Math"/>
-                          </a:rPr>
-                        </m:ctrlPr>
-                      </m:sSubPr>
-                      <m:e>
-                        <m:r>
-                          <a:rPr lang="en-US" sz="1600" i="1">
-                            <a:latin typeface="Cambria Math" panose="02040503050406030204" pitchFamily="18" charset="0"/>
-                          </a:rPr>
-                          <m:t>𝑦</m:t>
-                        </m:r>
-                      </m:e>
-                      <m:sub>
-                        <m:r>
-                          <a:rPr lang="en-US" sz="1600" i="1">
-                            <a:latin typeface="Cambria Math" panose="02040503050406030204" pitchFamily="18" charset="0"/>
-                          </a:rPr>
-                          <m:t>𝑣𝑒𝑐𝑡𝑜𝑟</m:t>
-                        </m:r>
-                      </m:sub>
-                    </m:sSub>
-                    <m:r>
-                      <a:rPr lang="en-US" sz="1600" i="1">
-                        <a:latin typeface="Cambria Math" panose="02040503050406030204" pitchFamily="18" charset="0"/>
-                      </a:rPr>
-                      <m:t>∗</m:t>
-                    </m:r>
-                    <m:r>
-                      <a:rPr lang="en-US" sz="1600" i="1">
-                        <a:latin typeface="Cambria Math" panose="02040503050406030204" pitchFamily="18" charset="0"/>
-                      </a:rPr>
-                      <m:t>𝑅</m:t>
-                    </m:r>
-                  </m:oMath>
-                </a14:m>
-                <a:endParaRPr lang="ru-RU" sz="1600" dirty="0"/>
-              </a:p>
-              <a:p>
-                <a:pPr marL="726948" lvl="2" indent="-342900">
-                  <a:buFont typeface="+mj-lt"/>
-                  <a:buAutoNum type="arabicPeriod"/>
-                </a:pPr>
-                <a:r>
-                  <a:rPr lang="ru-RU" sz="1600" dirty="0"/>
-                  <a:t>Меняем значение </a:t>
-                </a:r>
-                <a:r>
-                  <a:rPr lang="en-US" sz="1600" dirty="0"/>
-                  <a:t>R</a:t>
-                </a:r>
-                <a:r>
-                  <a:rPr lang="ru-RU" sz="1600" dirty="0"/>
-                  <a:t> = (</a:t>
-                </a:r>
-                <a:r>
-                  <a:rPr lang="en-US" sz="1600" dirty="0" err="1"/>
-                  <a:t>Rmax</a:t>
-                </a:r>
-                <a:r>
-                  <a:rPr lang="en-US" sz="1600" dirty="0"/>
-                  <a:t> </a:t>
-                </a:r>
-                <a:r>
-                  <a:rPr lang="ru-RU" sz="1600" dirty="0"/>
-                  <a:t>+ </a:t>
-                </a:r>
-                <a:r>
-                  <a:rPr lang="en-US" sz="1600" dirty="0" err="1"/>
-                  <a:t>Rmin</a:t>
-                </a:r>
-                <a:r>
-                  <a:rPr lang="ru-RU" sz="1600" dirty="0"/>
-                  <a:t>)/2 и соответственно координаты точки </a:t>
-                </a:r>
-                <a:r>
-                  <a:rPr lang="en-US" sz="1600" dirty="0"/>
-                  <a:t>center</a:t>
-                </a:r>
-                <a:endParaRPr lang="ru-RU" sz="1600" dirty="0"/>
-              </a:p>
-              <a:p>
-                <a:pPr marL="726948" lvl="2" indent="-342900">
-                  <a:buFont typeface="+mj-lt"/>
-                  <a:buAutoNum type="arabicPeriod"/>
-                </a:pPr>
-                <a:r>
-                  <a:rPr lang="ru-RU" sz="1600" dirty="0"/>
-                  <a:t>Проверяем, пересекает ли </a:t>
-                </a:r>
-                <a:r>
-                  <a:rPr lang="ru-RU" sz="1600" dirty="0" smtClean="0"/>
-                  <a:t>окружность </a:t>
-                </a:r>
-                <a:r>
-                  <a:rPr lang="ru-RU" sz="1600" dirty="0"/>
-                  <a:t>с центром в точке </a:t>
-                </a:r>
-                <a:r>
-                  <a:rPr lang="en-US" sz="1600" dirty="0"/>
-                  <a:t>center </a:t>
-                </a:r>
-                <a:r>
-                  <a:rPr lang="ru-RU" sz="1600" dirty="0"/>
-                  <a:t>и радиусом </a:t>
-                </a:r>
-                <a:r>
-                  <a:rPr lang="en-US" sz="1600" dirty="0"/>
-                  <a:t>R </a:t>
-                </a:r>
-                <a:r>
-                  <a:rPr lang="ru-RU" sz="1600" dirty="0"/>
-                  <a:t>сегменты </a:t>
-                </a:r>
-                <a:r>
-                  <a:rPr lang="ru-RU" sz="1600" dirty="0" smtClean="0"/>
-                  <a:t>из списка, </a:t>
-                </a:r>
-                <a:r>
-                  <a:rPr lang="ru-RU" sz="1600" dirty="0"/>
-                  <a:t>а также выходит ли окружность за границы контура. Если выходит, то </a:t>
-                </a:r>
-                <a:r>
-                  <a:rPr lang="en-US" sz="1600" dirty="0" err="1"/>
-                  <a:t>Rmax</a:t>
-                </a:r>
-                <a:r>
-                  <a:rPr lang="ru-RU" sz="1600" dirty="0"/>
-                  <a:t> = </a:t>
-                </a:r>
-                <a:r>
-                  <a:rPr lang="en-US" sz="1600" dirty="0"/>
-                  <a:t>R</a:t>
-                </a:r>
-                <a:r>
-                  <a:rPr lang="ru-RU" sz="1600" dirty="0"/>
-                  <a:t> и на Шаг 6. Если не выходит, но один из сегментов пересекает в двух точках, то </a:t>
-                </a:r>
-                <a:r>
-                  <a:rPr lang="en-US" sz="1600" dirty="0" err="1"/>
-                  <a:t>Rmax</a:t>
-                </a:r>
-                <a:r>
-                  <a:rPr lang="ru-RU" sz="1600" dirty="0"/>
-                  <a:t> = </a:t>
-                </a:r>
-                <a:r>
-                  <a:rPr lang="en-US" sz="1600" dirty="0"/>
-                  <a:t>R</a:t>
-                </a:r>
-                <a:r>
-                  <a:rPr lang="ru-RU" sz="1600" dirty="0"/>
-                  <a:t> и на Шаг 6. Если не выходит и не пересекает ни одного из сегментов, то </a:t>
-                </a:r>
-                <a:r>
-                  <a:rPr lang="en-US" sz="1600" dirty="0" err="1"/>
-                  <a:t>Rmin</a:t>
-                </a:r>
-                <a:r>
-                  <a:rPr lang="ru-RU" sz="1600" dirty="0"/>
-                  <a:t> = </a:t>
-                </a:r>
-                <a:r>
-                  <a:rPr lang="en-US" sz="1600" dirty="0"/>
-                  <a:t>R </a:t>
-                </a:r>
-                <a:r>
-                  <a:rPr lang="ru-RU" sz="1600" dirty="0"/>
-                  <a:t>и на Шаг 6. Если не выходит и касается двух или больше сегментов в одной точке, то на Шаг </a:t>
-                </a:r>
-                <a:r>
-                  <a:rPr lang="ru-RU" sz="1600" dirty="0" smtClean="0"/>
-                  <a:t>8.</a:t>
-                </a:r>
-              </a:p>
-              <a:p>
-                <a:endParaRPr lang="ru-RU" dirty="0"/>
-              </a:p>
-            </p:txBody>
-          </p:sp>
-        </mc:Choice>
-        <mc:Fallback xmlns="">
-          <p:sp>
-            <p:nvSpPr>
-              <p:cNvPr id="3" name="Content Placeholder 2"/>
-              <p:cNvSpPr>
-                <a:spLocks noGrp="1" noRot="1" noChangeAspect="1" noMove="1" noResize="1" noEditPoints="1" noAdjustHandles="1" noChangeArrowheads="1" noChangeShapeType="1" noTextEdit="1"/>
-              </p:cNvSpPr>
-              <p:nvPr>
-                <p:ph idx="1"/>
-              </p:nvPr>
-            </p:nvSpPr>
-            <p:spPr>
-              <a:blipFill rotWithShape="0">
-                <a:blip r:embed="rId2"/>
-                <a:stretch>
-                  <a:fillRect l="-1515" t="-1667" r="-545"/>
-                </a:stretch>
-              </a:blipFill>
-            </p:spPr>
-            <p:txBody>
-              <a:bodyPr/>
-              <a:lstStyle/>
-              <a:p>
-                <a:r>
-                  <a:rPr lang="ru-RU">
-                    <a:noFill/>
-                  </a:rPr>
-                  <a:t> </a:t>
-                </a:r>
-              </a:p>
-            </p:txBody>
-          </p:sp>
-        </mc:Fallback>
-      </mc:AlternateContent>
-      <p:sp>
-        <p:nvSpPr>
-          <p:cNvPr id="4" name="Rectangle 3"/>
-          <p:cNvSpPr>
-            <a:spLocks noChangeArrowheads="1"/>
-          </p:cNvSpPr>
-          <p:nvPr/>
-        </p:nvSpPr>
-        <p:spPr bwMode="auto">
-          <a:xfrm>
-            <a:off x="137160" y="88900"/>
-            <a:ext cx="12192000" cy="457200"/>
-          </a:xfrm>
-          <a:prstGeom prst="rect">
-            <a:avLst/>
-          </a:prstGeom>
-          <a:noFill/>
-          <a:ln>
-            <a:noFill/>
-          </a:ln>
-          <a:effectLst/>
-          <a:extLst>
-            <a:ext uri="{909E8E84-426E-40DD-AFC4-6F175D3DCCD1}">
-              <a14:hiddenFill xmlns:a14="http://schemas.microsoft.com/office/drawing/2010/main">
-                <a:solidFill>
-                  <a:schemeClr val="accent1"/>
-                </a:solidFill>
-              </a14:hiddenFill>
-            </a:ext>
-            <a:ext uri="{91240B29-F687-4F45-9708-019B960494DF}">
-              <a14:hiddenLine xmlns:a14="http://schemas.microsoft.com/office/drawing/2010/main" w="9525">
-                <a:solidFill>
-                  <a:schemeClr val="tx1"/>
-                </a:solidFill>
-                <a:miter lim="800000"/>
-                <a:headEnd/>
-                <a:tailEnd/>
-              </a14:hiddenLine>
-            </a:ext>
-            <a:ext uri="{AF507438-7753-43E0-B8FC-AC1667EBCBE1}">
-              <a14:hiddenEffects xmlns:a14="http://schemas.microsoft.com/office/drawing/2010/main">
-                <a:effectLst>
-                  <a:outerShdw dist="35921" dir="2700000" algn="ctr" rotWithShape="0">
-                    <a:schemeClr val="bg2"/>
-                  </a:outerShdw>
-                </a:effectLst>
-              </a14:hiddenEffects>
-            </a:ext>
-          </a:extLst>
-        </p:spPr>
-        <p:txBody>
-          <a:bodyPr vert="horz" wrap="none" lIns="91440" tIns="152352" rIns="91440" bIns="152352" numCol="1" anchor="ctr" anchorCtr="0" compatLnSpc="1">
-            <a:prstTxWarp prst="textNoShape">
-              <a:avLst/>
-            </a:prstTxWarp>
-            <a:spAutoFit/>
-          </a:bodyPr>
-          <a:lstStyle/>
-          <a:p>
-            <a:pPr marL="0" marR="0" lvl="0" indent="0" algn="l" defTabSz="914400" rtl="0" eaLnBrk="0" fontAlgn="base" latinLnBrk="0" hangingPunct="0">
-              <a:lnSpc>
-                <a:spcPct val="100000"/>
-              </a:lnSpc>
-              <a:spcBef>
-                <a:spcPct val="0"/>
-              </a:spcBef>
-              <a:spcAft>
-                <a:spcPct val="0"/>
-              </a:spcAft>
-              <a:buClrTx/>
-              <a:buSzTx/>
-              <a:buFontTx/>
-              <a:buNone/>
-              <a:tabLst/>
-            </a:pPr>
-            <a:r>
-              <a:rPr kumimoji="0" lang="ru-RU" altLang="ru-RU" sz="1400" b="1" i="0" u="none" strike="noStrike" cap="none" normalizeH="0" baseline="0" smtClean="0">
-                <a:ln>
-                  <a:noFill/>
-                </a:ln>
-                <a:solidFill>
-                  <a:schemeClr val="tx1"/>
-                </a:solidFill>
-                <a:effectLst/>
-                <a:latin typeface="Cambria" panose="02040503050406030204" pitchFamily="18" charset="0"/>
-                <a:ea typeface="Times New Roman" panose="02020603050405020304" pitchFamily="18" charset="0"/>
-                <a:cs typeface="Times New Roman" panose="02020603050405020304" pitchFamily="18" charset="0"/>
-              </a:rPr>
-              <a:t> </a:t>
-            </a:r>
-          </a:p>
-          <a:p>
-            <a:pPr marL="0" marR="0" lvl="0" indent="0" algn="l" defTabSz="914400" rtl="0" eaLnBrk="0" fontAlgn="base" latinLnBrk="0" hangingPunct="0">
-              <a:lnSpc>
-                <a:spcPct val="100000"/>
-              </a:lnSpc>
-              <a:spcBef>
-                <a:spcPct val="0"/>
-              </a:spcBef>
-              <a:spcAft>
-                <a:spcPct val="0"/>
-              </a:spcAft>
-              <a:buClrTx/>
-              <a:buSzTx/>
-              <a:buFontTx/>
-              <a:buNone/>
-              <a:tabLst/>
-            </a:pPr>
-            <a:endParaRPr kumimoji="0" lang="ru-RU" altLang="ru-RU" sz="1800" b="0" i="0" u="none" strike="noStrike" cap="none" normalizeH="0" baseline="0" smtClean="0">
-              <a:ln>
-                <a:noFill/>
-              </a:ln>
-              <a:solidFill>
-                <a:schemeClr val="tx1"/>
-              </a:solidFill>
-              <a:effectLst/>
-              <a:latin typeface="Arial" panose="020B0604020202020204" pitchFamily="34" charset="0"/>
-            </a:endParaRPr>
-          </a:p>
-        </p:txBody>
-      </p:sp>
-    </p:spTree>
-    <p:extLst>
-      <p:ext uri="{BB962C8B-B14F-4D97-AF65-F5344CB8AC3E}">
-        <p14:creationId xmlns:p14="http://schemas.microsoft.com/office/powerpoint/2010/main" val="2503749877"/>
       </p:ext>
     </p:extLst>
   </p:cSld>
@@ -8924,7 +8769,7 @@
   <a:extraClrSchemeLst/>
   <a:extLst>
     <a:ext uri="{05A4C25C-085E-4340-85A3-A5531E510DB2}">
-      <thm15:themeFamily xmlns="" xmlns:thm15="http://schemas.microsoft.com/office/thememl/2012/main" name="Retrospect" id="{5F128B03-DCCA-4EEB-AB3B-CF2899314A46}" vid="{3F1AAB62-24C6-49D2-8E01-B56FAC9A3DCD}"/>
+      <thm15:themeFamily xmlns:thm15="http://schemas.microsoft.com/office/thememl/2012/main" name="Retrospect" id="{5F128B03-DCCA-4EEB-AB3B-CF2899314A46}" vid="{3F1AAB62-24C6-49D2-8E01-B56FAC9A3DCD}"/>
     </a:ext>
   </a:extLst>
 </a:theme>
